--- a/캡스톤디자인_5주차 발표자료_5조.pptx
+++ b/캡스톤디자인_5주차 발표자료_5조.pptx
@@ -345,590 +345,6 @@
 </p:presentation>
 </file>
 
-<file path=ppt/changesInfos/changesInfo1.xml><?xml version="1.0" encoding="utf-8"?>
-<pc:chgInfo xmlns:a="http://schemas.openxmlformats.org/drawingml/2006/main" xmlns:r="http://schemas.openxmlformats.org/officeDocument/2006/relationships" xmlns:ac="http://schemas.microsoft.com/office/drawing/2013/main/command" xmlns:pc="http://schemas.microsoft.com/office/powerpoint/2013/main/command">
-  <pc:docChgLst>
-    <pc:chgData name="남유선" userId="c5c0474d-318a-4504-b270-99912c9aca2f" providerId="ADAL" clId="{C364FBA6-CFBC-44DD-AB91-683400EF2A77}"/>
-    <pc:docChg chg="undo custSel addSld delSld modSld sldOrd">
-      <pc:chgData name="남유선" userId="c5c0474d-318a-4504-b270-99912c9aca2f" providerId="ADAL" clId="{C364FBA6-CFBC-44DD-AB91-683400EF2A77}" dt="2018-10-01T13:45:56.723" v="1301"/>
-      <pc:docMkLst>
-        <pc:docMk/>
-      </pc:docMkLst>
-      <pc:sldChg chg="modSp">
-        <pc:chgData name="남유선" userId="c5c0474d-318a-4504-b270-99912c9aca2f" providerId="ADAL" clId="{C364FBA6-CFBC-44DD-AB91-683400EF2A77}" dt="2018-10-01T09:19:32.875" v="120" actId="20578"/>
-        <pc:sldMkLst>
-          <pc:docMk/>
-          <pc:sldMk cId="0" sldId="257"/>
-        </pc:sldMkLst>
-        <pc:spChg chg="mod">
-          <ac:chgData name="남유선" userId="c5c0474d-318a-4504-b270-99912c9aca2f" providerId="ADAL" clId="{C364FBA6-CFBC-44DD-AB91-683400EF2A77}" dt="2018-10-01T09:19:32.875" v="120" actId="20578"/>
-          <ac:spMkLst>
-            <pc:docMk/>
-            <pc:sldMk cId="0" sldId="257"/>
-            <ac:spMk id="125" creationId="{00000000-0000-0000-0000-000000000000}"/>
-          </ac:spMkLst>
-        </pc:spChg>
-      </pc:sldChg>
-      <pc:sldChg chg="addSp delSp modSp ord">
-        <pc:chgData name="남유선" userId="c5c0474d-318a-4504-b270-99912c9aca2f" providerId="ADAL" clId="{C364FBA6-CFBC-44DD-AB91-683400EF2A77}" dt="2018-10-01T09:19:29.705" v="119" actId="692"/>
-        <pc:sldMkLst>
-          <pc:docMk/>
-          <pc:sldMk cId="0" sldId="258"/>
-        </pc:sldMkLst>
-        <pc:picChg chg="add del">
-          <ac:chgData name="남유선" userId="c5c0474d-318a-4504-b270-99912c9aca2f" providerId="ADAL" clId="{C364FBA6-CFBC-44DD-AB91-683400EF2A77}" dt="2018-10-01T09:16:25.653" v="2" actId="478"/>
-          <ac:picMkLst>
-            <pc:docMk/>
-            <pc:sldMk cId="0" sldId="258"/>
-            <ac:picMk id="2" creationId="{8C06914D-ACAD-4433-B9E9-A9035913876D}"/>
-          </ac:picMkLst>
-        </pc:picChg>
-        <pc:picChg chg="add mod">
-          <ac:chgData name="남유선" userId="c5c0474d-318a-4504-b270-99912c9aca2f" providerId="ADAL" clId="{C364FBA6-CFBC-44DD-AB91-683400EF2A77}" dt="2018-10-01T09:17:00.402" v="11" actId="1076"/>
-          <ac:picMkLst>
-            <pc:docMk/>
-            <pc:sldMk cId="0" sldId="258"/>
-            <ac:picMk id="3" creationId="{198B8247-9BB5-4BCA-AD21-A3E992B34A9D}"/>
-          </ac:picMkLst>
-        </pc:picChg>
-        <pc:picChg chg="del">
-          <ac:chgData name="남유선" userId="c5c0474d-318a-4504-b270-99912c9aca2f" providerId="ADAL" clId="{C364FBA6-CFBC-44DD-AB91-683400EF2A77}" dt="2018-10-01T09:16:17.175" v="0" actId="478"/>
-          <ac:picMkLst>
-            <pc:docMk/>
-            <pc:sldMk cId="0" sldId="258"/>
-            <ac:picMk id="6" creationId="{3680B21B-593A-49A1-8D3B-C5B9C7EEF1EC}"/>
-          </ac:picMkLst>
-        </pc:picChg>
-      </pc:sldChg>
-      <pc:sldChg chg="del">
-        <pc:chgData name="남유선" userId="c5c0474d-318a-4504-b270-99912c9aca2f" providerId="ADAL" clId="{C364FBA6-CFBC-44DD-AB91-683400EF2A77}" dt="2018-10-01T09:20:41.900" v="144" actId="2696"/>
-        <pc:sldMkLst>
-          <pc:docMk/>
-          <pc:sldMk cId="0" sldId="261"/>
-        </pc:sldMkLst>
-      </pc:sldChg>
-      <pc:sldChg chg="modSp">
-        <pc:chgData name="남유선" userId="c5c0474d-318a-4504-b270-99912c9aca2f" providerId="ADAL" clId="{C364FBA6-CFBC-44DD-AB91-683400EF2A77}" dt="2018-10-01T11:02:18.047" v="1025" actId="20577"/>
-        <pc:sldMkLst>
-          <pc:docMk/>
-          <pc:sldMk cId="0" sldId="265"/>
-        </pc:sldMkLst>
-        <pc:spChg chg="mod">
-          <ac:chgData name="남유선" userId="c5c0474d-318a-4504-b270-99912c9aca2f" providerId="ADAL" clId="{C364FBA6-CFBC-44DD-AB91-683400EF2A77}" dt="2018-10-01T10:01:28.167" v="777" actId="207"/>
-          <ac:spMkLst>
-            <pc:docMk/>
-            <pc:sldMk cId="0" sldId="265"/>
-            <ac:spMk id="30" creationId="{1F2C2400-3B91-4AAC-9E8E-5CFDAC821EF7}"/>
-          </ac:spMkLst>
-        </pc:spChg>
-        <pc:spChg chg="mod">
-          <ac:chgData name="남유선" userId="c5c0474d-318a-4504-b270-99912c9aca2f" providerId="ADAL" clId="{C364FBA6-CFBC-44DD-AB91-683400EF2A77}" dt="2018-10-01T11:02:18.047" v="1025" actId="20577"/>
-          <ac:spMkLst>
-            <pc:docMk/>
-            <pc:sldMk cId="0" sldId="265"/>
-            <ac:spMk id="31" creationId="{53948221-E175-4B6E-A674-637775EC8F8A}"/>
-          </ac:spMkLst>
-        </pc:spChg>
-        <pc:spChg chg="mod">
-          <ac:chgData name="남유선" userId="c5c0474d-318a-4504-b270-99912c9aca2f" providerId="ADAL" clId="{C364FBA6-CFBC-44DD-AB91-683400EF2A77}" dt="2018-10-01T10:01:28.167" v="777" actId="207"/>
-          <ac:spMkLst>
-            <pc:docMk/>
-            <pc:sldMk cId="0" sldId="265"/>
-            <ac:spMk id="32" creationId="{D09B633D-4C55-402A-8F0A-A418C88FCFC6}"/>
-          </ac:spMkLst>
-        </pc:spChg>
-        <pc:spChg chg="mod">
-          <ac:chgData name="남유선" userId="c5c0474d-318a-4504-b270-99912c9aca2f" providerId="ADAL" clId="{C364FBA6-CFBC-44DD-AB91-683400EF2A77}" dt="2018-10-01T10:09:12.330" v="876" actId="20577"/>
-          <ac:spMkLst>
-            <pc:docMk/>
-            <pc:sldMk cId="0" sldId="265"/>
-            <ac:spMk id="33" creationId="{8D4DEEC5-0076-4FEC-B968-0674CF99E5A4}"/>
-          </ac:spMkLst>
-        </pc:spChg>
-        <pc:spChg chg="mod">
-          <ac:chgData name="남유선" userId="c5c0474d-318a-4504-b270-99912c9aca2f" providerId="ADAL" clId="{C364FBA6-CFBC-44DD-AB91-683400EF2A77}" dt="2018-10-01T10:01:28.167" v="777" actId="207"/>
-          <ac:spMkLst>
-            <pc:docMk/>
-            <pc:sldMk cId="0" sldId="265"/>
-            <ac:spMk id="34" creationId="{F00CD4F7-3E5C-4978-BE57-27BC7EF392F2}"/>
-          </ac:spMkLst>
-        </pc:spChg>
-        <pc:spChg chg="mod">
-          <ac:chgData name="남유선" userId="c5c0474d-318a-4504-b270-99912c9aca2f" providerId="ADAL" clId="{C364FBA6-CFBC-44DD-AB91-683400EF2A77}" dt="2018-10-01T10:01:28.167" v="777" actId="207"/>
-          <ac:spMkLst>
-            <pc:docMk/>
-            <pc:sldMk cId="0" sldId="265"/>
-            <ac:spMk id="35" creationId="{5B6CD5E6-0E9D-49CA-8E02-48AF182EE879}"/>
-          </ac:spMkLst>
-        </pc:spChg>
-        <pc:spChg chg="mod">
-          <ac:chgData name="남유선" userId="c5c0474d-318a-4504-b270-99912c9aca2f" providerId="ADAL" clId="{C364FBA6-CFBC-44DD-AB91-683400EF2A77}" dt="2018-10-01T10:01:28.167" v="777" actId="207"/>
-          <ac:spMkLst>
-            <pc:docMk/>
-            <pc:sldMk cId="0" sldId="265"/>
-            <ac:spMk id="36" creationId="{A14DA1F0-197B-4BAC-9585-1C5E4ED840BC}"/>
-          </ac:spMkLst>
-        </pc:spChg>
-        <pc:spChg chg="mod">
-          <ac:chgData name="남유선" userId="c5c0474d-318a-4504-b270-99912c9aca2f" providerId="ADAL" clId="{C364FBA6-CFBC-44DD-AB91-683400EF2A77}" dt="2018-10-01T10:01:28.167" v="777" actId="207"/>
-          <ac:spMkLst>
-            <pc:docMk/>
-            <pc:sldMk cId="0" sldId="265"/>
-            <ac:spMk id="37" creationId="{9FAA72A1-60F5-42C2-971D-39A939BAC09E}"/>
-          </ac:spMkLst>
-        </pc:spChg>
-      </pc:sldChg>
-      <pc:sldChg chg="addSp delSp modSp">
-        <pc:chgData name="남유선" userId="c5c0474d-318a-4504-b270-99912c9aca2f" providerId="ADAL" clId="{C364FBA6-CFBC-44DD-AB91-683400EF2A77}" dt="2018-10-01T11:15:41.547" v="1053" actId="692"/>
-        <pc:sldMkLst>
-          <pc:docMk/>
-          <pc:sldMk cId="112299050" sldId="266"/>
-        </pc:sldMkLst>
-        <pc:spChg chg="del mod">
-          <ac:chgData name="남유선" userId="c5c0474d-318a-4504-b270-99912c9aca2f" providerId="ADAL" clId="{C364FBA6-CFBC-44DD-AB91-683400EF2A77}" dt="2018-10-01T11:13:26.688" v="1042" actId="478"/>
-          <ac:spMkLst>
-            <pc:docMk/>
-            <pc:sldMk cId="112299050" sldId="266"/>
-            <ac:spMk id="3" creationId="{03C291F1-DB3F-406C-BFFE-D5931636AEA7}"/>
-          </ac:spMkLst>
-        </pc:spChg>
-        <pc:spChg chg="mod">
-          <ac:chgData name="남유선" userId="c5c0474d-318a-4504-b270-99912c9aca2f" providerId="ADAL" clId="{C364FBA6-CFBC-44DD-AB91-683400EF2A77}" dt="2018-10-01T10:01:42.870" v="778" actId="207"/>
-          <ac:spMkLst>
-            <pc:docMk/>
-            <pc:sldMk cId="112299050" sldId="266"/>
-            <ac:spMk id="4" creationId="{18EFB7A4-A33F-4CBF-95AA-C7D8B98ACCDC}"/>
-          </ac:spMkLst>
-        </pc:spChg>
-        <pc:spChg chg="mod">
-          <ac:chgData name="남유선" userId="c5c0474d-318a-4504-b270-99912c9aca2f" providerId="ADAL" clId="{C364FBA6-CFBC-44DD-AB91-683400EF2A77}" dt="2018-10-01T10:01:42.870" v="778" actId="207"/>
-          <ac:spMkLst>
-            <pc:docMk/>
-            <pc:sldMk cId="112299050" sldId="266"/>
-            <ac:spMk id="11" creationId="{C52E5160-1846-47D0-B468-0537BF6ABFC6}"/>
-          </ac:spMkLst>
-        </pc:spChg>
-        <pc:spChg chg="mod">
-          <ac:chgData name="남유선" userId="c5c0474d-318a-4504-b270-99912c9aca2f" providerId="ADAL" clId="{C364FBA6-CFBC-44DD-AB91-683400EF2A77}" dt="2018-10-01T10:01:42.870" v="778" actId="207"/>
-          <ac:spMkLst>
-            <pc:docMk/>
-            <pc:sldMk cId="112299050" sldId="266"/>
-            <ac:spMk id="12" creationId="{E12C1B0D-5CFD-47D3-ABC4-EF97039DC8FC}"/>
-          </ac:spMkLst>
-        </pc:spChg>
-        <pc:spChg chg="mod">
-          <ac:chgData name="남유선" userId="c5c0474d-318a-4504-b270-99912c9aca2f" providerId="ADAL" clId="{C364FBA6-CFBC-44DD-AB91-683400EF2A77}" dt="2018-10-01T10:01:42.870" v="778" actId="207"/>
-          <ac:spMkLst>
-            <pc:docMk/>
-            <pc:sldMk cId="112299050" sldId="266"/>
-            <ac:spMk id="13" creationId="{BAF46184-0195-4EE7-B1B1-42B366D0F79B}"/>
-          </ac:spMkLst>
-        </pc:spChg>
-        <pc:spChg chg="mod">
-          <ac:chgData name="남유선" userId="c5c0474d-318a-4504-b270-99912c9aca2f" providerId="ADAL" clId="{C364FBA6-CFBC-44DD-AB91-683400EF2A77}" dt="2018-10-01T09:23:13.738" v="148" actId="207"/>
-          <ac:spMkLst>
-            <pc:docMk/>
-            <pc:sldMk cId="112299050" sldId="266"/>
-            <ac:spMk id="16" creationId="{E58B0281-162E-4D21-B1E5-7355654AA58B}"/>
-          </ac:spMkLst>
-        </pc:spChg>
-        <pc:grpChg chg="del">
-          <ac:chgData name="남유선" userId="c5c0474d-318a-4504-b270-99912c9aca2f" providerId="ADAL" clId="{C364FBA6-CFBC-44DD-AB91-683400EF2A77}" dt="2018-10-01T11:13:24.301" v="1040" actId="478"/>
-          <ac:grpSpMkLst>
-            <pc:docMk/>
-            <pc:sldMk cId="112299050" sldId="266"/>
-            <ac:grpSpMk id="15" creationId="{CC29FC6F-076D-4240-BE48-75DF61AB6185}"/>
-          </ac:grpSpMkLst>
-        </pc:grpChg>
-        <pc:picChg chg="add mod">
-          <ac:chgData name="남유선" userId="c5c0474d-318a-4504-b270-99912c9aca2f" providerId="ADAL" clId="{C364FBA6-CFBC-44DD-AB91-683400EF2A77}" dt="2018-10-01T11:15:41.547" v="1053" actId="692"/>
-          <ac:picMkLst>
-            <pc:docMk/>
-            <pc:sldMk cId="112299050" sldId="266"/>
-            <ac:picMk id="5" creationId="{DB136E19-C347-4775-80AA-A47A88F7BDED}"/>
-          </ac:picMkLst>
-        </pc:picChg>
-        <pc:picChg chg="mod">
-          <ac:chgData name="남유선" userId="c5c0474d-318a-4504-b270-99912c9aca2f" providerId="ADAL" clId="{C364FBA6-CFBC-44DD-AB91-683400EF2A77}" dt="2018-10-01T09:23:23.873" v="149" actId="1076"/>
-          <ac:picMkLst>
-            <pc:docMk/>
-            <pc:sldMk cId="112299050" sldId="266"/>
-            <ac:picMk id="17" creationId="{3C27BB87-93CC-4B89-98F8-8A6559E5E945}"/>
-          </ac:picMkLst>
-        </pc:picChg>
-        <pc:picChg chg="del">
-          <ac:chgData name="남유선" userId="c5c0474d-318a-4504-b270-99912c9aca2f" providerId="ADAL" clId="{C364FBA6-CFBC-44DD-AB91-683400EF2A77}" dt="2018-10-01T11:13:21.122" v="1039" actId="478"/>
-          <ac:picMkLst>
-            <pc:docMk/>
-            <pc:sldMk cId="112299050" sldId="266"/>
-            <ac:picMk id="167" creationId="{00000000-0000-0000-0000-000000000000}"/>
-          </ac:picMkLst>
-        </pc:picChg>
-      </pc:sldChg>
-      <pc:sldChg chg="modSp modNotesTx">
-        <pc:chgData name="남유선" userId="c5c0474d-318a-4504-b270-99912c9aca2f" providerId="ADAL" clId="{C364FBA6-CFBC-44DD-AB91-683400EF2A77}" dt="2018-10-01T13:45:56.723" v="1301"/>
-        <pc:sldMkLst>
-          <pc:docMk/>
-          <pc:sldMk cId="884125030" sldId="267"/>
-        </pc:sldMkLst>
-        <pc:spChg chg="mod">
-          <ac:chgData name="남유선" userId="c5c0474d-318a-4504-b270-99912c9aca2f" providerId="ADAL" clId="{C364FBA6-CFBC-44DD-AB91-683400EF2A77}" dt="2018-10-01T10:09:25.375" v="877" actId="207"/>
-          <ac:spMkLst>
-            <pc:docMk/>
-            <pc:sldMk cId="884125030" sldId="267"/>
-            <ac:spMk id="30" creationId="{1F2C2400-3B91-4AAC-9E8E-5CFDAC821EF7}"/>
-          </ac:spMkLst>
-        </pc:spChg>
-        <pc:spChg chg="mod">
-          <ac:chgData name="남유선" userId="c5c0474d-318a-4504-b270-99912c9aca2f" providerId="ADAL" clId="{C364FBA6-CFBC-44DD-AB91-683400EF2A77}" dt="2018-10-01T13:45:35.991" v="1257" actId="20577"/>
-          <ac:spMkLst>
-            <pc:docMk/>
-            <pc:sldMk cId="884125030" sldId="267"/>
-            <ac:spMk id="31" creationId="{53948221-E175-4B6E-A674-637775EC8F8A}"/>
-          </ac:spMkLst>
-        </pc:spChg>
-        <pc:spChg chg="mod">
-          <ac:chgData name="남유선" userId="c5c0474d-318a-4504-b270-99912c9aca2f" providerId="ADAL" clId="{C364FBA6-CFBC-44DD-AB91-683400EF2A77}" dt="2018-10-01T10:09:25.375" v="877" actId="207"/>
-          <ac:spMkLst>
-            <pc:docMk/>
-            <pc:sldMk cId="884125030" sldId="267"/>
-            <ac:spMk id="32" creationId="{D09B633D-4C55-402A-8F0A-A418C88FCFC6}"/>
-          </ac:spMkLst>
-        </pc:spChg>
-        <pc:spChg chg="mod">
-          <ac:chgData name="남유선" userId="c5c0474d-318a-4504-b270-99912c9aca2f" providerId="ADAL" clId="{C364FBA6-CFBC-44DD-AB91-683400EF2A77}" dt="2018-10-01T10:09:25.375" v="877" actId="207"/>
-          <ac:spMkLst>
-            <pc:docMk/>
-            <pc:sldMk cId="884125030" sldId="267"/>
-            <ac:spMk id="33" creationId="{8D4DEEC5-0076-4FEC-B968-0674CF99E5A4}"/>
-          </ac:spMkLst>
-        </pc:spChg>
-        <pc:spChg chg="mod">
-          <ac:chgData name="남유선" userId="c5c0474d-318a-4504-b270-99912c9aca2f" providerId="ADAL" clId="{C364FBA6-CFBC-44DD-AB91-683400EF2A77}" dt="2018-10-01T10:09:25.375" v="877" actId="207"/>
-          <ac:spMkLst>
-            <pc:docMk/>
-            <pc:sldMk cId="884125030" sldId="267"/>
-            <ac:spMk id="34" creationId="{F00CD4F7-3E5C-4978-BE57-27BC7EF392F2}"/>
-          </ac:spMkLst>
-        </pc:spChg>
-        <pc:spChg chg="mod">
-          <ac:chgData name="남유선" userId="c5c0474d-318a-4504-b270-99912c9aca2f" providerId="ADAL" clId="{C364FBA6-CFBC-44DD-AB91-683400EF2A77}" dt="2018-10-01T10:09:25.375" v="877" actId="207"/>
-          <ac:spMkLst>
-            <pc:docMk/>
-            <pc:sldMk cId="884125030" sldId="267"/>
-            <ac:spMk id="35" creationId="{5B6CD5E6-0E9D-49CA-8E02-48AF182EE879}"/>
-          </ac:spMkLst>
-        </pc:spChg>
-        <pc:spChg chg="mod">
-          <ac:chgData name="남유선" userId="c5c0474d-318a-4504-b270-99912c9aca2f" providerId="ADAL" clId="{C364FBA6-CFBC-44DD-AB91-683400EF2A77}" dt="2018-10-01T10:09:25.375" v="877" actId="207"/>
-          <ac:spMkLst>
-            <pc:docMk/>
-            <pc:sldMk cId="884125030" sldId="267"/>
-            <ac:spMk id="36" creationId="{A14DA1F0-197B-4BAC-9585-1C5E4ED840BC}"/>
-          </ac:spMkLst>
-        </pc:spChg>
-        <pc:spChg chg="mod">
-          <ac:chgData name="남유선" userId="c5c0474d-318a-4504-b270-99912c9aca2f" providerId="ADAL" clId="{C364FBA6-CFBC-44DD-AB91-683400EF2A77}" dt="2018-10-01T13:45:56.723" v="1301"/>
-          <ac:spMkLst>
-            <pc:docMk/>
-            <pc:sldMk cId="884125030" sldId="267"/>
-            <ac:spMk id="37" creationId="{9FAA72A1-60F5-42C2-971D-39A939BAC09E}"/>
-          </ac:spMkLst>
-        </pc:spChg>
-      </pc:sldChg>
-      <pc:sldChg chg="modSp">
-        <pc:chgData name="남유선" userId="c5c0474d-318a-4504-b270-99912c9aca2f" providerId="ADAL" clId="{C364FBA6-CFBC-44DD-AB91-683400EF2A77}" dt="2018-10-01T10:13:29.710" v="948" actId="207"/>
-        <pc:sldMkLst>
-          <pc:docMk/>
-          <pc:sldMk cId="1304595439" sldId="268"/>
-        </pc:sldMkLst>
-        <pc:spChg chg="mod">
-          <ac:chgData name="남유선" userId="c5c0474d-318a-4504-b270-99912c9aca2f" providerId="ADAL" clId="{C364FBA6-CFBC-44DD-AB91-683400EF2A77}" dt="2018-10-01T10:13:29.710" v="948" actId="207"/>
-          <ac:spMkLst>
-            <pc:docMk/>
-            <pc:sldMk cId="1304595439" sldId="268"/>
-            <ac:spMk id="16" creationId="{376AB224-E3A7-43BB-B871-9F614EBDCDE1}"/>
-          </ac:spMkLst>
-        </pc:spChg>
-        <pc:spChg chg="mod">
-          <ac:chgData name="남유선" userId="c5c0474d-318a-4504-b270-99912c9aca2f" providerId="ADAL" clId="{C364FBA6-CFBC-44DD-AB91-683400EF2A77}" dt="2018-10-01T10:13:21.599" v="945" actId="207"/>
-          <ac:spMkLst>
-            <pc:docMk/>
-            <pc:sldMk cId="1304595439" sldId="268"/>
-            <ac:spMk id="30" creationId="{1F2C2400-3B91-4AAC-9E8E-5CFDAC821EF7}"/>
-          </ac:spMkLst>
-        </pc:spChg>
-        <pc:spChg chg="mod">
-          <ac:chgData name="남유선" userId="c5c0474d-318a-4504-b270-99912c9aca2f" providerId="ADAL" clId="{C364FBA6-CFBC-44DD-AB91-683400EF2A77}" dt="2018-10-01T10:13:21.599" v="945" actId="207"/>
-          <ac:spMkLst>
-            <pc:docMk/>
-            <pc:sldMk cId="1304595439" sldId="268"/>
-            <ac:spMk id="31" creationId="{53948221-E175-4B6E-A674-637775EC8F8A}"/>
-          </ac:spMkLst>
-        </pc:spChg>
-        <pc:spChg chg="mod">
-          <ac:chgData name="남유선" userId="c5c0474d-318a-4504-b270-99912c9aca2f" providerId="ADAL" clId="{C364FBA6-CFBC-44DD-AB91-683400EF2A77}" dt="2018-10-01T10:13:21.599" v="945" actId="207"/>
-          <ac:spMkLst>
-            <pc:docMk/>
-            <pc:sldMk cId="1304595439" sldId="268"/>
-            <ac:spMk id="32" creationId="{D09B633D-4C55-402A-8F0A-A418C88FCFC6}"/>
-          </ac:spMkLst>
-        </pc:spChg>
-        <pc:spChg chg="mod">
-          <ac:chgData name="남유선" userId="c5c0474d-318a-4504-b270-99912c9aca2f" providerId="ADAL" clId="{C364FBA6-CFBC-44DD-AB91-683400EF2A77}" dt="2018-10-01T10:13:21.599" v="945" actId="207"/>
-          <ac:spMkLst>
-            <pc:docMk/>
-            <pc:sldMk cId="1304595439" sldId="268"/>
-            <ac:spMk id="33" creationId="{8D4DEEC5-0076-4FEC-B968-0674CF99E5A4}"/>
-          </ac:spMkLst>
-        </pc:spChg>
-        <pc:spChg chg="mod">
-          <ac:chgData name="남유선" userId="c5c0474d-318a-4504-b270-99912c9aca2f" providerId="ADAL" clId="{C364FBA6-CFBC-44DD-AB91-683400EF2A77}" dt="2018-10-01T10:13:21.599" v="945" actId="207"/>
-          <ac:spMkLst>
-            <pc:docMk/>
-            <pc:sldMk cId="1304595439" sldId="268"/>
-            <ac:spMk id="34" creationId="{F00CD4F7-3E5C-4978-BE57-27BC7EF392F2}"/>
-          </ac:spMkLst>
-        </pc:spChg>
-        <pc:spChg chg="mod">
-          <ac:chgData name="남유선" userId="c5c0474d-318a-4504-b270-99912c9aca2f" providerId="ADAL" clId="{C364FBA6-CFBC-44DD-AB91-683400EF2A77}" dt="2018-10-01T10:13:21.599" v="945" actId="207"/>
-          <ac:spMkLst>
-            <pc:docMk/>
-            <pc:sldMk cId="1304595439" sldId="268"/>
-            <ac:spMk id="35" creationId="{5B6CD5E6-0E9D-49CA-8E02-48AF182EE879}"/>
-          </ac:spMkLst>
-        </pc:spChg>
-        <pc:picChg chg="mod">
-          <ac:chgData name="남유선" userId="c5c0474d-318a-4504-b270-99912c9aca2f" providerId="ADAL" clId="{C364FBA6-CFBC-44DD-AB91-683400EF2A77}" dt="2018-10-01T10:13:25.953" v="947" actId="1076"/>
-          <ac:picMkLst>
-            <pc:docMk/>
-            <pc:sldMk cId="1304595439" sldId="268"/>
-            <ac:picMk id="167" creationId="{00000000-0000-0000-0000-000000000000}"/>
-          </ac:picMkLst>
-        </pc:picChg>
-      </pc:sldChg>
-      <pc:sldChg chg="ord">
-        <pc:chgData name="남유선" userId="c5c0474d-318a-4504-b270-99912c9aca2f" providerId="ADAL" clId="{C364FBA6-CFBC-44DD-AB91-683400EF2A77}" dt="2018-10-01T09:19:29.705" v="119" actId="692"/>
-        <pc:sldMkLst>
-          <pc:docMk/>
-          <pc:sldMk cId="984893073" sldId="272"/>
-        </pc:sldMkLst>
-      </pc:sldChg>
-      <pc:sldChg chg="modSp modNotesTx">
-        <pc:chgData name="남유선" userId="c5c0474d-318a-4504-b270-99912c9aca2f" providerId="ADAL" clId="{C364FBA6-CFBC-44DD-AB91-683400EF2A77}" dt="2018-10-01T13:45:18.735" v="1226" actId="20577"/>
-        <pc:sldMkLst>
-          <pc:docMk/>
-          <pc:sldMk cId="1866984775" sldId="273"/>
-        </pc:sldMkLst>
-        <pc:spChg chg="mod">
-          <ac:chgData name="남유선" userId="c5c0474d-318a-4504-b270-99912c9aca2f" providerId="ADAL" clId="{C364FBA6-CFBC-44DD-AB91-683400EF2A77}" dt="2018-10-01T09:57:43.430" v="735" actId="1076"/>
-          <ac:spMkLst>
-            <pc:docMk/>
-            <pc:sldMk cId="1866984775" sldId="273"/>
-            <ac:spMk id="147" creationId="{00000000-0000-0000-0000-000000000000}"/>
-          </ac:spMkLst>
-        </pc:spChg>
-        <pc:grpChg chg="mod">
-          <ac:chgData name="남유선" userId="c5c0474d-318a-4504-b270-99912c9aca2f" providerId="ADAL" clId="{C364FBA6-CFBC-44DD-AB91-683400EF2A77}" dt="2018-10-01T10:59:04.427" v="1009" actId="1076"/>
-          <ac:grpSpMkLst>
-            <pc:docMk/>
-            <pc:sldMk cId="1866984775" sldId="273"/>
-            <ac:grpSpMk id="17" creationId="{4491537C-AEEC-408C-802F-0A969EA6A4B7}"/>
-          </ac:grpSpMkLst>
-        </pc:grpChg>
-      </pc:sldChg>
-      <pc:sldChg chg="add del">
-        <pc:chgData name="남유선" userId="c5c0474d-318a-4504-b270-99912c9aca2f" providerId="ADAL" clId="{C364FBA6-CFBC-44DD-AB91-683400EF2A77}" dt="2018-10-01T09:20:53.932" v="145" actId="2696"/>
-        <pc:sldMkLst>
-          <pc:docMk/>
-          <pc:sldMk cId="2360973900" sldId="274"/>
-        </pc:sldMkLst>
-      </pc:sldChg>
-      <pc:sldChg chg="modSp add">
-        <pc:chgData name="남유선" userId="c5c0474d-318a-4504-b270-99912c9aca2f" providerId="ADAL" clId="{C364FBA6-CFBC-44DD-AB91-683400EF2A77}" dt="2018-10-01T10:58:13.364" v="1008" actId="1076"/>
-        <pc:sldMkLst>
-          <pc:docMk/>
-          <pc:sldMk cId="1231693402" sldId="275"/>
-        </pc:sldMkLst>
-        <pc:spChg chg="mod">
-          <ac:chgData name="남유선" userId="c5c0474d-318a-4504-b270-99912c9aca2f" providerId="ADAL" clId="{C364FBA6-CFBC-44DD-AB91-683400EF2A77}" dt="2018-10-01T10:58:13.364" v="1008" actId="1076"/>
-          <ac:spMkLst>
-            <pc:docMk/>
-            <pc:sldMk cId="1231693402" sldId="275"/>
-            <ac:spMk id="147" creationId="{00000000-0000-0000-0000-000000000000}"/>
-          </ac:spMkLst>
-        </pc:spChg>
-      </pc:sldChg>
-      <pc:sldChg chg="modSp add">
-        <pc:chgData name="남유선" userId="c5c0474d-318a-4504-b270-99912c9aca2f" providerId="ADAL" clId="{C364FBA6-CFBC-44DD-AB91-683400EF2A77}" dt="2018-10-01T09:19:58.283" v="143" actId="692"/>
-        <pc:sldMkLst>
-          <pc:docMk/>
-          <pc:sldMk cId="1560978946" sldId="276"/>
-        </pc:sldMkLst>
-        <pc:spChg chg="mod">
-          <ac:chgData name="남유선" userId="c5c0474d-318a-4504-b270-99912c9aca2f" providerId="ADAL" clId="{C364FBA6-CFBC-44DD-AB91-683400EF2A77}" dt="2018-10-01T09:19:58.283" v="143" actId="692"/>
-          <ac:spMkLst>
-            <pc:docMk/>
-            <pc:sldMk cId="1560978946" sldId="276"/>
-            <ac:spMk id="144" creationId="{00000000-0000-0000-0000-000000000000}"/>
-          </ac:spMkLst>
-        </pc:spChg>
-      </pc:sldChg>
-      <pc:sldChg chg="modSp add">
-        <pc:chgData name="남유선" userId="c5c0474d-318a-4504-b270-99912c9aca2f" providerId="ADAL" clId="{C364FBA6-CFBC-44DD-AB91-683400EF2A77}" dt="2018-10-01T10:19:22.009" v="984" actId="255"/>
-        <pc:sldMkLst>
-          <pc:docMk/>
-          <pc:sldMk cId="3377324629" sldId="277"/>
-        </pc:sldMkLst>
-        <pc:spChg chg="mod">
-          <ac:chgData name="남유선" userId="c5c0474d-318a-4504-b270-99912c9aca2f" providerId="ADAL" clId="{C364FBA6-CFBC-44DD-AB91-683400EF2A77}" dt="2018-10-01T10:19:22.009" v="984" actId="255"/>
-          <ac:spMkLst>
-            <pc:docMk/>
-            <pc:sldMk cId="3377324629" sldId="277"/>
-            <ac:spMk id="2" creationId="{FA35B797-B102-4C91-9927-F8C254A69271}"/>
-          </ac:spMkLst>
-        </pc:spChg>
-      </pc:sldChg>
-      <pc:sldChg chg="add del">
-        <pc:chgData name="남유선" userId="c5c0474d-318a-4504-b270-99912c9aca2f" providerId="ADAL" clId="{C364FBA6-CFBC-44DD-AB91-683400EF2A77}" dt="2018-10-01T10:19:33.545" v="986" actId="2696"/>
-        <pc:sldMkLst>
-          <pc:docMk/>
-          <pc:sldMk cId="3108717297" sldId="278"/>
-        </pc:sldMkLst>
-      </pc:sldChg>
-      <pc:sldChg chg="modSp add">
-        <pc:chgData name="남유선" userId="c5c0474d-318a-4504-b270-99912c9aca2f" providerId="ADAL" clId="{C364FBA6-CFBC-44DD-AB91-683400EF2A77}" dt="2018-10-01T10:19:58.265" v="1005" actId="20577"/>
-        <pc:sldMkLst>
-          <pc:docMk/>
-          <pc:sldMk cId="3710477520" sldId="278"/>
-        </pc:sldMkLst>
-        <pc:spChg chg="mod">
-          <ac:chgData name="남유선" userId="c5c0474d-318a-4504-b270-99912c9aca2f" providerId="ADAL" clId="{C364FBA6-CFBC-44DD-AB91-683400EF2A77}" dt="2018-10-01T10:19:58.265" v="1005" actId="20577"/>
-          <ac:spMkLst>
-            <pc:docMk/>
-            <pc:sldMk cId="3710477520" sldId="278"/>
-            <ac:spMk id="2" creationId="{FA35B797-B102-4C91-9927-F8C254A69271}"/>
-          </ac:spMkLst>
-        </pc:spChg>
-      </pc:sldChg>
-      <pc:sldChg chg="modSp add">
-        <pc:chgData name="남유선" userId="c5c0474d-318a-4504-b270-99912c9aca2f" providerId="ADAL" clId="{C364FBA6-CFBC-44DD-AB91-683400EF2A77}" dt="2018-10-01T11:05:20.038" v="1038" actId="20577"/>
-        <pc:sldMkLst>
-          <pc:docMk/>
-          <pc:sldMk cId="2723061311" sldId="279"/>
-        </pc:sldMkLst>
-        <pc:spChg chg="mod">
-          <ac:chgData name="남유선" userId="c5c0474d-318a-4504-b270-99912c9aca2f" providerId="ADAL" clId="{C364FBA6-CFBC-44DD-AB91-683400EF2A77}" dt="2018-10-01T11:05:20.038" v="1038" actId="20577"/>
-          <ac:spMkLst>
-            <pc:docMk/>
-            <pc:sldMk cId="2723061311" sldId="279"/>
-            <ac:spMk id="146" creationId="{00000000-0000-0000-0000-000000000000}"/>
-          </ac:spMkLst>
-        </pc:spChg>
-      </pc:sldChg>
-    </pc:docChg>
-  </pc:docChgLst>
-  <pc:docChgLst>
-    <pc:chgData name="남유선" userId="c5c0474d-318a-4504-b270-99912c9aca2f" providerId="ADAL" clId="{B09FB2EB-A3AD-4F3F-89E0-52D6AE34ED8B}"/>
-    <pc:docChg chg="undo delSld modSld">
-      <pc:chgData name="남유선" userId="c5c0474d-318a-4504-b270-99912c9aca2f" providerId="ADAL" clId="{B09FB2EB-A3AD-4F3F-89E0-52D6AE34ED8B}" dt="2018-09-30T12:59:29.775" v="104" actId="2696"/>
-      <pc:docMkLst>
-        <pc:docMk/>
-      </pc:docMkLst>
-      <pc:sldChg chg="modSp">
-        <pc:chgData name="남유선" userId="c5c0474d-318a-4504-b270-99912c9aca2f" providerId="ADAL" clId="{B09FB2EB-A3AD-4F3F-89E0-52D6AE34ED8B}" dt="2018-09-30T12:45:55.082" v="3" actId="20577"/>
-        <pc:sldMkLst>
-          <pc:docMk/>
-          <pc:sldMk cId="0" sldId="256"/>
-        </pc:sldMkLst>
-        <pc:spChg chg="mod">
-          <ac:chgData name="남유선" userId="c5c0474d-318a-4504-b270-99912c9aca2f" providerId="ADAL" clId="{B09FB2EB-A3AD-4F3F-89E0-52D6AE34ED8B}" dt="2018-09-30T12:45:55.082" v="3" actId="20577"/>
-          <ac:spMkLst>
-            <pc:docMk/>
-            <pc:sldMk cId="0" sldId="256"/>
-            <ac:spMk id="121" creationId="{00000000-0000-0000-0000-000000000000}"/>
-          </ac:spMkLst>
-        </pc:spChg>
-      </pc:sldChg>
-      <pc:sldChg chg="modSp">
-        <pc:chgData name="남유선" userId="c5c0474d-318a-4504-b270-99912c9aca2f" providerId="ADAL" clId="{B09FB2EB-A3AD-4F3F-89E0-52D6AE34ED8B}" dt="2018-09-30T12:46:18.435" v="60" actId="20577"/>
-        <pc:sldMkLst>
-          <pc:docMk/>
-          <pc:sldMk cId="0" sldId="257"/>
-        </pc:sldMkLst>
-        <pc:spChg chg="mod">
-          <ac:chgData name="남유선" userId="c5c0474d-318a-4504-b270-99912c9aca2f" providerId="ADAL" clId="{B09FB2EB-A3AD-4F3F-89E0-52D6AE34ED8B}" dt="2018-09-30T12:46:18.435" v="60" actId="20577"/>
-          <ac:spMkLst>
-            <pc:docMk/>
-            <pc:sldMk cId="0" sldId="257"/>
-            <ac:spMk id="125" creationId="{00000000-0000-0000-0000-000000000000}"/>
-          </ac:spMkLst>
-        </pc:spChg>
-      </pc:sldChg>
-      <pc:sldChg chg="modSp">
-        <pc:chgData name="남유선" userId="c5c0474d-318a-4504-b270-99912c9aca2f" providerId="ADAL" clId="{B09FB2EB-A3AD-4F3F-89E0-52D6AE34ED8B}" dt="2018-09-30T12:55:04.543" v="64" actId="207"/>
-        <pc:sldMkLst>
-          <pc:docMk/>
-          <pc:sldMk cId="0" sldId="265"/>
-        </pc:sldMkLst>
-        <pc:spChg chg="mod">
-          <ac:chgData name="남유선" userId="c5c0474d-318a-4504-b270-99912c9aca2f" providerId="ADAL" clId="{B09FB2EB-A3AD-4F3F-89E0-52D6AE34ED8B}" dt="2018-09-30T12:52:10.006" v="63" actId="207"/>
-          <ac:spMkLst>
-            <pc:docMk/>
-            <pc:sldMk cId="0" sldId="265"/>
-            <ac:spMk id="26" creationId="{E3854066-39F4-4211-B43E-EDF45AB3C425}"/>
-          </ac:spMkLst>
-        </pc:spChg>
-        <pc:spChg chg="mod">
-          <ac:chgData name="남유선" userId="c5c0474d-318a-4504-b270-99912c9aca2f" providerId="ADAL" clId="{B09FB2EB-A3AD-4F3F-89E0-52D6AE34ED8B}" dt="2018-09-30T12:55:04.543" v="64" actId="207"/>
-          <ac:spMkLst>
-            <pc:docMk/>
-            <pc:sldMk cId="0" sldId="265"/>
-            <ac:spMk id="30" creationId="{1F2C2400-3B91-4AAC-9E8E-5CFDAC821EF7}"/>
-          </ac:spMkLst>
-        </pc:spChg>
-      </pc:sldChg>
-      <pc:sldChg chg="del">
-        <pc:chgData name="남유선" userId="c5c0474d-318a-4504-b270-99912c9aca2f" providerId="ADAL" clId="{B09FB2EB-A3AD-4F3F-89E0-52D6AE34ED8B}" dt="2018-09-30T12:46:32.037" v="62" actId="2696"/>
-        <pc:sldMkLst>
-          <pc:docMk/>
-          <pc:sldMk cId="0" sldId="269"/>
-        </pc:sldMkLst>
-      </pc:sldChg>
-      <pc:sldChg chg="modSp">
-        <pc:chgData name="남유선" userId="c5c0474d-318a-4504-b270-99912c9aca2f" providerId="ADAL" clId="{B09FB2EB-A3AD-4F3F-89E0-52D6AE34ED8B}" dt="2018-09-30T12:59:22.989" v="103" actId="2696"/>
-        <pc:sldMkLst>
-          <pc:docMk/>
-          <pc:sldMk cId="1866984775" sldId="273"/>
-        </pc:sldMkLst>
-        <pc:spChg chg="mod">
-          <ac:chgData name="남유선" userId="c5c0474d-318a-4504-b270-99912c9aca2f" providerId="ADAL" clId="{B09FB2EB-A3AD-4F3F-89E0-52D6AE34ED8B}" dt="2018-09-30T12:59:22.989" v="103" actId="2696"/>
-          <ac:spMkLst>
-            <pc:docMk/>
-            <pc:sldMk cId="1866984775" sldId="273"/>
-            <ac:spMk id="147" creationId="{00000000-0000-0000-0000-000000000000}"/>
-          </ac:spMkLst>
-        </pc:spChg>
-      </pc:sldChg>
-      <pc:sldChg chg="del">
-        <pc:chgData name="남유선" userId="c5c0474d-318a-4504-b270-99912c9aca2f" providerId="ADAL" clId="{B09FB2EB-A3AD-4F3F-89E0-52D6AE34ED8B}" dt="2018-09-30T12:59:29.775" v="104" actId="2696"/>
-        <pc:sldMkLst>
-          <pc:docMk/>
-          <pc:sldMk cId="78911215" sldId="274"/>
-        </pc:sldMkLst>
-      </pc:sldChg>
-      <pc:sldChg chg="del">
-        <pc:chgData name="남유선" userId="c5c0474d-318a-4504-b270-99912c9aca2f" providerId="ADAL" clId="{B09FB2EB-A3AD-4F3F-89E0-52D6AE34ED8B}" dt="2018-09-30T12:46:26.859" v="61" actId="2696"/>
-        <pc:sldMkLst>
-          <pc:docMk/>
-          <pc:sldMk cId="1231693402" sldId="275"/>
-        </pc:sldMkLst>
-      </pc:sldChg>
-    </pc:docChg>
-  </pc:docChgLst>
-</pc:chgInfo>
-</file>
-
 <file path=ppt/notesMasters/notesMaster1.xml><?xml version="1.0" encoding="utf-8"?>
 <p:notesMaster xmlns:a="http://schemas.openxmlformats.org/drawingml/2006/main" xmlns:r="http://schemas.openxmlformats.org/officeDocument/2006/relationships" xmlns:p="http://schemas.openxmlformats.org/presentationml/2006/main">
   <p:cSld>
@@ -1309,42 +725,6 @@
           <a:p>
             <a:r>
               <a:rPr lang="ko-KR" altLang="en-US" dirty="0"/>
-              <a:t>양치 끝난 부분 흰색</a:t>
-            </a:r>
-            <a:r>
-              <a:rPr lang="en-US" altLang="ko-KR" dirty="0"/>
-              <a:t>, </a:t>
-            </a:r>
-            <a:r>
-              <a:rPr lang="ko-KR" altLang="en-US" dirty="0" err="1"/>
-              <a:t>안한</a:t>
-            </a:r>
-            <a:r>
-              <a:rPr lang="ko-KR" altLang="en-US" dirty="0"/>
-              <a:t> 부분 파란색</a:t>
-            </a:r>
-            <a:r>
-              <a:rPr lang="en-US" altLang="ko-KR" dirty="0"/>
-              <a:t>, </a:t>
-            </a:r>
-            <a:r>
-              <a:rPr lang="ko-KR" altLang="en-US" dirty="0"/>
-              <a:t>하고 있는 부분 노란색 </a:t>
-            </a:r>
-            <a:r>
-              <a:rPr lang="en-US" altLang="ko-KR" dirty="0"/>
-              <a:t>highlight</a:t>
-            </a:r>
-          </a:p>
-          <a:p>
-            <a:endParaRPr lang="en-US" altLang="ko-KR" dirty="0"/>
-          </a:p>
-          <a:p>
-            <a:endParaRPr lang="en-US" altLang="ko-KR" dirty="0"/>
-          </a:p>
-          <a:p>
-            <a:r>
-              <a:rPr lang="ko-KR" altLang="en-US" dirty="0"/>
               <a:t>한 학기 프로젝트 난이도 조정</a:t>
             </a:r>
             <a:endParaRPr lang="en-US" altLang="ko-KR" dirty="0"/>
@@ -4011,7 +3391,7 @@
           </a:ln>
           <a:extLst>
             <a:ext uri="{C572A759-6A51-4108-AA02-DFA0A04FC94B}">
-              <ma14:wrappingTextBoxFlag xmlns="" xmlns:m="http://schemas.openxmlformats.org/officeDocument/2006/math" xmlns:a14="http://schemas.microsoft.com/office/drawing/2010/main" xmlns:ma14="http://schemas.microsoft.com/office/mac/drawingml/2011/main" val="1"/>
+              <ma14:wrappingTextBoxFlag xmlns:ma14="http://schemas.microsoft.com/office/mac/drawingml/2011/main" xmlns:a14="http://schemas.microsoft.com/office/drawing/2010/main" xmlns:m="http://schemas.openxmlformats.org/officeDocument/2006/math" xmlns="" val="1"/>
             </a:ext>
           </a:extLst>
         </p:spPr>
@@ -4050,7 +3430,7 @@
           </a:ln>
           <a:extLst>
             <a:ext uri="{C572A759-6A51-4108-AA02-DFA0A04FC94B}">
-              <ma14:wrappingTextBoxFlag xmlns="" xmlns:m="http://schemas.openxmlformats.org/officeDocument/2006/math" xmlns:a14="http://schemas.microsoft.com/office/drawing/2010/main" xmlns:ma14="http://schemas.microsoft.com/office/mac/drawingml/2011/main" val="1"/>
+              <ma14:wrappingTextBoxFlag xmlns:ma14="http://schemas.microsoft.com/office/mac/drawingml/2011/main" xmlns:a14="http://schemas.microsoft.com/office/drawing/2010/main" xmlns:m="http://schemas.openxmlformats.org/officeDocument/2006/math" xmlns="" val="1"/>
             </a:ext>
           </a:extLst>
         </p:spPr>
@@ -5453,14 +4833,14 @@
         </p:nvSpPr>
         <p:spPr>
           <a:xfrm>
-            <a:off x="10711543" y="5822305"/>
+            <a:off x="9701086" y="5822305"/>
             <a:ext cx="1026367" cy="1026367"/>
           </a:xfrm>
           <a:prstGeom prst="rect">
             <a:avLst/>
           </a:prstGeom>
           <a:solidFill>
-            <a:srgbClr val="93E5D7"/>
+            <a:srgbClr val="C7F2E8"/>
           </a:solidFill>
           <a:ln w="12700" cap="flat">
             <a:noFill/>
@@ -5504,7 +4884,7 @@
               <a:tabLst/>
             </a:pPr>
             <a:r>
-              <a:rPr kumimoji="0" lang="en-US" altLang="ko-KR" sz="3000" b="0" i="0" u="none" strike="noStrike" cap="none" spc="0" normalizeH="0" baseline="0" dirty="0">
+              <a:rPr kumimoji="0" lang="en-US" altLang="ko-KR" sz="4000" b="0" i="0" u="none" strike="noStrike" cap="none" spc="0" normalizeH="0" baseline="0" dirty="0">
                 <a:ln>
                   <a:noFill/>
                 </a:ln>
@@ -5520,7 +4900,7 @@
               </a:rPr>
               <a:t>1</a:t>
             </a:r>
-            <a:endParaRPr kumimoji="0" lang="ko-KR" altLang="en-US" sz="3000" b="0" i="0" u="none" strike="noStrike" cap="none" spc="0" normalizeH="0" baseline="0" dirty="0">
+            <a:endParaRPr kumimoji="0" lang="ko-KR" altLang="en-US" sz="4000" b="0" i="0" u="none" strike="noStrike" cap="none" spc="0" normalizeH="0" baseline="0" dirty="0">
               <a:ln>
                 <a:noFill/>
               </a:ln>
@@ -5551,14 +4931,14 @@
         </p:nvSpPr>
         <p:spPr>
           <a:xfrm>
-            <a:off x="12192000" y="5827678"/>
-            <a:ext cx="7673920" cy="1026367"/>
+            <a:off x="11181543" y="5827678"/>
+            <a:ext cx="10800000" cy="1026367"/>
           </a:xfrm>
           <a:prstGeom prst="rect">
             <a:avLst/>
           </a:prstGeom>
           <a:solidFill>
-            <a:srgbClr val="93E5D7"/>
+            <a:srgbClr val="C7F2E8"/>
           </a:solidFill>
           <a:ln w="12700" cap="flat">
             <a:noFill/>
@@ -5602,7 +4982,7 @@
               <a:tabLst/>
             </a:pPr>
             <a:r>
-              <a:rPr kumimoji="0" lang="ko-KR" altLang="en-US" sz="3000" b="0" i="0" u="none" strike="noStrike" cap="none" spc="0" normalizeH="0" baseline="0" dirty="0" err="1">
+              <a:rPr kumimoji="0" lang="ko-KR" altLang="en-US" sz="4000" b="0" i="0" u="none" strike="noStrike" cap="none" spc="0" normalizeH="0" baseline="0" dirty="0" err="1">
                 <a:ln>
                   <a:noFill/>
                 </a:ln>
@@ -5619,7 +4999,7 @@
               <a:t>메인에</a:t>
             </a:r>
             <a:r>
-              <a:rPr kumimoji="0" lang="ko-KR" altLang="en-US" sz="3000" b="0" i="0" u="none" strike="noStrike" cap="none" spc="0" normalizeH="0" baseline="0" dirty="0">
+              <a:rPr kumimoji="0" lang="ko-KR" altLang="en-US" sz="4000" b="0" i="0" u="none" strike="noStrike" cap="none" spc="0" normalizeH="0" baseline="0" dirty="0">
                 <a:ln>
                   <a:noFill/>
                 </a:ln>
@@ -5652,14 +5032,14 @@
         </p:nvSpPr>
         <p:spPr>
           <a:xfrm>
-            <a:off x="10714653" y="7766181"/>
+            <a:off x="9704196" y="7766181"/>
             <a:ext cx="1026367" cy="1026367"/>
           </a:xfrm>
           <a:prstGeom prst="rect">
             <a:avLst/>
           </a:prstGeom>
           <a:solidFill>
-            <a:srgbClr val="93E5D7"/>
+            <a:srgbClr val="C7F2E8"/>
           </a:solidFill>
           <a:ln w="12700" cap="flat">
             <a:noFill/>
@@ -5703,7 +5083,7 @@
               <a:tabLst/>
             </a:pPr>
             <a:r>
-              <a:rPr lang="en-US" altLang="ko-KR" sz="3000" b="0" dirty="0">
+              <a:rPr lang="en-US" altLang="ko-KR" sz="4000" b="0" dirty="0">
                 <a:solidFill>
                   <a:schemeClr val="tx1"/>
                 </a:solidFill>
@@ -5714,7 +5094,7 @@
               </a:rPr>
               <a:t>2</a:t>
             </a:r>
-            <a:endParaRPr kumimoji="0" lang="ko-KR" altLang="en-US" sz="3000" b="0" i="0" u="none" strike="noStrike" cap="none" spc="0" normalizeH="0" baseline="0" dirty="0">
+            <a:endParaRPr kumimoji="0" lang="ko-KR" altLang="en-US" sz="4000" b="0" i="0" u="none" strike="noStrike" cap="none" spc="0" normalizeH="0" baseline="0" dirty="0">
               <a:ln>
                 <a:noFill/>
               </a:ln>
@@ -5745,14 +5125,14 @@
         </p:nvSpPr>
         <p:spPr>
           <a:xfrm>
-            <a:off x="12195110" y="7771554"/>
-            <a:ext cx="7673920" cy="1026367"/>
+            <a:off x="11184653" y="7771554"/>
+            <a:ext cx="10800000" cy="1026367"/>
           </a:xfrm>
           <a:prstGeom prst="rect">
             <a:avLst/>
           </a:prstGeom>
           <a:solidFill>
-            <a:srgbClr val="93E5D7"/>
+            <a:srgbClr val="C7F2E8"/>
           </a:solidFill>
           <a:ln w="12700" cap="flat">
             <a:noFill/>
@@ -5796,7 +5176,7 @@
               <a:tabLst/>
             </a:pPr>
             <a:r>
-              <a:rPr lang="ko-KR" altLang="en-US" sz="3000" b="0" dirty="0">
+              <a:rPr lang="ko-KR" altLang="en-US" sz="4000" b="0" dirty="0">
                 <a:solidFill>
                   <a:schemeClr val="tx1"/>
                 </a:solidFill>
@@ -5808,7 +5188,7 @@
               <a:t>앱 </a:t>
             </a:r>
             <a:r>
-              <a:rPr lang="ko-KR" altLang="en-US" sz="3000" b="0" dirty="0" err="1">
+              <a:rPr lang="ko-KR" altLang="en-US" sz="4000" b="0" dirty="0" err="1">
                 <a:solidFill>
                   <a:schemeClr val="tx1"/>
                 </a:solidFill>
@@ -5820,7 +5200,7 @@
               <a:t>실행시</a:t>
             </a:r>
             <a:r>
-              <a:rPr lang="ko-KR" altLang="en-US" sz="3000" b="0" dirty="0">
+              <a:rPr lang="ko-KR" altLang="en-US" sz="4000" b="0" dirty="0">
                 <a:solidFill>
                   <a:schemeClr val="tx1"/>
                 </a:solidFill>
@@ -5832,7 +5212,7 @@
               <a:t> 자동으로 </a:t>
             </a:r>
             <a:r>
-              <a:rPr kumimoji="0" lang="ko-KR" altLang="en-US" sz="3000" b="0" i="0" u="none" strike="noStrike" cap="none" spc="0" normalizeH="0" baseline="0" dirty="0">
+              <a:rPr kumimoji="0" lang="ko-KR" altLang="en-US" sz="4000" b="0" i="0" u="none" strike="noStrike" cap="none" spc="0" normalizeH="0" baseline="0" dirty="0">
                 <a:ln>
                   <a:noFill/>
                 </a:ln>
@@ -5879,7 +5259,7 @@
         </p:blipFill>
         <p:spPr>
           <a:xfrm>
-            <a:off x="1740309" y="3057693"/>
+            <a:off x="2650321" y="3353502"/>
             <a:ext cx="4581231" cy="9416975"/>
           </a:xfrm>
           <a:prstGeom prst="rect">
@@ -5926,35 +5306,6 @@
           <a:chExt cx="0" cy="0"/>
         </a:xfrm>
       </p:grpSpPr>
-      <p:pic>
-        <p:nvPicPr>
-          <p:cNvPr id="167" name="스크린샷 2018-07-13 오전 1.07.53.png" descr="스크린샷 2018-07-13 오전 1.07.53.png"/>
-          <p:cNvPicPr>
-            <a:picLocks noChangeAspect="1"/>
-          </p:cNvPicPr>
-          <p:nvPr/>
-        </p:nvPicPr>
-        <p:blipFill>
-          <a:blip r:embed="rId3">
-            <a:extLst/>
-          </a:blip>
-          <a:stretch>
-            <a:fillRect/>
-          </a:stretch>
-        </p:blipFill>
-        <p:spPr>
-          <a:xfrm>
-            <a:off x="1465004" y="2391467"/>
-            <a:ext cx="6676673" cy="11571124"/>
-          </a:xfrm>
-          <a:prstGeom prst="rect">
-            <a:avLst/>
-          </a:prstGeom>
-          <a:ln w="12700">
-            <a:miter lim="400000"/>
-          </a:ln>
-        </p:spPr>
-      </p:pic>
       <p:sp>
         <p:nvSpPr>
           <p:cNvPr id="165" name="양치 모니터링"/>
@@ -5966,6 +5317,10 @@
           </p:nvPr>
         </p:nvSpPr>
         <p:spPr>
+          <a:xfrm>
+            <a:off x="4387453" y="357187"/>
+            <a:ext cx="15609094" cy="3036095"/>
+          </a:xfrm>
           <a:prstGeom prst="rect">
             <a:avLst/>
           </a:prstGeom>
@@ -5988,12 +5343,50 @@
           </a:p>
         </p:txBody>
       </p:sp>
+      <p:pic>
+        <p:nvPicPr>
+          <p:cNvPr id="24" name="그림 23">
+            <a:extLst>
+              <a:ext uri="{FF2B5EF4-FFF2-40B4-BE49-F238E27FC236}">
+                <a16:creationId xmlns:a16="http://schemas.microsoft.com/office/drawing/2014/main" id="{23C7FB4A-CC03-44F5-9256-3D8AEFFA316C}"/>
+              </a:ext>
+            </a:extLst>
+          </p:cNvPr>
+          <p:cNvPicPr>
+            <a:picLocks noChangeAspect="1"/>
+          </p:cNvPicPr>
+          <p:nvPr/>
+        </p:nvPicPr>
+        <p:blipFill>
+          <a:blip r:embed="rId3"/>
+          <a:stretch>
+            <a:fillRect/>
+          </a:stretch>
+        </p:blipFill>
+        <p:spPr>
+          <a:xfrm>
+            <a:off x="2650136" y="3335464"/>
+            <a:ext cx="4581535" cy="9417599"/>
+          </a:xfrm>
+          <a:prstGeom prst="rect">
+            <a:avLst/>
+          </a:prstGeom>
+          <a:ln w="12700">
+            <a:solidFill>
+              <a:schemeClr val="tx1">
+                <a:lumMod val="65000"/>
+                <a:lumOff val="35000"/>
+              </a:schemeClr>
+            </a:solidFill>
+          </a:ln>
+        </p:spPr>
+      </p:pic>
       <p:sp>
         <p:nvSpPr>
-          <p:cNvPr id="9" name="직사각형 8">
+          <p:cNvPr id="40" name="직사각형 39">
             <a:extLst>
               <a:ext uri="{FF2B5EF4-FFF2-40B4-BE49-F238E27FC236}">
-                <a16:creationId xmlns:a16="http://schemas.microsoft.com/office/drawing/2014/main" id="{97C66932-5BE6-457C-9C72-277FBC8099D3}"/>
+                <a16:creationId xmlns:a16="http://schemas.microsoft.com/office/drawing/2014/main" id="{58F32784-51F9-419B-94B3-24E3A7F737A9}"/>
               </a:ext>
             </a:extLst>
           </p:cNvPr>
@@ -6002,14 +5395,14 @@
         </p:nvSpPr>
         <p:spPr>
           <a:xfrm>
-            <a:off x="5615350" y="11069558"/>
-            <a:ext cx="1363947" cy="650630"/>
+            <a:off x="9704196" y="8294067"/>
+            <a:ext cx="1026367" cy="1026367"/>
           </a:xfrm>
           <a:prstGeom prst="rect">
             <a:avLst/>
           </a:prstGeom>
           <a:solidFill>
-            <a:srgbClr val="93E5D7"/>
+            <a:srgbClr val="C7F2E8"/>
           </a:solidFill>
           <a:ln w="12700" cap="flat">
             <a:noFill/>
@@ -6053,14 +5446,12 @@
               <a:tabLst/>
             </a:pPr>
             <a:r>
-              <a:rPr kumimoji="0" lang="ko-KR" altLang="en-US" sz="2300" b="0" i="0" u="none" strike="noStrike" cap="none" spc="0" normalizeH="0" baseline="0" dirty="0">
+              <a:rPr kumimoji="0" lang="en-US" altLang="ko-KR" sz="4000" b="0" i="0" u="none" strike="noStrike" cap="none" spc="0" normalizeH="0" baseline="0" dirty="0">
                 <a:ln>
                   <a:noFill/>
                 </a:ln>
                 <a:solidFill>
-                  <a:schemeClr val="bg1">
-                    <a:lumMod val="50000"/>
-                  </a:schemeClr>
+                  <a:schemeClr val="tx1"/>
                 </a:solidFill>
                 <a:effectLst/>
                 <a:uFillTx/>
@@ -6069,17 +5460,31 @@
                 <a:cs typeface="+mn-cs"/>
                 <a:sym typeface="Helvetica Neue Medium"/>
               </a:rPr>
-              <a:t>캘린더</a:t>
-            </a:r>
+              <a:t>3</a:t>
+            </a:r>
+            <a:endParaRPr kumimoji="0" lang="ko-KR" altLang="en-US" sz="4000" b="0" i="0" u="none" strike="noStrike" cap="none" spc="0" normalizeH="0" baseline="0" dirty="0">
+              <a:ln>
+                <a:noFill/>
+              </a:ln>
+              <a:solidFill>
+                <a:schemeClr val="tx1"/>
+              </a:solidFill>
+              <a:effectLst/>
+              <a:uFillTx/>
+              <a:latin typeface="나눔스퀘어" panose="020B0600000101010101" pitchFamily="50" charset="-127"/>
+              <a:ea typeface="나눔스퀘어" panose="020B0600000101010101" pitchFamily="50" charset="-127"/>
+              <a:cs typeface="+mn-cs"/>
+              <a:sym typeface="Helvetica Neue Medium"/>
+            </a:endParaRPr>
           </a:p>
         </p:txBody>
       </p:sp>
       <p:sp>
         <p:nvSpPr>
-          <p:cNvPr id="27" name="직사각형 26">
+          <p:cNvPr id="43" name="직사각형 42">
             <a:extLst>
               <a:ext uri="{FF2B5EF4-FFF2-40B4-BE49-F238E27FC236}">
-                <a16:creationId xmlns:a16="http://schemas.microsoft.com/office/drawing/2014/main" id="{4585C6D3-EDA9-4483-87B8-60134414DDC5}"/>
+                <a16:creationId xmlns:a16="http://schemas.microsoft.com/office/drawing/2014/main" id="{9AAE3A56-9783-4AFF-9D6F-A1CCCDE213C4}"/>
               </a:ext>
             </a:extLst>
           </p:cNvPr>
@@ -6088,14 +5493,14 @@
         </p:nvSpPr>
         <p:spPr>
           <a:xfrm>
-            <a:off x="4132374" y="11069558"/>
-            <a:ext cx="1482976" cy="650630"/>
+            <a:off x="11184653" y="8299440"/>
+            <a:ext cx="10800000" cy="1026367"/>
           </a:xfrm>
           <a:prstGeom prst="rect">
             <a:avLst/>
           </a:prstGeom>
           <a:solidFill>
-            <a:srgbClr val="93E5D7"/>
+            <a:srgbClr val="C7F2E8"/>
           </a:solidFill>
           <a:ln w="12700" cap="flat">
             <a:noFill/>
@@ -6122,47 +5527,26 @@
           </a:bodyPr>
           <a:lstStyle/>
           <a:p>
-            <a:pPr marL="0" marR="0" indent="0" algn="ctr" defTabSz="821531" rtl="0" fontAlgn="auto" latinLnBrk="0" hangingPunct="0">
-              <a:lnSpc>
-                <a:spcPct val="100000"/>
-              </a:lnSpc>
-              <a:spcBef>
-                <a:spcPts val="0"/>
-              </a:spcBef>
-              <a:spcAft>
-                <a:spcPts val="0"/>
-              </a:spcAft>
-              <a:buClrTx/>
-              <a:buSzTx/>
-              <a:buFontTx/>
-              <a:buNone/>
-              <a:tabLst/>
-            </a:pPr>
-            <a:endParaRPr kumimoji="0" lang="ko-KR" altLang="en-US" sz="2300" b="0" i="0" u="none" strike="noStrike" cap="none" spc="0" normalizeH="0" baseline="0" dirty="0">
-              <a:ln>
-                <a:noFill/>
-              </a:ln>
-              <a:solidFill>
-                <a:schemeClr val="bg1">
-                  <a:lumMod val="50000"/>
-                </a:schemeClr>
-              </a:solidFill>
-              <a:effectLst/>
-              <a:uFillTx/>
-              <a:latin typeface="나눔스퀘어" panose="020B0600000101010101" pitchFamily="50" charset="-127"/>
-              <a:ea typeface="나눔스퀘어" panose="020B0600000101010101" pitchFamily="50" charset="-127"/>
-              <a:cs typeface="+mn-cs"/>
-              <a:sym typeface="Helvetica Neue Medium"/>
-            </a:endParaRPr>
+            <a:r>
+              <a:rPr lang="ko-KR" altLang="en-US" sz="4000" b="0" dirty="0">
+                <a:solidFill>
+                  <a:schemeClr val="tx1"/>
+                </a:solidFill>
+                <a:latin typeface="나눔스퀘어" panose="020B0600000101010101" pitchFamily="50" charset="-127"/>
+                <a:ea typeface="나눔스퀘어" panose="020B0600000101010101" pitchFamily="50" charset="-127"/>
+                <a:sym typeface="Helvetica Neue Medium"/>
+              </a:rPr>
+              <a:t>상단에는 해당 주의 양치 점수와 분석 멘트 출력</a:t>
+            </a:r>
           </a:p>
         </p:txBody>
       </p:sp>
       <p:sp>
         <p:nvSpPr>
-          <p:cNvPr id="28" name="직사각형 27">
+          <p:cNvPr id="44" name="직사각형 43">
             <a:extLst>
               <a:ext uri="{FF2B5EF4-FFF2-40B4-BE49-F238E27FC236}">
-                <a16:creationId xmlns:a16="http://schemas.microsoft.com/office/drawing/2014/main" id="{DF738EB2-25C9-422D-A558-748C1E89D52A}"/>
+                <a16:creationId xmlns:a16="http://schemas.microsoft.com/office/drawing/2014/main" id="{BA824CC1-4E7D-41F8-A3BB-DEB4033D34C0}"/>
               </a:ext>
             </a:extLst>
           </p:cNvPr>
@@ -6171,14 +5555,14 @@
         </p:nvSpPr>
         <p:spPr>
           <a:xfrm>
-            <a:off x="2648969" y="11069558"/>
-            <a:ext cx="1500556" cy="650630"/>
+            <a:off x="9704196" y="10243318"/>
+            <a:ext cx="1026367" cy="1026367"/>
           </a:xfrm>
           <a:prstGeom prst="rect">
             <a:avLst/>
           </a:prstGeom>
           <a:solidFill>
-            <a:srgbClr val="93E5D7"/>
+            <a:srgbClr val="C7F2E8"/>
           </a:solidFill>
           <a:ln w="12700" cap="flat">
             <a:noFill/>
@@ -6222,31 +5606,40 @@
               <a:tabLst/>
             </a:pPr>
             <a:r>
-              <a:rPr kumimoji="0" lang="ko-KR" altLang="en-US" sz="2300" i="0" u="none" strike="noStrike" cap="none" spc="0" normalizeH="0" baseline="0" dirty="0">
-                <a:ln>
-                  <a:noFill/>
-                </a:ln>
+              <a:rPr lang="en-US" altLang="ko-KR" sz="4000" b="0" dirty="0">
                 <a:solidFill>
                   <a:schemeClr val="tx1"/>
                 </a:solidFill>
-                <a:effectLst/>
-                <a:uFillTx/>
                 <a:latin typeface="나눔스퀘어" panose="020B0600000101010101" pitchFamily="50" charset="-127"/>
                 <a:ea typeface="나눔스퀘어" panose="020B0600000101010101" pitchFamily="50" charset="-127"/>
                 <a:cs typeface="+mn-cs"/>
                 <a:sym typeface="Helvetica Neue Medium"/>
               </a:rPr>
-              <a:t>습관분석</a:t>
-            </a:r>
+              <a:t>4</a:t>
+            </a:r>
+            <a:endParaRPr kumimoji="0" lang="ko-KR" altLang="en-US" sz="4000" b="0" i="0" u="none" strike="noStrike" cap="none" spc="0" normalizeH="0" baseline="0" dirty="0">
+              <a:ln>
+                <a:noFill/>
+              </a:ln>
+              <a:solidFill>
+                <a:schemeClr val="tx1"/>
+              </a:solidFill>
+              <a:effectLst/>
+              <a:uFillTx/>
+              <a:latin typeface="나눔스퀘어" panose="020B0600000101010101" pitchFamily="50" charset="-127"/>
+              <a:ea typeface="나눔스퀘어" panose="020B0600000101010101" pitchFamily="50" charset="-127"/>
+              <a:cs typeface="+mn-cs"/>
+              <a:sym typeface="Helvetica Neue Medium"/>
+            </a:endParaRPr>
           </a:p>
         </p:txBody>
       </p:sp>
       <p:sp>
         <p:nvSpPr>
-          <p:cNvPr id="30" name="직사각형 29">
+          <p:cNvPr id="45" name="직사각형 44">
             <a:extLst>
               <a:ext uri="{FF2B5EF4-FFF2-40B4-BE49-F238E27FC236}">
-                <a16:creationId xmlns:a16="http://schemas.microsoft.com/office/drawing/2014/main" id="{1F2C2400-3B91-4AAC-9E8E-5CFDAC821EF7}"/>
+                <a16:creationId xmlns:a16="http://schemas.microsoft.com/office/drawing/2014/main" id="{907E1118-DA8A-411B-922C-3C19319EF4F1}"/>
               </a:ext>
             </a:extLst>
           </p:cNvPr>
@@ -6255,14 +5648,14 @@
         </p:nvSpPr>
         <p:spPr>
           <a:xfrm>
-            <a:off x="10711543" y="4422712"/>
-            <a:ext cx="1026367" cy="1026367"/>
+            <a:off x="11184653" y="10248691"/>
+            <a:ext cx="10800000" cy="1026367"/>
           </a:xfrm>
           <a:prstGeom prst="rect">
             <a:avLst/>
           </a:prstGeom>
           <a:solidFill>
-            <a:srgbClr val="93E5D7"/>
+            <a:srgbClr val="C7F2E8"/>
           </a:solidFill>
           <a:ln w="12700" cap="flat">
             <a:noFill/>
@@ -6289,62 +5682,26 @@
           </a:bodyPr>
           <a:lstStyle/>
           <a:p>
-            <a:pPr marL="0" marR="0" indent="0" algn="ctr" defTabSz="821531" rtl="0" fontAlgn="auto" latinLnBrk="0" hangingPunct="0">
-              <a:lnSpc>
-                <a:spcPct val="100000"/>
-              </a:lnSpc>
-              <a:spcBef>
-                <a:spcPts val="0"/>
-              </a:spcBef>
-              <a:spcAft>
-                <a:spcPts val="0"/>
-              </a:spcAft>
-              <a:buClrTx/>
-              <a:buSzTx/>
-              <a:buFontTx/>
-              <a:buNone/>
-              <a:tabLst/>
-            </a:pPr>
-            <a:r>
-              <a:rPr kumimoji="0" lang="en-US" altLang="ko-KR" sz="3000" b="0" i="0" u="none" strike="noStrike" cap="none" spc="0" normalizeH="0" baseline="0" dirty="0">
-                <a:ln>
-                  <a:noFill/>
-                </a:ln>
+            <a:r>
+              <a:rPr lang="ko-KR" altLang="en-US" sz="4000" b="0" dirty="0">
                 <a:solidFill>
                   <a:schemeClr val="tx1"/>
                 </a:solidFill>
-                <a:effectLst/>
-                <a:uFillTx/>
                 <a:latin typeface="나눔스퀘어" panose="020B0600000101010101" pitchFamily="50" charset="-127"/>
                 <a:ea typeface="나눔스퀘어" panose="020B0600000101010101" pitchFamily="50" charset="-127"/>
-                <a:cs typeface="+mn-cs"/>
                 <a:sym typeface="Helvetica Neue Medium"/>
               </a:rPr>
-              <a:t>1</a:t>
-            </a:r>
-            <a:endParaRPr kumimoji="0" lang="ko-KR" altLang="en-US" sz="3000" b="0" i="0" u="none" strike="noStrike" cap="none" spc="0" normalizeH="0" baseline="0" dirty="0">
-              <a:ln>
-                <a:noFill/>
-              </a:ln>
-              <a:solidFill>
-                <a:schemeClr val="tx1"/>
-              </a:solidFill>
-              <a:effectLst/>
-              <a:uFillTx/>
-              <a:latin typeface="나눔스퀘어" panose="020B0600000101010101" pitchFamily="50" charset="-127"/>
-              <a:ea typeface="나눔스퀘어" panose="020B0600000101010101" pitchFamily="50" charset="-127"/>
-              <a:cs typeface="+mn-cs"/>
-              <a:sym typeface="Helvetica Neue Medium"/>
-            </a:endParaRPr>
+              <a:t>하단에는 일별 양치습관과 그에 대한 코멘트 출력</a:t>
+            </a:r>
           </a:p>
         </p:txBody>
       </p:sp>
       <p:sp>
         <p:nvSpPr>
-          <p:cNvPr id="31" name="직사각형 30">
+          <p:cNvPr id="46" name="직사각형 45">
             <a:extLst>
               <a:ext uri="{FF2B5EF4-FFF2-40B4-BE49-F238E27FC236}">
-                <a16:creationId xmlns:a16="http://schemas.microsoft.com/office/drawing/2014/main" id="{53948221-E175-4B6E-A674-637775EC8F8A}"/>
+                <a16:creationId xmlns:a16="http://schemas.microsoft.com/office/drawing/2014/main" id="{73EC01BC-287A-404C-AC7D-F00E2D2A1F77}"/>
               </a:ext>
             </a:extLst>
           </p:cNvPr>
@@ -6353,14 +5710,14 @@
         </p:nvSpPr>
         <p:spPr>
           <a:xfrm>
-            <a:off x="12192000" y="4428085"/>
-            <a:ext cx="7673920" cy="1026367"/>
+            <a:off x="9701086" y="4395567"/>
+            <a:ext cx="1026367" cy="1026367"/>
           </a:xfrm>
           <a:prstGeom prst="rect">
             <a:avLst/>
           </a:prstGeom>
           <a:solidFill>
-            <a:srgbClr val="93E5D7"/>
+            <a:srgbClr val="C7F2E8"/>
           </a:solidFill>
           <a:ln w="12700" cap="flat">
             <a:noFill/>
@@ -6404,7 +5761,7 @@
               <a:tabLst/>
             </a:pPr>
             <a:r>
-              <a:rPr kumimoji="0" lang="ko-KR" altLang="en-US" sz="2500" b="0" i="0" u="none" strike="noStrike" cap="none" spc="0" normalizeH="0" baseline="0" dirty="0">
+              <a:rPr kumimoji="0" lang="en-US" altLang="ko-KR" sz="4000" b="0" i="0" u="none" strike="noStrike" cap="none" spc="0" normalizeH="0" baseline="0" dirty="0">
                 <a:ln>
                   <a:noFill/>
                 </a:ln>
@@ -6418,128 +5775,9 @@
                 <a:cs typeface="+mn-cs"/>
                 <a:sym typeface="Helvetica Neue Medium"/>
               </a:rPr>
-              <a:t>메인 페이지는 습관분석</a:t>
-            </a:r>
-            <a:r>
-              <a:rPr kumimoji="0" lang="en-US" altLang="ko-KR" sz="2500" b="0" i="0" u="none" strike="noStrike" cap="none" spc="0" normalizeH="0" baseline="0" dirty="0">
-                <a:ln>
-                  <a:noFill/>
-                </a:ln>
-                <a:solidFill>
-                  <a:schemeClr val="tx1"/>
-                </a:solidFill>
-                <a:effectLst/>
-                <a:uFillTx/>
-                <a:latin typeface="나눔스퀘어" panose="020B0600000101010101" pitchFamily="50" charset="-127"/>
-                <a:ea typeface="나눔스퀘어" panose="020B0600000101010101" pitchFamily="50" charset="-127"/>
-                <a:cs typeface="+mn-cs"/>
-                <a:sym typeface="Helvetica Neue Medium"/>
-              </a:rPr>
-              <a:t>, </a:t>
-            </a:r>
-            <a:r>
-              <a:rPr kumimoji="0" lang="ko-KR" altLang="en-US" sz="2500" b="0" i="0" u="none" strike="noStrike" cap="none" spc="0" normalizeH="0" baseline="0" dirty="0">
-                <a:ln>
-                  <a:noFill/>
-                </a:ln>
-                <a:solidFill>
-                  <a:schemeClr val="tx1"/>
-                </a:solidFill>
-                <a:effectLst/>
-                <a:uFillTx/>
-                <a:latin typeface="나눔스퀘어" panose="020B0600000101010101" pitchFamily="50" charset="-127"/>
-                <a:ea typeface="나눔스퀘어" panose="020B0600000101010101" pitchFamily="50" charset="-127"/>
-                <a:cs typeface="+mn-cs"/>
-                <a:sym typeface="Helvetica Neue Medium"/>
-              </a:rPr>
-              <a:t>모니터링</a:t>
-            </a:r>
-            <a:r>
-              <a:rPr kumimoji="0" lang="en-US" altLang="ko-KR" sz="2500" b="0" i="0" u="none" strike="noStrike" cap="none" spc="0" normalizeH="0" baseline="0" dirty="0">
-                <a:ln>
-                  <a:noFill/>
-                </a:ln>
-                <a:solidFill>
-                  <a:schemeClr val="tx1"/>
-                </a:solidFill>
-                <a:effectLst/>
-                <a:uFillTx/>
-                <a:latin typeface="나눔스퀘어" panose="020B0600000101010101" pitchFamily="50" charset="-127"/>
-                <a:ea typeface="나눔스퀘어" panose="020B0600000101010101" pitchFamily="50" charset="-127"/>
-                <a:cs typeface="+mn-cs"/>
-                <a:sym typeface="Helvetica Neue Medium"/>
-              </a:rPr>
-              <a:t>, </a:t>
-            </a:r>
-            <a:r>
-              <a:rPr kumimoji="0" lang="ko-KR" altLang="en-US" sz="2500" b="0" i="0" u="none" strike="noStrike" cap="none" spc="0" normalizeH="0" baseline="0" dirty="0">
-                <a:ln>
-                  <a:noFill/>
-                </a:ln>
-                <a:solidFill>
-                  <a:schemeClr val="tx1"/>
-                </a:solidFill>
-                <a:effectLst/>
-                <a:uFillTx/>
-                <a:latin typeface="나눔스퀘어" panose="020B0600000101010101" pitchFamily="50" charset="-127"/>
-                <a:ea typeface="나눔스퀘어" panose="020B0600000101010101" pitchFamily="50" charset="-127"/>
-                <a:cs typeface="+mn-cs"/>
-                <a:sym typeface="Helvetica Neue Medium"/>
-              </a:rPr>
-              <a:t>캘린더 </a:t>
-            </a:r>
-            <a:r>
-              <a:rPr kumimoji="0" lang="en-US" altLang="ko-KR" sz="2500" b="0" i="0" u="none" strike="noStrike" cap="none" spc="0" normalizeH="0" baseline="0" dirty="0">
-                <a:ln>
-                  <a:noFill/>
-                </a:ln>
-                <a:solidFill>
-                  <a:schemeClr val="tx1"/>
-                </a:solidFill>
-                <a:effectLst/>
-                <a:uFillTx/>
-                <a:latin typeface="나눔스퀘어" panose="020B0600000101010101" pitchFamily="50" charset="-127"/>
-                <a:ea typeface="나눔스퀘어" panose="020B0600000101010101" pitchFamily="50" charset="-127"/>
-                <a:cs typeface="+mn-cs"/>
-                <a:sym typeface="Helvetica Neue Medium"/>
-              </a:rPr>
-              <a:t>3 </a:t>
-            </a:r>
-            <a:r>
-              <a:rPr kumimoji="0" lang="ko-KR" altLang="en-US" sz="2500" b="0" i="0" u="none" strike="noStrike" cap="none" spc="0" normalizeH="0" baseline="0" dirty="0">
-                <a:ln>
-                  <a:noFill/>
-                </a:ln>
-                <a:solidFill>
-                  <a:schemeClr val="tx1"/>
-                </a:solidFill>
-                <a:effectLst/>
-                <a:uFillTx/>
-                <a:latin typeface="나눔스퀘어" panose="020B0600000101010101" pitchFamily="50" charset="-127"/>
-                <a:ea typeface="나눔스퀘어" panose="020B0600000101010101" pitchFamily="50" charset="-127"/>
-                <a:cs typeface="+mn-cs"/>
-                <a:sym typeface="Helvetica Neue Medium"/>
-              </a:rPr>
-              <a:t>개의 탭으로 이루어져 있다</a:t>
-            </a:r>
-            <a:r>
-              <a:rPr kumimoji="0" lang="en-US" altLang="ko-KR" sz="2500" b="0" i="0" u="none" strike="noStrike" cap="none" spc="0" normalizeH="0" baseline="0" dirty="0">
-                <a:ln>
-                  <a:noFill/>
-                </a:ln>
-                <a:solidFill>
-                  <a:schemeClr val="tx1"/>
-                </a:solidFill>
-                <a:effectLst/>
-                <a:uFillTx/>
-                <a:latin typeface="나눔스퀘어" panose="020B0600000101010101" pitchFamily="50" charset="-127"/>
-                <a:ea typeface="나눔스퀘어" panose="020B0600000101010101" pitchFamily="50" charset="-127"/>
-                <a:cs typeface="+mn-cs"/>
-                <a:sym typeface="Helvetica Neue Medium"/>
-              </a:rPr>
-              <a:t>.</a:t>
-            </a:r>
-            <a:endParaRPr kumimoji="0" lang="ko-KR" altLang="en-US" sz="2500" b="0" i="0" u="none" strike="noStrike" cap="none" spc="0" normalizeH="0" baseline="0" dirty="0">
+              <a:t>1</a:t>
+            </a:r>
+            <a:endParaRPr kumimoji="0" lang="ko-KR" altLang="en-US" sz="4000" b="0" i="0" u="none" strike="noStrike" cap="none" spc="0" normalizeH="0" baseline="0" dirty="0">
               <a:ln>
                 <a:noFill/>
               </a:ln>
@@ -6558,10 +5796,10 @@
       </p:sp>
       <p:sp>
         <p:nvSpPr>
-          <p:cNvPr id="32" name="직사각형 31">
+          <p:cNvPr id="47" name="직사각형 46">
             <a:extLst>
               <a:ext uri="{FF2B5EF4-FFF2-40B4-BE49-F238E27FC236}">
-                <a16:creationId xmlns:a16="http://schemas.microsoft.com/office/drawing/2014/main" id="{D09B633D-4C55-402A-8F0A-A418C88FCFC6}"/>
+                <a16:creationId xmlns:a16="http://schemas.microsoft.com/office/drawing/2014/main" id="{8E81E7CD-6475-4409-B245-F591B707EC09}"/>
               </a:ext>
             </a:extLst>
           </p:cNvPr>
@@ -6570,14 +5808,14 @@
         </p:nvSpPr>
         <p:spPr>
           <a:xfrm>
-            <a:off x="10714653" y="6366588"/>
-            <a:ext cx="1026367" cy="1026367"/>
+            <a:off x="11181543" y="4400940"/>
+            <a:ext cx="10800000" cy="1026367"/>
           </a:xfrm>
           <a:prstGeom prst="rect">
             <a:avLst/>
           </a:prstGeom>
           <a:solidFill>
-            <a:srgbClr val="93E5D7"/>
+            <a:srgbClr val="C7F2E8"/>
           </a:solidFill>
           <a:ln w="12700" cap="flat">
             <a:noFill/>
@@ -6604,57 +5842,92 @@
           </a:bodyPr>
           <a:lstStyle/>
           <a:p>
-            <a:pPr marL="0" marR="0" indent="0" algn="ctr" defTabSz="821531" rtl="0" fontAlgn="auto" latinLnBrk="0" hangingPunct="0">
-              <a:lnSpc>
-                <a:spcPct val="100000"/>
-              </a:lnSpc>
-              <a:spcBef>
-                <a:spcPts val="0"/>
-              </a:spcBef>
-              <a:spcAft>
-                <a:spcPts val="0"/>
-              </a:spcAft>
-              <a:buClrTx/>
-              <a:buSzTx/>
-              <a:buFontTx/>
-              <a:buNone/>
-              <a:tabLst/>
-            </a:pPr>
-            <a:r>
-              <a:rPr lang="en-US" altLang="ko-KR" sz="3000" b="0" dirty="0">
+            <a:r>
+              <a:rPr lang="ko-KR" altLang="en-US" sz="4000" b="0" dirty="0">
                 <a:solidFill>
                   <a:schemeClr val="tx1"/>
                 </a:solidFill>
                 <a:latin typeface="나눔스퀘어" panose="020B0600000101010101" pitchFamily="50" charset="-127"/>
                 <a:ea typeface="나눔스퀘어" panose="020B0600000101010101" pitchFamily="50" charset="-127"/>
-                <a:cs typeface="+mn-cs"/>
                 <a:sym typeface="Helvetica Neue Medium"/>
               </a:rPr>
-              <a:t>2</a:t>
-            </a:r>
-            <a:endParaRPr kumimoji="0" lang="ko-KR" altLang="en-US" sz="3000" b="0" i="0" u="none" strike="noStrike" cap="none" spc="0" normalizeH="0" baseline="0" dirty="0">
-              <a:ln>
-                <a:noFill/>
-              </a:ln>
-              <a:solidFill>
-                <a:schemeClr val="tx1"/>
-              </a:solidFill>
-              <a:effectLst/>
-              <a:uFillTx/>
-              <a:latin typeface="나눔스퀘어" panose="020B0600000101010101" pitchFamily="50" charset="-127"/>
-              <a:ea typeface="나눔스퀘어" panose="020B0600000101010101" pitchFamily="50" charset="-127"/>
-              <a:cs typeface="+mn-cs"/>
-              <a:sym typeface="Helvetica Neue Medium"/>
-            </a:endParaRPr>
+              <a:t>습관분석</a:t>
+            </a:r>
+            <a:r>
+              <a:rPr lang="en-US" altLang="ko-KR" sz="4000" b="0" dirty="0">
+                <a:solidFill>
+                  <a:schemeClr val="tx1"/>
+                </a:solidFill>
+                <a:latin typeface="나눔스퀘어" panose="020B0600000101010101" pitchFamily="50" charset="-127"/>
+                <a:ea typeface="나눔스퀘어" panose="020B0600000101010101" pitchFamily="50" charset="-127"/>
+                <a:sym typeface="Helvetica Neue Medium"/>
+              </a:rPr>
+              <a:t>, </a:t>
+            </a:r>
+            <a:r>
+              <a:rPr lang="ko-KR" altLang="en-US" sz="4000" b="0" dirty="0">
+                <a:solidFill>
+                  <a:schemeClr val="tx1"/>
+                </a:solidFill>
+                <a:latin typeface="나눔스퀘어" panose="020B0600000101010101" pitchFamily="50" charset="-127"/>
+                <a:ea typeface="나눔스퀘어" panose="020B0600000101010101" pitchFamily="50" charset="-127"/>
+                <a:sym typeface="Helvetica Neue Medium"/>
+              </a:rPr>
+              <a:t>모니터링</a:t>
+            </a:r>
+            <a:r>
+              <a:rPr lang="en-US" altLang="ko-KR" sz="4000" b="0" dirty="0">
+                <a:solidFill>
+                  <a:schemeClr val="tx1"/>
+                </a:solidFill>
+                <a:latin typeface="나눔스퀘어" panose="020B0600000101010101" pitchFamily="50" charset="-127"/>
+                <a:ea typeface="나눔스퀘어" panose="020B0600000101010101" pitchFamily="50" charset="-127"/>
+                <a:sym typeface="Helvetica Neue Medium"/>
+              </a:rPr>
+              <a:t>, </a:t>
+            </a:r>
+            <a:r>
+              <a:rPr lang="ko-KR" altLang="en-US" sz="4000" b="0" dirty="0">
+                <a:solidFill>
+                  <a:schemeClr val="tx1"/>
+                </a:solidFill>
+                <a:latin typeface="나눔스퀘어" panose="020B0600000101010101" pitchFamily="50" charset="-127"/>
+                <a:ea typeface="나눔스퀘어" panose="020B0600000101010101" pitchFamily="50" charset="-127"/>
+                <a:sym typeface="Helvetica Neue Medium"/>
+              </a:rPr>
+              <a:t>캘린더 </a:t>
+            </a:r>
+            <a:r>
+              <a:rPr lang="en-US" altLang="ko-KR" sz="4000" b="0" dirty="0">
+                <a:solidFill>
+                  <a:schemeClr val="tx1"/>
+                </a:solidFill>
+                <a:latin typeface="나눔스퀘어" panose="020B0600000101010101" pitchFamily="50" charset="-127"/>
+                <a:ea typeface="나눔스퀘어" panose="020B0600000101010101" pitchFamily="50" charset="-127"/>
+                <a:sym typeface="Helvetica Neue Medium"/>
+              </a:rPr>
+              <a:t>3</a:t>
+            </a:r>
+            <a:r>
+              <a:rPr lang="ko-KR" altLang="en-US" sz="4000" b="0" dirty="0">
+                <a:solidFill>
+                  <a:schemeClr val="tx1"/>
+                </a:solidFill>
+                <a:latin typeface="나눔스퀘어" panose="020B0600000101010101" pitchFamily="50" charset="-127"/>
+                <a:ea typeface="나눔스퀘어" panose="020B0600000101010101" pitchFamily="50" charset="-127"/>
+                <a:sym typeface="Helvetica Neue Medium"/>
+              </a:rPr>
+              <a:t>개의 탭으로 구성</a:t>
+            </a:r>
           </a:p>
         </p:txBody>
       </p:sp>
       <p:sp>
         <p:nvSpPr>
-          <p:cNvPr id="33" name="직사각형 32">
+          <p:cNvPr id="48" name="직사각형 47">
             <a:extLst>
               <a:ext uri="{FF2B5EF4-FFF2-40B4-BE49-F238E27FC236}">
-                <a16:creationId xmlns:a16="http://schemas.microsoft.com/office/drawing/2014/main" id="{8D4DEEC5-0076-4FEC-B968-0674CF99E5A4}"/>
+                <a16:creationId xmlns:a16="http://schemas.microsoft.com/office/drawing/2014/main" id="{B4ADF139-07B6-4B77-9627-204F4B118A87}"/>
               </a:ext>
             </a:extLst>
           </p:cNvPr>
@@ -6663,14 +5936,14 @@
         </p:nvSpPr>
         <p:spPr>
           <a:xfrm>
-            <a:off x="12195110" y="6371961"/>
-            <a:ext cx="7673920" cy="1026367"/>
+            <a:off x="9704196" y="6339443"/>
+            <a:ext cx="1026367" cy="1026367"/>
           </a:xfrm>
           <a:prstGeom prst="rect">
             <a:avLst/>
           </a:prstGeom>
           <a:solidFill>
-            <a:srgbClr val="93E5D7"/>
+            <a:srgbClr val="C7F2E8"/>
           </a:solidFill>
           <a:ln w="12700" cap="flat">
             <a:noFill/>
@@ -6697,48 +5970,40 @@
           </a:bodyPr>
           <a:lstStyle/>
           <a:p>
-            <a:r>
-              <a:rPr lang="ko-KR" altLang="en-US" sz="2500" b="0" dirty="0" err="1">
+            <a:pPr marL="0" marR="0" indent="0" algn="ctr" defTabSz="821531" rtl="0" fontAlgn="auto" latinLnBrk="0" hangingPunct="0">
+              <a:lnSpc>
+                <a:spcPct val="100000"/>
+              </a:lnSpc>
+              <a:spcBef>
+                <a:spcPts val="0"/>
+              </a:spcBef>
+              <a:spcAft>
+                <a:spcPts val="0"/>
+              </a:spcAft>
+              <a:buClrTx/>
+              <a:buSzTx/>
+              <a:buFontTx/>
+              <a:buNone/>
+              <a:tabLst/>
+            </a:pPr>
+            <a:r>
+              <a:rPr lang="en-US" altLang="ko-KR" sz="4000" b="0" dirty="0">
                 <a:solidFill>
                   <a:schemeClr val="tx1"/>
                 </a:solidFill>
                 <a:latin typeface="나눔스퀘어" panose="020B0600000101010101" pitchFamily="50" charset="-127"/>
                 <a:ea typeface="나눔스퀘어" panose="020B0600000101010101" pitchFamily="50" charset="-127"/>
+                <a:cs typeface="+mn-cs"/>
                 <a:sym typeface="Helvetica Neue Medium"/>
               </a:rPr>
-              <a:t>인트로에서</a:t>
-            </a:r>
-            <a:r>
-              <a:rPr lang="ko-KR" altLang="en-US" sz="2500" b="0" dirty="0">
-                <a:solidFill>
-                  <a:schemeClr val="tx1"/>
-                </a:solidFill>
-                <a:latin typeface="나눔스퀘어" panose="020B0600000101010101" pitchFamily="50" charset="-127"/>
-                <a:ea typeface="나눔스퀘어" panose="020B0600000101010101" pitchFamily="50" charset="-127"/>
-                <a:sym typeface="Helvetica Neue Medium"/>
-              </a:rPr>
-              <a:t> 메인 페이지로 이동 시 습관 분석 탭으로 시작한다</a:t>
-            </a:r>
-            <a:r>
-              <a:rPr lang="en-US" altLang="ko-KR" sz="2500" b="0" dirty="0">
-                <a:solidFill>
-                  <a:schemeClr val="tx1"/>
-                </a:solidFill>
-                <a:latin typeface="나눔스퀘어" panose="020B0600000101010101" pitchFamily="50" charset="-127"/>
-                <a:ea typeface="나눔스퀘어" panose="020B0600000101010101" pitchFamily="50" charset="-127"/>
-                <a:sym typeface="Helvetica Neue Medium"/>
-              </a:rPr>
-              <a:t>.</a:t>
-            </a:r>
-            <a:endParaRPr kumimoji="0" lang="ko-KR" altLang="en-US" sz="2500" b="0" i="0" u="none" strike="noStrike" cap="none" spc="0" normalizeH="0" baseline="0" dirty="0">
+              <a:t>2</a:t>
+            </a:r>
+            <a:endParaRPr kumimoji="0" lang="ko-KR" altLang="en-US" sz="4000" b="0" i="0" u="none" strike="noStrike" cap="none" spc="0" normalizeH="0" baseline="0" dirty="0">
               <a:ln>
                 <a:noFill/>
               </a:ln>
               <a:solidFill>
-                <a:schemeClr val="tx1">
-                  <a:lumMod val="65000"/>
-                  <a:lumOff val="35000"/>
-                </a:schemeClr>
+                <a:schemeClr val="tx1"/>
               </a:solidFill>
               <a:effectLst/>
               <a:uFillTx/>
@@ -6752,10 +6017,10 @@
       </p:sp>
       <p:sp>
         <p:nvSpPr>
-          <p:cNvPr id="34" name="직사각형 33">
+          <p:cNvPr id="49" name="직사각형 48">
             <a:extLst>
               <a:ext uri="{FF2B5EF4-FFF2-40B4-BE49-F238E27FC236}">
-                <a16:creationId xmlns:a16="http://schemas.microsoft.com/office/drawing/2014/main" id="{F00CD4F7-3E5C-4978-BE57-27BC7EF392F2}"/>
+                <a16:creationId xmlns:a16="http://schemas.microsoft.com/office/drawing/2014/main" id="{AD94938D-2282-46AB-8990-39FDB7AF1586}"/>
               </a:ext>
             </a:extLst>
           </p:cNvPr>
@@ -6764,14 +6029,14 @@
         </p:nvSpPr>
         <p:spPr>
           <a:xfrm>
-            <a:off x="10711543" y="8322909"/>
-            <a:ext cx="1026367" cy="1026367"/>
+            <a:off x="11184653" y="6344816"/>
+            <a:ext cx="10800000" cy="1026367"/>
           </a:xfrm>
           <a:prstGeom prst="rect">
             <a:avLst/>
           </a:prstGeom>
           <a:solidFill>
-            <a:srgbClr val="93E5D7"/>
+            <a:srgbClr val="C7F2E8"/>
           </a:solidFill>
           <a:ln w="12700" cap="flat">
             <a:noFill/>
@@ -6798,940 +6063,53 @@
           </a:bodyPr>
           <a:lstStyle/>
           <a:p>
-            <a:pPr marL="0" marR="0" indent="0" algn="ctr" defTabSz="821531" rtl="0" fontAlgn="auto" latinLnBrk="0" hangingPunct="0">
-              <a:lnSpc>
-                <a:spcPct val="100000"/>
-              </a:lnSpc>
-              <a:spcBef>
-                <a:spcPts val="0"/>
-              </a:spcBef>
-              <a:spcAft>
-                <a:spcPts val="0"/>
-              </a:spcAft>
-              <a:buClrTx/>
-              <a:buSzTx/>
-              <a:buFontTx/>
-              <a:buNone/>
-              <a:tabLst/>
-            </a:pPr>
-            <a:r>
-              <a:rPr kumimoji="0" lang="en-US" altLang="ko-KR" sz="3000" b="0" i="0" u="none" strike="noStrike" cap="none" spc="0" normalizeH="0" baseline="0" dirty="0">
-                <a:ln>
-                  <a:noFill/>
-                </a:ln>
+            <a:r>
+              <a:rPr lang="ko-KR" altLang="en-US" sz="4000" b="0" dirty="0">
                 <a:solidFill>
                   <a:schemeClr val="tx1"/>
                 </a:solidFill>
-                <a:effectLst/>
-                <a:uFillTx/>
                 <a:latin typeface="나눔스퀘어" panose="020B0600000101010101" pitchFamily="50" charset="-127"/>
                 <a:ea typeface="나눔스퀘어" panose="020B0600000101010101" pitchFamily="50" charset="-127"/>
-                <a:cs typeface="+mn-cs"/>
                 <a:sym typeface="Helvetica Neue Medium"/>
               </a:rPr>
-              <a:t>3</a:t>
-            </a:r>
-            <a:endParaRPr kumimoji="0" lang="ko-KR" altLang="en-US" sz="3000" b="0" i="0" u="none" strike="noStrike" cap="none" spc="0" normalizeH="0" baseline="0" dirty="0">
-              <a:ln>
-                <a:noFill/>
-              </a:ln>
-              <a:solidFill>
-                <a:schemeClr val="tx1"/>
-              </a:solidFill>
-              <a:effectLst/>
-              <a:uFillTx/>
-              <a:latin typeface="나눔스퀘어" panose="020B0600000101010101" pitchFamily="50" charset="-127"/>
-              <a:ea typeface="나눔스퀘어" panose="020B0600000101010101" pitchFamily="50" charset="-127"/>
-              <a:cs typeface="+mn-cs"/>
-              <a:sym typeface="Helvetica Neue Medium"/>
-            </a:endParaRPr>
-          </a:p>
-        </p:txBody>
-      </p:sp>
-      <p:sp>
-        <p:nvSpPr>
-          <p:cNvPr id="35" name="직사각형 34">
-            <a:extLst>
-              <a:ext uri="{FF2B5EF4-FFF2-40B4-BE49-F238E27FC236}">
-                <a16:creationId xmlns:a16="http://schemas.microsoft.com/office/drawing/2014/main" id="{5B6CD5E6-0E9D-49CA-8E02-48AF182EE879}"/>
-              </a:ext>
-            </a:extLst>
-          </p:cNvPr>
-          <p:cNvSpPr/>
-          <p:nvPr/>
-        </p:nvSpPr>
-        <p:spPr>
-          <a:xfrm>
-            <a:off x="12192000" y="8328282"/>
-            <a:ext cx="7673920" cy="1026367"/>
-          </a:xfrm>
-          <a:prstGeom prst="rect">
-            <a:avLst/>
-          </a:prstGeom>
-          <a:solidFill>
-            <a:srgbClr val="93E5D7"/>
-          </a:solidFill>
-          <a:ln w="12700" cap="flat">
-            <a:noFill/>
-            <a:miter lim="400000"/>
-          </a:ln>
-          <a:effectLst/>
-          <a:sp3d/>
-        </p:spPr>
-        <p:style>
-          <a:lnRef idx="0">
-            <a:scrgbClr r="0" g="0" b="0"/>
-          </a:lnRef>
-          <a:fillRef idx="0">
-            <a:scrgbClr r="0" g="0" b="0"/>
-          </a:fillRef>
-          <a:effectRef idx="0">
-            <a:scrgbClr r="0" g="0" b="0"/>
-          </a:effectRef>
-          <a:fontRef idx="none"/>
-        </p:style>
-        <p:txBody>
-          <a:bodyPr rot="0" spcFirstLastPara="1" vertOverflow="overflow" horzOverflow="overflow" vert="horz" wrap="square" lIns="71437" tIns="71437" rIns="71437" bIns="71437" numCol="1" spcCol="38100" rtlCol="0" anchor="ctr">
-            <a:noAutofit/>
-          </a:bodyPr>
-          <a:lstStyle/>
-          <a:p>
-            <a:pPr marL="0" marR="0" indent="0" algn="ctr" defTabSz="821531" rtl="0" fontAlgn="auto" latinLnBrk="0" hangingPunct="0">
-              <a:lnSpc>
-                <a:spcPct val="100000"/>
-              </a:lnSpc>
-              <a:spcBef>
-                <a:spcPts val="0"/>
-              </a:spcBef>
-              <a:spcAft>
-                <a:spcPts val="0"/>
-              </a:spcAft>
-              <a:buClrTx/>
-              <a:buSzTx/>
-              <a:buFontTx/>
-              <a:buNone/>
-              <a:tabLst/>
-            </a:pPr>
-            <a:r>
-              <a:rPr kumimoji="0" lang="ko-KR" altLang="en-US" sz="2500" b="0" i="0" u="none" strike="noStrike" cap="none" spc="0" normalizeH="0" baseline="0" dirty="0">
-                <a:ln>
-                  <a:noFill/>
-                </a:ln>
+              <a:t>실행 후 </a:t>
+            </a:r>
+            <a:r>
+              <a:rPr lang="ko-KR" altLang="en-US" sz="4000" b="0" dirty="0" err="1">
                 <a:solidFill>
                   <a:schemeClr val="tx1"/>
                 </a:solidFill>
-                <a:effectLst/>
-                <a:uFillTx/>
                 <a:latin typeface="나눔스퀘어" panose="020B0600000101010101" pitchFamily="50" charset="-127"/>
                 <a:ea typeface="나눔스퀘어" panose="020B0600000101010101" pitchFamily="50" charset="-127"/>
-                <a:cs typeface="+mn-cs"/>
                 <a:sym typeface="Helvetica Neue Medium"/>
               </a:rPr>
-              <a:t>상단에는 해당 주의 양치 점수와 그에 맞는 멘트를 출력해준다</a:t>
-            </a:r>
-            <a:r>
-              <a:rPr kumimoji="0" lang="en-US" altLang="ko-KR" sz="2500" b="0" i="0" u="none" strike="noStrike" cap="none" spc="0" normalizeH="0" baseline="0" dirty="0">
-                <a:ln>
-                  <a:noFill/>
-                </a:ln>
+              <a:t>메인페이지</a:t>
+            </a:r>
+            <a:r>
+              <a:rPr lang="ko-KR" altLang="en-US" sz="4000" b="0" dirty="0">
                 <a:solidFill>
                   <a:schemeClr val="tx1"/>
                 </a:solidFill>
-                <a:effectLst/>
-                <a:uFillTx/>
                 <a:latin typeface="나눔스퀘어" panose="020B0600000101010101" pitchFamily="50" charset="-127"/>
                 <a:ea typeface="나눔스퀘어" panose="020B0600000101010101" pitchFamily="50" charset="-127"/>
-                <a:cs typeface="+mn-cs"/>
                 <a:sym typeface="Helvetica Neue Medium"/>
               </a:rPr>
-              <a:t>.</a:t>
-            </a:r>
-            <a:endParaRPr kumimoji="0" lang="ko-KR" altLang="en-US" sz="2500" b="0" i="0" u="none" strike="noStrike" cap="none" spc="0" normalizeH="0" baseline="0" dirty="0">
-              <a:ln>
-                <a:noFill/>
-              </a:ln>
-              <a:solidFill>
-                <a:schemeClr val="tx1"/>
-              </a:solidFill>
-              <a:effectLst/>
-              <a:uFillTx/>
-              <a:latin typeface="나눔스퀘어" panose="020B0600000101010101" pitchFamily="50" charset="-127"/>
-              <a:ea typeface="나눔스퀘어" panose="020B0600000101010101" pitchFamily="50" charset="-127"/>
-              <a:cs typeface="+mn-cs"/>
-              <a:sym typeface="Helvetica Neue Medium"/>
-            </a:endParaRPr>
-          </a:p>
-        </p:txBody>
-      </p:sp>
-      <p:sp>
-        <p:nvSpPr>
-          <p:cNvPr id="36" name="직사각형 35">
-            <a:extLst>
-              <a:ext uri="{FF2B5EF4-FFF2-40B4-BE49-F238E27FC236}">
-                <a16:creationId xmlns:a16="http://schemas.microsoft.com/office/drawing/2014/main" id="{A14DA1F0-197B-4BAC-9585-1C5E4ED840BC}"/>
-              </a:ext>
-            </a:extLst>
-          </p:cNvPr>
-          <p:cNvSpPr/>
-          <p:nvPr/>
-        </p:nvSpPr>
-        <p:spPr>
-          <a:xfrm>
-            <a:off x="10714653" y="10266785"/>
-            <a:ext cx="1026367" cy="1026367"/>
-          </a:xfrm>
-          <a:prstGeom prst="rect">
-            <a:avLst/>
-          </a:prstGeom>
-          <a:solidFill>
-            <a:srgbClr val="93E5D7"/>
-          </a:solidFill>
-          <a:ln w="12700" cap="flat">
-            <a:noFill/>
-            <a:miter lim="400000"/>
-          </a:ln>
-          <a:effectLst/>
-          <a:sp3d/>
-        </p:spPr>
-        <p:style>
-          <a:lnRef idx="0">
-            <a:scrgbClr r="0" g="0" b="0"/>
-          </a:lnRef>
-          <a:fillRef idx="0">
-            <a:scrgbClr r="0" g="0" b="0"/>
-          </a:fillRef>
-          <a:effectRef idx="0">
-            <a:scrgbClr r="0" g="0" b="0"/>
-          </a:effectRef>
-          <a:fontRef idx="none"/>
-        </p:style>
-        <p:txBody>
-          <a:bodyPr rot="0" spcFirstLastPara="1" vertOverflow="overflow" horzOverflow="overflow" vert="horz" wrap="square" lIns="71437" tIns="71437" rIns="71437" bIns="71437" numCol="1" spcCol="38100" rtlCol="0" anchor="ctr">
-            <a:noAutofit/>
-          </a:bodyPr>
-          <a:lstStyle/>
-          <a:p>
-            <a:pPr marL="0" marR="0" indent="0" algn="ctr" defTabSz="821531" rtl="0" fontAlgn="auto" latinLnBrk="0" hangingPunct="0">
-              <a:lnSpc>
-                <a:spcPct val="100000"/>
-              </a:lnSpc>
-              <a:spcBef>
-                <a:spcPts val="0"/>
-              </a:spcBef>
-              <a:spcAft>
-                <a:spcPts val="0"/>
-              </a:spcAft>
-              <a:buClrTx/>
-              <a:buSzTx/>
-              <a:buFontTx/>
-              <a:buNone/>
-              <a:tabLst/>
-            </a:pPr>
-            <a:r>
-              <a:rPr kumimoji="0" lang="en-US" altLang="ko-KR" sz="3000" b="0" i="0" u="none" strike="noStrike" cap="none" spc="0" normalizeH="0" baseline="0" dirty="0">
-                <a:ln>
-                  <a:noFill/>
-                </a:ln>
-                <a:solidFill>
-                  <a:schemeClr val="tx1"/>
-                </a:solidFill>
-                <a:effectLst/>
-                <a:uFillTx/>
-                <a:latin typeface="나눔스퀘어" panose="020B0600000101010101" pitchFamily="50" charset="-127"/>
-                <a:ea typeface="나눔스퀘어" panose="020B0600000101010101" pitchFamily="50" charset="-127"/>
-                <a:cs typeface="+mn-cs"/>
-                <a:sym typeface="Helvetica Neue Medium"/>
-              </a:rPr>
-              <a:t>4</a:t>
-            </a:r>
-            <a:endParaRPr kumimoji="0" lang="ko-KR" altLang="en-US" sz="3000" b="0" i="0" u="none" strike="noStrike" cap="none" spc="0" normalizeH="0" baseline="0" dirty="0">
-              <a:ln>
-                <a:noFill/>
-              </a:ln>
-              <a:solidFill>
-                <a:schemeClr val="tx1"/>
-              </a:solidFill>
-              <a:effectLst/>
-              <a:uFillTx/>
-              <a:latin typeface="나눔스퀘어" panose="020B0600000101010101" pitchFamily="50" charset="-127"/>
-              <a:ea typeface="나눔스퀘어" panose="020B0600000101010101" pitchFamily="50" charset="-127"/>
-              <a:cs typeface="+mn-cs"/>
-              <a:sym typeface="Helvetica Neue Medium"/>
-            </a:endParaRPr>
-          </a:p>
-        </p:txBody>
-      </p:sp>
-      <p:sp>
-        <p:nvSpPr>
-          <p:cNvPr id="37" name="직사각형 36">
-            <a:extLst>
-              <a:ext uri="{FF2B5EF4-FFF2-40B4-BE49-F238E27FC236}">
-                <a16:creationId xmlns:a16="http://schemas.microsoft.com/office/drawing/2014/main" id="{9FAA72A1-60F5-42C2-971D-39A939BAC09E}"/>
-              </a:ext>
-            </a:extLst>
-          </p:cNvPr>
-          <p:cNvSpPr/>
-          <p:nvPr/>
-        </p:nvSpPr>
-        <p:spPr>
-          <a:xfrm>
-            <a:off x="12195110" y="10272158"/>
-            <a:ext cx="7673920" cy="1026367"/>
-          </a:xfrm>
-          <a:prstGeom prst="rect">
-            <a:avLst/>
-          </a:prstGeom>
-          <a:solidFill>
-            <a:srgbClr val="93E5D7"/>
-          </a:solidFill>
-          <a:ln w="12700" cap="flat">
-            <a:noFill/>
-            <a:miter lim="400000"/>
-          </a:ln>
-          <a:effectLst/>
-          <a:sp3d/>
-        </p:spPr>
-        <p:style>
-          <a:lnRef idx="0">
-            <a:scrgbClr r="0" g="0" b="0"/>
-          </a:lnRef>
-          <a:fillRef idx="0">
-            <a:scrgbClr r="0" g="0" b="0"/>
-          </a:fillRef>
-          <a:effectRef idx="0">
-            <a:scrgbClr r="0" g="0" b="0"/>
-          </a:effectRef>
-          <a:fontRef idx="none"/>
-        </p:style>
-        <p:txBody>
-          <a:bodyPr rot="0" spcFirstLastPara="1" vertOverflow="overflow" horzOverflow="overflow" vert="horz" wrap="square" lIns="71437" tIns="71437" rIns="71437" bIns="71437" numCol="1" spcCol="38100" rtlCol="0" anchor="ctr">
-            <a:noAutofit/>
-          </a:bodyPr>
-          <a:lstStyle/>
-          <a:p>
-            <a:pPr marL="0" marR="0" indent="0" algn="ctr" defTabSz="821531" rtl="0" fontAlgn="auto" latinLnBrk="0" hangingPunct="0">
-              <a:lnSpc>
-                <a:spcPct val="100000"/>
-              </a:lnSpc>
-              <a:spcBef>
-                <a:spcPts val="0"/>
-              </a:spcBef>
-              <a:spcAft>
-                <a:spcPts val="0"/>
-              </a:spcAft>
-              <a:buClrTx/>
-              <a:buSzTx/>
-              <a:buFontTx/>
-              <a:buNone/>
-              <a:tabLst/>
-            </a:pPr>
-            <a:r>
-              <a:rPr kumimoji="0" lang="ko-KR" altLang="en-US" sz="2500" b="0" i="0" u="none" strike="noStrike" cap="none" spc="0" normalizeH="0" baseline="0" dirty="0">
-                <a:ln>
-                  <a:noFill/>
-                </a:ln>
-                <a:solidFill>
-                  <a:schemeClr val="tx1"/>
-                </a:solidFill>
-                <a:effectLst/>
-                <a:uFillTx/>
-                <a:latin typeface="나눔스퀘어" panose="020B0600000101010101" pitchFamily="50" charset="-127"/>
-                <a:ea typeface="나눔스퀘어" panose="020B0600000101010101" pitchFamily="50" charset="-127"/>
-                <a:cs typeface="+mn-cs"/>
-                <a:sym typeface="Helvetica Neue Medium"/>
-              </a:rPr>
-              <a:t>하단에는 일별 양치습관과 그에 대한 코멘트를 출력해준다</a:t>
-            </a:r>
-            <a:r>
-              <a:rPr kumimoji="0" lang="en-US" altLang="ko-KR" sz="2500" b="0" i="0" u="none" strike="noStrike" cap="none" spc="0" normalizeH="0" baseline="0" dirty="0">
-                <a:ln>
-                  <a:noFill/>
-                </a:ln>
-                <a:solidFill>
-                  <a:schemeClr val="tx1"/>
-                </a:solidFill>
-                <a:effectLst/>
-                <a:uFillTx/>
-                <a:latin typeface="나눔스퀘어" panose="020B0600000101010101" pitchFamily="50" charset="-127"/>
-                <a:ea typeface="나눔스퀘어" panose="020B0600000101010101" pitchFamily="50" charset="-127"/>
-                <a:cs typeface="+mn-cs"/>
-                <a:sym typeface="Helvetica Neue Medium"/>
-              </a:rPr>
-              <a:t>.</a:t>
-            </a:r>
-            <a:endParaRPr kumimoji="0" lang="ko-KR" altLang="en-US" sz="2500" b="0" i="0" u="none" strike="noStrike" cap="none" spc="0" normalizeH="0" baseline="0" dirty="0">
-              <a:ln>
-                <a:noFill/>
-              </a:ln>
-              <a:solidFill>
-                <a:schemeClr val="tx1"/>
-              </a:solidFill>
-              <a:effectLst/>
-              <a:uFillTx/>
-              <a:latin typeface="나눔스퀘어" panose="020B0600000101010101" pitchFamily="50" charset="-127"/>
-              <a:ea typeface="나눔스퀘어" panose="020B0600000101010101" pitchFamily="50" charset="-127"/>
-              <a:cs typeface="+mn-cs"/>
-              <a:sym typeface="Helvetica Neue Medium"/>
-            </a:endParaRPr>
-          </a:p>
-        </p:txBody>
-      </p:sp>
-      <p:sp>
-        <p:nvSpPr>
-          <p:cNvPr id="23" name="직사각형 22">
-            <a:extLst>
-              <a:ext uri="{FF2B5EF4-FFF2-40B4-BE49-F238E27FC236}">
-                <a16:creationId xmlns:a16="http://schemas.microsoft.com/office/drawing/2014/main" id="{F74461E1-D8D8-4554-A808-F2E911FFA970}"/>
-              </a:ext>
-            </a:extLst>
-          </p:cNvPr>
-          <p:cNvSpPr/>
-          <p:nvPr/>
-        </p:nvSpPr>
-        <p:spPr>
-          <a:xfrm>
-            <a:off x="2632900" y="4292082"/>
-            <a:ext cx="4346397" cy="2780522"/>
-          </a:xfrm>
-          <a:prstGeom prst="rect">
-            <a:avLst/>
-          </a:prstGeom>
-          <a:solidFill>
-            <a:srgbClr val="93E5D7"/>
-          </a:solidFill>
-          <a:ln w="12700" cap="flat">
-            <a:noFill/>
-            <a:miter lim="400000"/>
-          </a:ln>
-          <a:effectLst/>
-          <a:sp3d/>
-        </p:spPr>
-        <p:style>
-          <a:lnRef idx="0">
-            <a:scrgbClr r="0" g="0" b="0"/>
-          </a:lnRef>
-          <a:fillRef idx="0">
-            <a:scrgbClr r="0" g="0" b="0"/>
-          </a:fillRef>
-          <a:effectRef idx="0">
-            <a:scrgbClr r="0" g="0" b="0"/>
-          </a:effectRef>
-          <a:fontRef idx="none"/>
-        </p:style>
-        <p:txBody>
-          <a:bodyPr rot="0" spcFirstLastPara="1" vertOverflow="overflow" horzOverflow="overflow" vert="horz" wrap="square" lIns="71437" tIns="71437" rIns="71437" bIns="71437" numCol="1" spcCol="38100" rtlCol="0" anchor="ctr">
-            <a:noAutofit/>
-          </a:bodyPr>
-          <a:lstStyle/>
-          <a:p>
-            <a:pPr marL="0" marR="0" indent="0" algn="ctr" defTabSz="821531" rtl="0" fontAlgn="auto" latinLnBrk="0" hangingPunct="0">
-              <a:lnSpc>
-                <a:spcPct val="100000"/>
-              </a:lnSpc>
-              <a:spcBef>
-                <a:spcPts val="0"/>
-              </a:spcBef>
-              <a:spcAft>
-                <a:spcPts val="0"/>
-              </a:spcAft>
-              <a:buClrTx/>
-              <a:buSzTx/>
-              <a:buFontTx/>
-              <a:buNone/>
-              <a:tabLst/>
-            </a:pPr>
-            <a:r>
-              <a:rPr lang="en-US" altLang="ko-KR" sz="5000" b="0" dirty="0">
-                <a:solidFill>
-                  <a:schemeClr val="tx1">
-                    <a:lumMod val="65000"/>
-                    <a:lumOff val="35000"/>
-                  </a:schemeClr>
-                </a:solidFill>
-                <a:latin typeface="나눔스퀘어" panose="020B0600000101010101" pitchFamily="50" charset="-127"/>
-                <a:ea typeface="나눔스퀘어" panose="020B0600000101010101" pitchFamily="50" charset="-127"/>
-                <a:cs typeface="+mn-cs"/>
-                <a:sym typeface="Helvetica Neue Medium"/>
-              </a:rPr>
-              <a:t>90/100</a:t>
-            </a:r>
-          </a:p>
-          <a:p>
-            <a:pPr marL="0" marR="0" indent="0" algn="ctr" defTabSz="821531" rtl="0" fontAlgn="auto" latinLnBrk="0" hangingPunct="0">
-              <a:lnSpc>
-                <a:spcPct val="100000"/>
-              </a:lnSpc>
-              <a:spcBef>
-                <a:spcPts val="0"/>
-              </a:spcBef>
-              <a:spcAft>
-                <a:spcPts val="0"/>
-              </a:spcAft>
-              <a:buClrTx/>
-              <a:buSzTx/>
-              <a:buFontTx/>
-              <a:buNone/>
-              <a:tabLst/>
-            </a:pPr>
-            <a:endParaRPr kumimoji="0" lang="en-US" altLang="ko-KR" sz="2000" b="0" i="0" u="none" strike="noStrike" cap="none" spc="0" normalizeH="0" baseline="0" dirty="0">
-              <a:ln>
-                <a:noFill/>
-              </a:ln>
-              <a:solidFill>
-                <a:srgbClr val="FFFFFF"/>
-              </a:solidFill>
-              <a:effectLst/>
-              <a:uFillTx/>
-              <a:latin typeface="나눔스퀘어" panose="020B0600000101010101" pitchFamily="50" charset="-127"/>
-              <a:ea typeface="나눔스퀘어" panose="020B0600000101010101" pitchFamily="50" charset="-127"/>
-              <a:cs typeface="+mn-cs"/>
-              <a:sym typeface="Helvetica Neue Medium"/>
-            </a:endParaRPr>
-          </a:p>
-          <a:p>
-            <a:pPr marL="0" marR="0" indent="0" algn="ctr" defTabSz="821531" rtl="0" fontAlgn="auto" latinLnBrk="0" hangingPunct="0">
-              <a:lnSpc>
-                <a:spcPct val="100000"/>
-              </a:lnSpc>
-              <a:spcBef>
-                <a:spcPts val="0"/>
-              </a:spcBef>
-              <a:spcAft>
-                <a:spcPts val="0"/>
-              </a:spcAft>
-              <a:buClrTx/>
-              <a:buSzTx/>
-              <a:buFontTx/>
-              <a:buNone/>
-              <a:tabLst/>
-            </a:pPr>
-            <a:r>
-              <a:rPr lang="ko-KR" altLang="en-US" sz="3000" b="0" dirty="0">
-                <a:solidFill>
-                  <a:schemeClr val="tx1">
-                    <a:lumMod val="85000"/>
-                    <a:lumOff val="15000"/>
-                  </a:schemeClr>
-                </a:solidFill>
-                <a:latin typeface="나눔스퀘어" panose="020B0600000101010101" pitchFamily="50" charset="-127"/>
-                <a:ea typeface="나눔스퀘어" panose="020B0600000101010101" pitchFamily="50" charset="-127"/>
-                <a:cs typeface="+mn-cs"/>
-                <a:sym typeface="Helvetica Neue Medium"/>
-              </a:rPr>
-              <a:t>양치 습관 분석 내용</a:t>
-            </a:r>
-            <a:endParaRPr kumimoji="0" lang="en-US" altLang="ko-KR" sz="3000" b="0" i="0" u="none" strike="noStrike" cap="none" spc="0" normalizeH="0" baseline="0" dirty="0">
-              <a:ln>
-                <a:noFill/>
-              </a:ln>
-              <a:solidFill>
-                <a:schemeClr val="tx1">
-                  <a:lumMod val="85000"/>
-                  <a:lumOff val="15000"/>
-                </a:schemeClr>
-              </a:solidFill>
-              <a:effectLst/>
-              <a:uFillTx/>
-              <a:latin typeface="나눔스퀘어" panose="020B0600000101010101" pitchFamily="50" charset="-127"/>
-              <a:ea typeface="나눔스퀘어" panose="020B0600000101010101" pitchFamily="50" charset="-127"/>
-              <a:cs typeface="+mn-cs"/>
-              <a:sym typeface="Helvetica Neue Medium"/>
-            </a:endParaRPr>
-          </a:p>
-        </p:txBody>
-      </p:sp>
-      <p:sp>
-        <p:nvSpPr>
-          <p:cNvPr id="26" name="사각형: 둥근 모서리 25">
-            <a:extLst>
-              <a:ext uri="{FF2B5EF4-FFF2-40B4-BE49-F238E27FC236}">
-                <a16:creationId xmlns:a16="http://schemas.microsoft.com/office/drawing/2014/main" id="{E3854066-39F4-4211-B43E-EDF45AB3C425}"/>
-              </a:ext>
-            </a:extLst>
-          </p:cNvPr>
-          <p:cNvSpPr/>
-          <p:nvPr/>
-        </p:nvSpPr>
-        <p:spPr>
-          <a:xfrm>
-            <a:off x="2929812" y="7296541"/>
-            <a:ext cx="3732245" cy="895738"/>
-          </a:xfrm>
-          <a:prstGeom prst="roundRect">
-            <a:avLst/>
-          </a:prstGeom>
-          <a:solidFill>
-            <a:schemeClr val="accent5">
-              <a:lumMod val="20000"/>
-              <a:lumOff val="80000"/>
-            </a:schemeClr>
-          </a:solidFill>
-          <a:ln w="12700" cap="flat">
-            <a:noFill/>
-            <a:miter lim="400000"/>
-          </a:ln>
-          <a:effectLst/>
-          <a:sp3d/>
-        </p:spPr>
-        <p:style>
-          <a:lnRef idx="0">
-            <a:scrgbClr r="0" g="0" b="0"/>
-          </a:lnRef>
-          <a:fillRef idx="0">
-            <a:scrgbClr r="0" g="0" b="0"/>
-          </a:fillRef>
-          <a:effectRef idx="0">
-            <a:scrgbClr r="0" g="0" b="0"/>
-          </a:effectRef>
-          <a:fontRef idx="none"/>
-        </p:style>
-        <p:txBody>
-          <a:bodyPr rot="0" spcFirstLastPara="1" vertOverflow="overflow" horzOverflow="overflow" vert="horz" wrap="square" lIns="71437" tIns="71437" rIns="71437" bIns="71437" numCol="1" spcCol="38100" rtlCol="0" anchor="ctr">
-            <a:noAutofit/>
-          </a:bodyPr>
-          <a:lstStyle/>
-          <a:p>
-            <a:pPr marL="0" marR="0" indent="0" algn="ctr" defTabSz="821531" rtl="0" fontAlgn="auto" latinLnBrk="0" hangingPunct="0">
-              <a:lnSpc>
-                <a:spcPct val="100000"/>
-              </a:lnSpc>
-              <a:spcBef>
-                <a:spcPts val="0"/>
-              </a:spcBef>
-              <a:spcAft>
-                <a:spcPts val="0"/>
-              </a:spcAft>
-              <a:buClrTx/>
-              <a:buSzTx/>
-              <a:buFontTx/>
-              <a:buNone/>
-              <a:tabLst/>
-            </a:pPr>
-            <a:r>
-              <a:rPr lang="en-US" altLang="ko-KR" sz="3000" b="0" dirty="0">
-                <a:solidFill>
-                  <a:schemeClr val="tx1">
-                    <a:lumMod val="65000"/>
-                    <a:lumOff val="35000"/>
-                  </a:schemeClr>
-                </a:solidFill>
-                <a:latin typeface="나눔스퀘어" panose="020B0600000101010101" pitchFamily="50" charset="-127"/>
-                <a:ea typeface="나눔스퀘어" panose="020B0600000101010101" pitchFamily="50" charset="-127"/>
-                <a:cs typeface="+mn-cs"/>
-                <a:sym typeface="Helvetica Neue Medium"/>
-              </a:rPr>
-              <a:t>9/17</a:t>
-            </a:r>
-            <a:r>
-              <a:rPr lang="ko-KR" altLang="en-US" sz="3000" b="0" dirty="0">
-                <a:solidFill>
-                  <a:schemeClr val="tx1">
-                    <a:lumMod val="65000"/>
-                    <a:lumOff val="35000"/>
-                  </a:schemeClr>
-                </a:solidFill>
-                <a:latin typeface="나눔스퀘어" panose="020B0600000101010101" pitchFamily="50" charset="-127"/>
-                <a:ea typeface="나눔스퀘어" panose="020B0600000101010101" pitchFamily="50" charset="-127"/>
-                <a:cs typeface="+mn-cs"/>
-                <a:sym typeface="Helvetica Neue Medium"/>
-              </a:rPr>
-              <a:t> 양치기록</a:t>
-            </a:r>
-            <a:endParaRPr kumimoji="0" lang="ko-KR" altLang="en-US" sz="3000" b="0" i="0" u="none" strike="noStrike" cap="none" spc="0" normalizeH="0" baseline="0" dirty="0">
-              <a:ln>
-                <a:noFill/>
-              </a:ln>
+              <a:t> 이동 시 습관 분석 탭으로 시작</a:t>
+            </a:r>
+            <a:endParaRPr lang="ko-KR" altLang="en-US" sz="4000" b="0" dirty="0">
               <a:solidFill>
                 <a:schemeClr val="tx1">
                   <a:lumMod val="65000"/>
                   <a:lumOff val="35000"/>
                 </a:schemeClr>
               </a:solidFill>
-              <a:effectLst/>
-              <a:uFillTx/>
               <a:latin typeface="나눔스퀘어" panose="020B0600000101010101" pitchFamily="50" charset="-127"/>
               <a:ea typeface="나눔스퀘어" panose="020B0600000101010101" pitchFamily="50" charset="-127"/>
-              <a:cs typeface="+mn-cs"/>
               <a:sym typeface="Helvetica Neue Medium"/>
             </a:endParaRPr>
           </a:p>
         </p:txBody>
       </p:sp>
-      <p:sp>
-        <p:nvSpPr>
-          <p:cNvPr id="41" name="사각형: 둥근 모서리 40">
-            <a:extLst>
-              <a:ext uri="{FF2B5EF4-FFF2-40B4-BE49-F238E27FC236}">
-                <a16:creationId xmlns:a16="http://schemas.microsoft.com/office/drawing/2014/main" id="{15CF6E8F-A826-4FCA-AE39-24912BEF1A37}"/>
-              </a:ext>
-            </a:extLst>
-          </p:cNvPr>
-          <p:cNvSpPr/>
-          <p:nvPr/>
-        </p:nvSpPr>
-        <p:spPr>
-          <a:xfrm>
-            <a:off x="2928131" y="8578081"/>
-            <a:ext cx="3732245" cy="895738"/>
-          </a:xfrm>
-          <a:prstGeom prst="roundRect">
-            <a:avLst/>
-          </a:prstGeom>
-          <a:solidFill>
-            <a:schemeClr val="accent5">
-              <a:lumMod val="20000"/>
-              <a:lumOff val="80000"/>
-            </a:schemeClr>
-          </a:solidFill>
-          <a:ln w="12700" cap="flat">
-            <a:noFill/>
-            <a:miter lim="400000"/>
-          </a:ln>
-          <a:effectLst/>
-          <a:sp3d/>
-        </p:spPr>
-        <p:style>
-          <a:lnRef idx="0">
-            <a:scrgbClr r="0" g="0" b="0"/>
-          </a:lnRef>
-          <a:fillRef idx="0">
-            <a:scrgbClr r="0" g="0" b="0"/>
-          </a:fillRef>
-          <a:effectRef idx="0">
-            <a:scrgbClr r="0" g="0" b="0"/>
-          </a:effectRef>
-          <a:fontRef idx="none"/>
-        </p:style>
-        <p:txBody>
-          <a:bodyPr rot="0" spcFirstLastPara="1" vertOverflow="overflow" horzOverflow="overflow" vert="horz" wrap="square" lIns="71437" tIns="71437" rIns="71437" bIns="71437" numCol="1" spcCol="38100" rtlCol="0" anchor="ctr">
-            <a:noAutofit/>
-          </a:bodyPr>
-          <a:lstStyle/>
-          <a:p>
-            <a:r>
-              <a:rPr lang="en-US" altLang="ko-KR" sz="3000" b="0" dirty="0">
-                <a:solidFill>
-                  <a:schemeClr val="tx1">
-                    <a:lumMod val="65000"/>
-                    <a:lumOff val="35000"/>
-                  </a:schemeClr>
-                </a:solidFill>
-                <a:latin typeface="나눔스퀘어" panose="020B0600000101010101" pitchFamily="50" charset="-127"/>
-                <a:ea typeface="나눔스퀘어" panose="020B0600000101010101" pitchFamily="50" charset="-127"/>
-                <a:sym typeface="Helvetica Neue Medium"/>
-              </a:rPr>
-              <a:t>9/16</a:t>
-            </a:r>
-            <a:r>
-              <a:rPr lang="ko-KR" altLang="en-US" sz="3000" b="0" dirty="0">
-                <a:solidFill>
-                  <a:schemeClr val="tx1">
-                    <a:lumMod val="65000"/>
-                    <a:lumOff val="35000"/>
-                  </a:schemeClr>
-                </a:solidFill>
-                <a:latin typeface="나눔스퀘어" panose="020B0600000101010101" pitchFamily="50" charset="-127"/>
-                <a:ea typeface="나눔스퀘어" panose="020B0600000101010101" pitchFamily="50" charset="-127"/>
-                <a:sym typeface="Helvetica Neue Medium"/>
-              </a:rPr>
-              <a:t> 양치기록</a:t>
-            </a:r>
-          </a:p>
-        </p:txBody>
-      </p:sp>
-      <p:sp>
-        <p:nvSpPr>
-          <p:cNvPr id="42" name="사각형: 둥근 모서리 41">
-            <a:extLst>
-              <a:ext uri="{FF2B5EF4-FFF2-40B4-BE49-F238E27FC236}">
-                <a16:creationId xmlns:a16="http://schemas.microsoft.com/office/drawing/2014/main" id="{25B690CD-9F3B-4F66-97DA-3B49BFFFD3CE}"/>
-              </a:ext>
-            </a:extLst>
-          </p:cNvPr>
-          <p:cNvSpPr/>
-          <p:nvPr/>
-        </p:nvSpPr>
-        <p:spPr>
-          <a:xfrm>
-            <a:off x="2929810" y="9778690"/>
-            <a:ext cx="3732245" cy="895738"/>
-          </a:xfrm>
-          <a:prstGeom prst="roundRect">
-            <a:avLst/>
-          </a:prstGeom>
-          <a:solidFill>
-            <a:schemeClr val="accent5">
-              <a:lumMod val="20000"/>
-              <a:lumOff val="80000"/>
-            </a:schemeClr>
-          </a:solidFill>
-          <a:ln w="12700" cap="flat">
-            <a:noFill/>
-            <a:miter lim="400000"/>
-          </a:ln>
-          <a:effectLst/>
-          <a:sp3d/>
-        </p:spPr>
-        <p:style>
-          <a:lnRef idx="0">
-            <a:scrgbClr r="0" g="0" b="0"/>
-          </a:lnRef>
-          <a:fillRef idx="0">
-            <a:scrgbClr r="0" g="0" b="0"/>
-          </a:fillRef>
-          <a:effectRef idx="0">
-            <a:scrgbClr r="0" g="0" b="0"/>
-          </a:effectRef>
-          <a:fontRef idx="none"/>
-        </p:style>
-        <p:txBody>
-          <a:bodyPr rot="0" spcFirstLastPara="1" vertOverflow="overflow" horzOverflow="overflow" vert="horz" wrap="square" lIns="71437" tIns="71437" rIns="71437" bIns="71437" numCol="1" spcCol="38100" rtlCol="0" anchor="ctr">
-            <a:noAutofit/>
-          </a:bodyPr>
-          <a:lstStyle/>
-          <a:p>
-            <a:r>
-              <a:rPr lang="en-US" altLang="ko-KR" sz="3000" b="0" dirty="0">
-                <a:solidFill>
-                  <a:schemeClr val="tx1">
-                    <a:lumMod val="65000"/>
-                    <a:lumOff val="35000"/>
-                  </a:schemeClr>
-                </a:solidFill>
-                <a:latin typeface="나눔스퀘어" panose="020B0600000101010101" pitchFamily="50" charset="-127"/>
-                <a:ea typeface="나눔스퀘어" panose="020B0600000101010101" pitchFamily="50" charset="-127"/>
-                <a:sym typeface="Helvetica Neue Medium"/>
-              </a:rPr>
-              <a:t>9/15</a:t>
-            </a:r>
-            <a:r>
-              <a:rPr lang="ko-KR" altLang="en-US" sz="3000" b="0" dirty="0">
-                <a:solidFill>
-                  <a:schemeClr val="tx1">
-                    <a:lumMod val="65000"/>
-                    <a:lumOff val="35000"/>
-                  </a:schemeClr>
-                </a:solidFill>
-                <a:latin typeface="나눔스퀘어" panose="020B0600000101010101" pitchFamily="50" charset="-127"/>
-                <a:ea typeface="나눔스퀘어" panose="020B0600000101010101" pitchFamily="50" charset="-127"/>
-                <a:sym typeface="Helvetica Neue Medium"/>
-              </a:rPr>
-              <a:t> 양치기록</a:t>
-            </a:r>
-          </a:p>
-        </p:txBody>
-      </p:sp>
-      <p:grpSp>
-        <p:nvGrpSpPr>
-          <p:cNvPr id="19" name="그룹">
-            <a:extLst>
-              <a:ext uri="{FF2B5EF4-FFF2-40B4-BE49-F238E27FC236}">
-                <a16:creationId xmlns:a16="http://schemas.microsoft.com/office/drawing/2014/main" id="{2A898E18-747B-43A7-9CF6-C3743D7ED8E1}"/>
-              </a:ext>
-            </a:extLst>
-          </p:cNvPr>
-          <p:cNvGrpSpPr/>
-          <p:nvPr/>
-        </p:nvGrpSpPr>
-        <p:grpSpPr>
-          <a:xfrm>
-            <a:off x="4425992" y="10824450"/>
-            <a:ext cx="895739" cy="895738"/>
-            <a:chOff x="0" y="0"/>
-            <a:chExt cx="3575030" cy="3575029"/>
-          </a:xfrm>
-        </p:grpSpPr>
-        <p:sp>
-          <p:nvSpPr>
-            <p:cNvPr id="20" name="원">
-              <a:extLst>
-                <a:ext uri="{FF2B5EF4-FFF2-40B4-BE49-F238E27FC236}">
-                  <a16:creationId xmlns:a16="http://schemas.microsoft.com/office/drawing/2014/main" id="{803C237F-20EE-42DA-9AA9-336C6C7D9D22}"/>
-                </a:ext>
-              </a:extLst>
-            </p:cNvPr>
-            <p:cNvSpPr/>
-            <p:nvPr/>
-          </p:nvSpPr>
-          <p:spPr>
-            <a:xfrm>
-              <a:off x="0" y="0"/>
-              <a:ext cx="3575030" cy="3575029"/>
-            </a:xfrm>
-            <a:prstGeom prst="ellipse">
-              <a:avLst/>
-            </a:prstGeom>
-            <a:solidFill>
-              <a:srgbClr val="67DAC7"/>
-            </a:solidFill>
-            <a:ln w="12700" cap="flat">
-              <a:noFill/>
-              <a:miter lim="400000"/>
-            </a:ln>
-            <a:effectLst/>
-          </p:spPr>
-          <p:txBody>
-            <a:bodyPr wrap="square" lIns="71437" tIns="71437" rIns="71437" bIns="71437" numCol="1" anchor="ctr">
-              <a:noAutofit/>
-            </a:bodyPr>
-            <a:lstStyle/>
-            <a:p>
-              <a:pPr>
-                <a:defRPr sz="3000" b="0">
-                  <a:solidFill>
-                    <a:srgbClr val="FFFFFF"/>
-                  </a:solidFill>
-                  <a:latin typeface="+mn-lt"/>
-                  <a:ea typeface="+mn-ea"/>
-                  <a:cs typeface="+mn-cs"/>
-                  <a:sym typeface="Helvetica Neue Medium"/>
-                </a:defRPr>
-              </a:pPr>
-              <a:endParaRPr>
-                <a:latin typeface="나눔스퀘어" panose="020B0600000101010101" pitchFamily="50" charset="-127"/>
-                <a:ea typeface="나눔스퀘어" panose="020B0600000101010101" pitchFamily="50" charset="-127"/>
-              </a:endParaRPr>
-            </a:p>
-          </p:txBody>
-        </p:sp>
-        <p:pic>
-          <p:nvPicPr>
-            <p:cNvPr id="21" name="Frame-4.png" descr="Frame-4.png">
-              <a:extLst>
-                <a:ext uri="{FF2B5EF4-FFF2-40B4-BE49-F238E27FC236}">
-                  <a16:creationId xmlns:a16="http://schemas.microsoft.com/office/drawing/2014/main" id="{9B75E79C-6799-49F8-91CC-166B0F599AA7}"/>
-                </a:ext>
-              </a:extLst>
-            </p:cNvPr>
-            <p:cNvPicPr>
-              <a:picLocks noChangeAspect="1"/>
-            </p:cNvPicPr>
-            <p:nvPr/>
-          </p:nvPicPr>
-          <p:blipFill>
-            <a:blip r:embed="rId4">
-              <a:extLst/>
-            </a:blip>
-            <a:stretch>
-              <a:fillRect/>
-            </a:stretch>
-          </p:blipFill>
-          <p:spPr>
-            <a:xfrm>
-              <a:off x="0" y="0"/>
-              <a:ext cx="3575030" cy="3575029"/>
-            </a:xfrm>
-            <a:prstGeom prst="rect">
-              <a:avLst/>
-            </a:prstGeom>
-            <a:ln w="12700" cap="flat">
-              <a:noFill/>
-              <a:miter lim="400000"/>
-            </a:ln>
-            <a:effectLst/>
-          </p:spPr>
-        </p:pic>
-      </p:grpSp>
     </p:spTree>
   </p:cSld>
   <p:clrMapOvr>
@@ -7758,72 +6136,12 @@
           <a:chExt cx="0" cy="0"/>
         </a:xfrm>
       </p:grpSpPr>
-      <p:pic>
-        <p:nvPicPr>
-          <p:cNvPr id="167" name="스크린샷 2018-07-13 오전 1.07.53.png" descr="스크린샷 2018-07-13 오전 1.07.53.png"/>
-          <p:cNvPicPr>
-            <a:picLocks noChangeAspect="1"/>
-          </p:cNvPicPr>
-          <p:nvPr/>
-        </p:nvPicPr>
-        <p:blipFill>
-          <a:blip r:embed="rId3">
-            <a:extLst/>
-          </a:blip>
-          <a:stretch>
-            <a:fillRect/>
-          </a:stretch>
-        </p:blipFill>
-        <p:spPr>
-          <a:xfrm>
-            <a:off x="1480624" y="2391467"/>
-            <a:ext cx="6676673" cy="11571124"/>
-          </a:xfrm>
-          <a:prstGeom prst="rect">
-            <a:avLst/>
-          </a:prstGeom>
-          <a:ln w="12700">
-            <a:miter lim="400000"/>
-          </a:ln>
-        </p:spPr>
-      </p:pic>
       <p:sp>
         <p:nvSpPr>
-          <p:cNvPr id="165" name="양치 모니터링"/>
-          <p:cNvSpPr txBox="1">
-            <a:spLocks noGrp="1"/>
-          </p:cNvSpPr>
-          <p:nvPr>
-            <p:ph type="title"/>
-          </p:nvPr>
-        </p:nvSpPr>
-        <p:spPr>
-          <a:xfrm>
-            <a:off x="4387453" y="357187"/>
-            <a:ext cx="15609094" cy="3036095"/>
-          </a:xfrm>
-          <a:prstGeom prst="rect">
-            <a:avLst/>
-          </a:prstGeom>
-        </p:spPr>
-        <p:txBody>
-          <a:bodyPr/>
-          <a:lstStyle/>
-          <a:p>
-            <a:r>
-              <a:rPr lang="ko-KR" altLang="en-US" dirty="0"/>
-              <a:t>모니터링 페이지</a:t>
-            </a:r>
-            <a:endParaRPr dirty="0"/>
-          </a:p>
-        </p:txBody>
-      </p:sp>
-      <p:sp>
-        <p:nvSpPr>
-          <p:cNvPr id="9" name="직사각형 8">
+          <p:cNvPr id="57" name="직사각형 56">
             <a:extLst>
               <a:ext uri="{FF2B5EF4-FFF2-40B4-BE49-F238E27FC236}">
-                <a16:creationId xmlns:a16="http://schemas.microsoft.com/office/drawing/2014/main" id="{97C66932-5BE6-457C-9C72-277FBC8099D3}"/>
+                <a16:creationId xmlns:a16="http://schemas.microsoft.com/office/drawing/2014/main" id="{FAC3E8F5-4FE8-476B-8A40-1E60B1E85591}"/>
               </a:ext>
             </a:extLst>
           </p:cNvPr>
@@ -7832,14 +6150,14 @@
         </p:nvSpPr>
         <p:spPr>
           <a:xfrm>
-            <a:off x="5615350" y="11069558"/>
-            <a:ext cx="1363947" cy="650630"/>
+            <a:off x="9704196" y="8294067"/>
+            <a:ext cx="1026367" cy="1026367"/>
           </a:xfrm>
           <a:prstGeom prst="rect">
             <a:avLst/>
           </a:prstGeom>
           <a:solidFill>
-            <a:srgbClr val="93E5D7"/>
+            <a:srgbClr val="C7F2E8"/>
           </a:solidFill>
           <a:ln w="12700" cap="flat">
             <a:noFill/>
@@ -7883,14 +6201,12 @@
               <a:tabLst/>
             </a:pPr>
             <a:r>
-              <a:rPr kumimoji="0" lang="ko-KR" altLang="en-US" sz="2300" b="0" i="0" u="none" strike="noStrike" cap="none" spc="0" normalizeH="0" baseline="0" dirty="0">
+              <a:rPr kumimoji="0" lang="en-US" altLang="ko-KR" sz="4000" b="0" i="0" u="none" strike="noStrike" cap="none" spc="0" normalizeH="0" baseline="0" dirty="0">
                 <a:ln>
                   <a:noFill/>
                 </a:ln>
                 <a:solidFill>
-                  <a:schemeClr val="bg1">
-                    <a:lumMod val="50000"/>
-                  </a:schemeClr>
+                  <a:schemeClr val="tx1"/>
                 </a:solidFill>
                 <a:effectLst/>
                 <a:uFillTx/>
@@ -7899,17 +6215,31 @@
                 <a:cs typeface="+mn-cs"/>
                 <a:sym typeface="Helvetica Neue Medium"/>
               </a:rPr>
-              <a:t>캘린더</a:t>
-            </a:r>
+              <a:t>3</a:t>
+            </a:r>
+            <a:endParaRPr kumimoji="0" lang="ko-KR" altLang="en-US" sz="4000" b="0" i="0" u="none" strike="noStrike" cap="none" spc="0" normalizeH="0" baseline="0" dirty="0">
+              <a:ln>
+                <a:noFill/>
+              </a:ln>
+              <a:solidFill>
+                <a:schemeClr val="tx1"/>
+              </a:solidFill>
+              <a:effectLst/>
+              <a:uFillTx/>
+              <a:latin typeface="나눔스퀘어" panose="020B0600000101010101" pitchFamily="50" charset="-127"/>
+              <a:ea typeface="나눔스퀘어" panose="020B0600000101010101" pitchFamily="50" charset="-127"/>
+              <a:cs typeface="+mn-cs"/>
+              <a:sym typeface="Helvetica Neue Medium"/>
+            </a:endParaRPr>
           </a:p>
         </p:txBody>
       </p:sp>
       <p:sp>
         <p:nvSpPr>
-          <p:cNvPr id="28" name="직사각형 27">
+          <p:cNvPr id="58" name="직사각형 57">
             <a:extLst>
               <a:ext uri="{FF2B5EF4-FFF2-40B4-BE49-F238E27FC236}">
-                <a16:creationId xmlns:a16="http://schemas.microsoft.com/office/drawing/2014/main" id="{DF738EB2-25C9-422D-A558-748C1E89D52A}"/>
+                <a16:creationId xmlns:a16="http://schemas.microsoft.com/office/drawing/2014/main" id="{C8F1ED5C-0538-4600-BB27-F90550F8E523}"/>
               </a:ext>
             </a:extLst>
           </p:cNvPr>
@@ -7918,14 +6248,14 @@
         </p:nvSpPr>
         <p:spPr>
           <a:xfrm>
-            <a:off x="2650478" y="11069558"/>
-            <a:ext cx="1482977" cy="650630"/>
+            <a:off x="11184653" y="8299440"/>
+            <a:ext cx="10800000" cy="1026367"/>
           </a:xfrm>
           <a:prstGeom prst="rect">
             <a:avLst/>
           </a:prstGeom>
           <a:solidFill>
-            <a:srgbClr val="93E5D7"/>
+            <a:srgbClr val="C7F2E8"/>
           </a:solidFill>
           <a:ln w="12700" cap="flat">
             <a:noFill/>
@@ -7952,50 +6282,45 @@
           </a:bodyPr>
           <a:lstStyle/>
           <a:p>
-            <a:pPr marL="0" marR="0" indent="0" algn="ctr" defTabSz="821531" rtl="0" fontAlgn="auto" latinLnBrk="0" hangingPunct="0">
-              <a:lnSpc>
-                <a:spcPct val="100000"/>
-              </a:lnSpc>
-              <a:spcBef>
-                <a:spcPts val="0"/>
-              </a:spcBef>
-              <a:spcAft>
-                <a:spcPts val="0"/>
-              </a:spcAft>
-              <a:buClrTx/>
-              <a:buSzTx/>
-              <a:buFontTx/>
-              <a:buNone/>
-              <a:tabLst/>
-            </a:pPr>
-            <a:r>
-              <a:rPr kumimoji="0" lang="ko-KR" altLang="en-US" sz="2300" b="0" i="0" u="none" strike="noStrike" cap="none" spc="0" normalizeH="0" baseline="0" dirty="0">
-                <a:ln>
-                  <a:noFill/>
-                </a:ln>
+            <a:r>
+              <a:rPr lang="ko-KR" altLang="en-US" sz="4000" b="0" dirty="0">
                 <a:solidFill>
-                  <a:schemeClr val="bg1">
-                    <a:lumMod val="50000"/>
-                  </a:schemeClr>
+                  <a:schemeClr val="tx1"/>
                 </a:solidFill>
-                <a:effectLst/>
-                <a:uFillTx/>
                 <a:latin typeface="나눔스퀘어" panose="020B0600000101010101" pitchFamily="50" charset="-127"/>
                 <a:ea typeface="나눔스퀘어" panose="020B0600000101010101" pitchFamily="50" charset="-127"/>
-                <a:cs typeface="+mn-cs"/>
                 <a:sym typeface="Helvetica Neue Medium"/>
               </a:rPr>
-              <a:t>습관분석</a:t>
-            </a:r>
+              <a:t>치아 팩트를 통해 간단한 치아정보를 알 수 있다</a:t>
+            </a:r>
+            <a:r>
+              <a:rPr lang="en-US" altLang="ko-KR" sz="4000" b="0" dirty="0">
+                <a:solidFill>
+                  <a:schemeClr val="tx1"/>
+                </a:solidFill>
+                <a:latin typeface="나눔스퀘어" panose="020B0600000101010101" pitchFamily="50" charset="-127"/>
+                <a:ea typeface="나눔스퀘어" panose="020B0600000101010101" pitchFamily="50" charset="-127"/>
+                <a:sym typeface="Helvetica Neue Medium"/>
+              </a:rPr>
+              <a:t>.</a:t>
+            </a:r>
+            <a:endParaRPr lang="ko-KR" altLang="en-US" sz="4000" b="0" dirty="0">
+              <a:solidFill>
+                <a:schemeClr val="tx1"/>
+              </a:solidFill>
+              <a:latin typeface="나눔스퀘어" panose="020B0600000101010101" pitchFamily="50" charset="-127"/>
+              <a:ea typeface="나눔스퀘어" panose="020B0600000101010101" pitchFamily="50" charset="-127"/>
+              <a:sym typeface="Helvetica Neue Medium"/>
+            </a:endParaRPr>
           </a:p>
         </p:txBody>
       </p:sp>
       <p:sp>
         <p:nvSpPr>
-          <p:cNvPr id="30" name="직사각형 29">
+          <p:cNvPr id="59" name="직사각형 58">
             <a:extLst>
               <a:ext uri="{FF2B5EF4-FFF2-40B4-BE49-F238E27FC236}">
-                <a16:creationId xmlns:a16="http://schemas.microsoft.com/office/drawing/2014/main" id="{1F2C2400-3B91-4AAC-9E8E-5CFDAC821EF7}"/>
+                <a16:creationId xmlns:a16="http://schemas.microsoft.com/office/drawing/2014/main" id="{C5761FA3-AAF9-49D8-BE08-6C8476C49023}"/>
               </a:ext>
             </a:extLst>
           </p:cNvPr>
@@ -8004,14 +6329,14 @@
         </p:nvSpPr>
         <p:spPr>
           <a:xfrm>
-            <a:off x="10711543" y="4422712"/>
+            <a:off x="9704196" y="10243318"/>
             <a:ext cx="1026367" cy="1026367"/>
           </a:xfrm>
           <a:prstGeom prst="rect">
             <a:avLst/>
           </a:prstGeom>
           <a:solidFill>
-            <a:srgbClr val="93E5D7"/>
+            <a:srgbClr val="C7F2E8"/>
           </a:solidFill>
           <a:ln w="12700" cap="flat">
             <a:noFill/>
@@ -8055,23 +6380,18 @@
               <a:tabLst/>
             </a:pPr>
             <a:r>
-              <a:rPr kumimoji="0" lang="en-US" altLang="ko-KR" sz="3000" b="0" i="0" u="none" strike="noStrike" cap="none" spc="0" normalizeH="0" baseline="0" dirty="0">
-                <a:ln>
-                  <a:noFill/>
-                </a:ln>
+              <a:rPr lang="en-US" altLang="ko-KR" sz="4000" b="0" dirty="0">
                 <a:solidFill>
                   <a:schemeClr val="tx1"/>
                 </a:solidFill>
-                <a:effectLst/>
-                <a:uFillTx/>
                 <a:latin typeface="나눔스퀘어" panose="020B0600000101010101" pitchFamily="50" charset="-127"/>
                 <a:ea typeface="나눔스퀘어" panose="020B0600000101010101" pitchFamily="50" charset="-127"/>
                 <a:cs typeface="+mn-cs"/>
                 <a:sym typeface="Helvetica Neue Medium"/>
               </a:rPr>
-              <a:t>1</a:t>
-            </a:r>
-            <a:endParaRPr kumimoji="0" lang="ko-KR" altLang="en-US" sz="3000" b="0" i="0" u="none" strike="noStrike" cap="none" spc="0" normalizeH="0" baseline="0" dirty="0">
+              <a:t>4</a:t>
+            </a:r>
+            <a:endParaRPr kumimoji="0" lang="ko-KR" altLang="en-US" sz="4000" b="0" i="0" u="none" strike="noStrike" cap="none" spc="0" normalizeH="0" baseline="0" dirty="0">
               <a:ln>
                 <a:noFill/>
               </a:ln>
@@ -8090,10 +6410,10 @@
       </p:sp>
       <p:sp>
         <p:nvSpPr>
-          <p:cNvPr id="31" name="직사각형 30">
+          <p:cNvPr id="60" name="직사각형 59">
             <a:extLst>
               <a:ext uri="{FF2B5EF4-FFF2-40B4-BE49-F238E27FC236}">
-                <a16:creationId xmlns:a16="http://schemas.microsoft.com/office/drawing/2014/main" id="{53948221-E175-4B6E-A674-637775EC8F8A}"/>
+                <a16:creationId xmlns:a16="http://schemas.microsoft.com/office/drawing/2014/main" id="{2138B208-1F26-4652-8D1C-13DD0F0C1A1E}"/>
               </a:ext>
             </a:extLst>
           </p:cNvPr>
@@ -8102,14 +6422,14 @@
         </p:nvSpPr>
         <p:spPr>
           <a:xfrm>
-            <a:off x="12192000" y="4428085"/>
-            <a:ext cx="7673920" cy="1026367"/>
+            <a:off x="11184653" y="10248691"/>
+            <a:ext cx="10800000" cy="1026367"/>
           </a:xfrm>
           <a:prstGeom prst="rect">
             <a:avLst/>
           </a:prstGeom>
           <a:solidFill>
-            <a:srgbClr val="93E5D7"/>
+            <a:srgbClr val="C7F2E8"/>
           </a:solidFill>
           <a:ln w="12700" cap="flat">
             <a:noFill/>
@@ -8136,68 +6456,34 @@
           </a:bodyPr>
           <a:lstStyle/>
           <a:p>
-            <a:pPr marL="0" marR="0" indent="0" algn="ctr" defTabSz="821531" rtl="0" fontAlgn="auto" latinLnBrk="0" hangingPunct="0">
-              <a:lnSpc>
-                <a:spcPct val="100000"/>
-              </a:lnSpc>
-              <a:spcBef>
-                <a:spcPts val="0"/>
-              </a:spcBef>
-              <a:spcAft>
-                <a:spcPts val="0"/>
-              </a:spcAft>
-              <a:buClrTx/>
-              <a:buSzTx/>
-              <a:buFontTx/>
-              <a:buNone/>
-              <a:tabLst/>
-            </a:pPr>
-            <a:r>
-              <a:rPr kumimoji="0" lang="ko-KR" altLang="en-US" sz="3000" b="0" i="0" u="none" strike="noStrike" cap="none" spc="0" normalizeH="0" baseline="0" dirty="0">
-                <a:ln>
-                  <a:noFill/>
-                </a:ln>
+            <a:r>
+              <a:rPr lang="ko-KR" altLang="en-US" sz="4000" b="0" dirty="0">
                 <a:solidFill>
                   <a:schemeClr val="tx1"/>
                 </a:solidFill>
-                <a:effectLst/>
-                <a:uFillTx/>
                 <a:latin typeface="나눔스퀘어" panose="020B0600000101010101" pitchFamily="50" charset="-127"/>
                 <a:ea typeface="나눔스퀘어" panose="020B0600000101010101" pitchFamily="50" charset="-127"/>
-                <a:cs typeface="+mn-cs"/>
                 <a:sym typeface="Helvetica Neue Medium"/>
               </a:rPr>
-              <a:t>치아 모형을 누르면 모니터링을 시작한다</a:t>
-            </a:r>
-            <a:r>
-              <a:rPr kumimoji="0" lang="en-US" altLang="ko-KR" sz="3000" b="0" i="0" u="none" strike="noStrike" cap="none" spc="0" normalizeH="0" baseline="0" dirty="0">
-                <a:ln>
-                  <a:noFill/>
-                </a:ln>
+              <a:t>치아 모형을 다시 누르면 모니터링을 종료한다</a:t>
+            </a:r>
+            <a:r>
+              <a:rPr lang="en-US" altLang="ko-KR" sz="4000" b="0" dirty="0">
                 <a:solidFill>
                   <a:schemeClr val="tx1"/>
                 </a:solidFill>
-                <a:effectLst/>
-                <a:uFillTx/>
                 <a:latin typeface="나눔스퀘어" panose="020B0600000101010101" pitchFamily="50" charset="-127"/>
                 <a:ea typeface="나눔스퀘어" panose="020B0600000101010101" pitchFamily="50" charset="-127"/>
-                <a:cs typeface="+mn-cs"/>
                 <a:sym typeface="Helvetica Neue Medium"/>
               </a:rPr>
               <a:t>.</a:t>
             </a:r>
-            <a:endParaRPr kumimoji="0" lang="ko-KR" altLang="en-US" sz="3000" b="0" i="0" u="none" strike="noStrike" cap="none" spc="0" normalizeH="0" baseline="0" dirty="0">
-              <a:ln>
-                <a:noFill/>
-              </a:ln>
+            <a:endParaRPr lang="ko-KR" altLang="en-US" sz="4000" b="0" dirty="0">
               <a:solidFill>
                 <a:schemeClr val="tx1"/>
               </a:solidFill>
-              <a:effectLst/>
-              <a:uFillTx/>
               <a:latin typeface="나눔스퀘어" panose="020B0600000101010101" pitchFamily="50" charset="-127"/>
               <a:ea typeface="나눔스퀘어" panose="020B0600000101010101" pitchFamily="50" charset="-127"/>
-              <a:cs typeface="+mn-cs"/>
               <a:sym typeface="Helvetica Neue Medium"/>
             </a:endParaRPr>
           </a:p>
@@ -8205,10 +6491,10 @@
       </p:sp>
       <p:sp>
         <p:nvSpPr>
-          <p:cNvPr id="32" name="직사각형 31">
+          <p:cNvPr id="61" name="직사각형 60">
             <a:extLst>
               <a:ext uri="{FF2B5EF4-FFF2-40B4-BE49-F238E27FC236}">
-                <a16:creationId xmlns:a16="http://schemas.microsoft.com/office/drawing/2014/main" id="{D09B633D-4C55-402A-8F0A-A418C88FCFC6}"/>
+                <a16:creationId xmlns:a16="http://schemas.microsoft.com/office/drawing/2014/main" id="{DDC6C6FF-4333-4E02-98BF-F8F29D27E0BF}"/>
               </a:ext>
             </a:extLst>
           </p:cNvPr>
@@ -8217,14 +6503,14 @@
         </p:nvSpPr>
         <p:spPr>
           <a:xfrm>
-            <a:off x="10714653" y="6366588"/>
+            <a:off x="9701086" y="4395567"/>
             <a:ext cx="1026367" cy="1026367"/>
           </a:xfrm>
           <a:prstGeom prst="rect">
             <a:avLst/>
           </a:prstGeom>
           <a:solidFill>
-            <a:srgbClr val="93E5D7"/>
+            <a:srgbClr val="C7F2E8"/>
           </a:solidFill>
           <a:ln w="12700" cap="flat">
             <a:noFill/>
@@ -8268,18 +6554,23 @@
               <a:tabLst/>
             </a:pPr>
             <a:r>
-              <a:rPr lang="en-US" altLang="ko-KR" sz="3000" b="0" dirty="0">
+              <a:rPr kumimoji="0" lang="en-US" altLang="ko-KR" sz="4000" b="0" i="0" u="none" strike="noStrike" cap="none" spc="0" normalizeH="0" baseline="0" dirty="0">
+                <a:ln>
+                  <a:noFill/>
+                </a:ln>
                 <a:solidFill>
                   <a:schemeClr val="tx1"/>
                 </a:solidFill>
+                <a:effectLst/>
+                <a:uFillTx/>
                 <a:latin typeface="나눔스퀘어" panose="020B0600000101010101" pitchFamily="50" charset="-127"/>
                 <a:ea typeface="나눔스퀘어" panose="020B0600000101010101" pitchFamily="50" charset="-127"/>
                 <a:cs typeface="+mn-cs"/>
                 <a:sym typeface="Helvetica Neue Medium"/>
               </a:rPr>
-              <a:t>2</a:t>
-            </a:r>
-            <a:endParaRPr kumimoji="0" lang="ko-KR" altLang="en-US" sz="3000" b="0" i="0" u="none" strike="noStrike" cap="none" spc="0" normalizeH="0" baseline="0" dirty="0">
+              <a:t>1</a:t>
+            </a:r>
+            <a:endParaRPr kumimoji="0" lang="ko-KR" altLang="en-US" sz="4000" b="0" i="0" u="none" strike="noStrike" cap="none" spc="0" normalizeH="0" baseline="0" dirty="0">
               <a:ln>
                 <a:noFill/>
               </a:ln>
@@ -8298,10 +6589,10 @@
       </p:sp>
       <p:sp>
         <p:nvSpPr>
-          <p:cNvPr id="33" name="직사각형 32">
+          <p:cNvPr id="62" name="직사각형 61">
             <a:extLst>
               <a:ext uri="{FF2B5EF4-FFF2-40B4-BE49-F238E27FC236}">
-                <a16:creationId xmlns:a16="http://schemas.microsoft.com/office/drawing/2014/main" id="{8D4DEEC5-0076-4FEC-B968-0674CF99E5A4}"/>
+                <a16:creationId xmlns:a16="http://schemas.microsoft.com/office/drawing/2014/main" id="{17B3F189-42A6-40DF-8423-CFDEB0789570}"/>
               </a:ext>
             </a:extLst>
           </p:cNvPr>
@@ -8310,14 +6601,14 @@
         </p:nvSpPr>
         <p:spPr>
           <a:xfrm>
-            <a:off x="12195110" y="6371961"/>
-            <a:ext cx="7673920" cy="1026367"/>
+            <a:off x="11181543" y="4400940"/>
+            <a:ext cx="10800000" cy="1026367"/>
           </a:xfrm>
           <a:prstGeom prst="rect">
             <a:avLst/>
           </a:prstGeom>
           <a:solidFill>
-            <a:srgbClr val="93E5D7"/>
+            <a:srgbClr val="C7F2E8"/>
           </a:solidFill>
           <a:ln w="12700" cap="flat">
             <a:noFill/>
@@ -8344,79 +6635,26 @@
           </a:bodyPr>
           <a:lstStyle/>
           <a:p>
-            <a:pPr marL="0" marR="0" indent="0" algn="ctr" defTabSz="821531" rtl="0" fontAlgn="auto" latinLnBrk="0" hangingPunct="0">
-              <a:lnSpc>
-                <a:spcPct val="100000"/>
-              </a:lnSpc>
-              <a:spcBef>
-                <a:spcPts val="0"/>
-              </a:spcBef>
-              <a:spcAft>
-                <a:spcPts val="0"/>
-              </a:spcAft>
-              <a:buClrTx/>
-              <a:buSzTx/>
-              <a:buFontTx/>
-              <a:buNone/>
-              <a:tabLst/>
-            </a:pPr>
-            <a:r>
-              <a:rPr kumimoji="0" lang="ko-KR" altLang="en-US" sz="3000" b="0" i="0" u="none" strike="noStrike" cap="none" spc="0" normalizeH="0" baseline="0" dirty="0">
-                <a:ln>
-                  <a:noFill/>
-                </a:ln>
+            <a:r>
+              <a:rPr lang="ko-KR" altLang="en-US" sz="4000" b="0" dirty="0">
                 <a:solidFill>
                   <a:schemeClr val="tx1"/>
                 </a:solidFill>
-                <a:effectLst/>
-                <a:uFillTx/>
                 <a:latin typeface="나눔스퀘어" panose="020B0600000101010101" pitchFamily="50" charset="-127"/>
                 <a:ea typeface="나눔스퀘어" panose="020B0600000101010101" pitchFamily="50" charset="-127"/>
-                <a:cs typeface="+mn-cs"/>
                 <a:sym typeface="Helvetica Neue Medium"/>
               </a:rPr>
-              <a:t>모니터링이 시작되면 카운트가 시작된다</a:t>
-            </a:r>
-            <a:r>
-              <a:rPr kumimoji="0" lang="en-US" altLang="ko-KR" sz="3000" b="0" i="0" u="none" strike="noStrike" cap="none" spc="0" normalizeH="0" baseline="0" dirty="0">
-                <a:ln>
-                  <a:noFill/>
-                </a:ln>
-                <a:solidFill>
-                  <a:schemeClr val="tx1"/>
-                </a:solidFill>
-                <a:effectLst/>
-                <a:uFillTx/>
-                <a:latin typeface="나눔스퀘어" panose="020B0600000101010101" pitchFamily="50" charset="-127"/>
-                <a:ea typeface="나눔스퀘어" panose="020B0600000101010101" pitchFamily="50" charset="-127"/>
-                <a:cs typeface="+mn-cs"/>
-                <a:sym typeface="Helvetica Neue Medium"/>
-              </a:rPr>
-              <a:t>.</a:t>
-            </a:r>
-            <a:endParaRPr kumimoji="0" lang="ko-KR" altLang="en-US" sz="3000" b="0" i="0" u="none" strike="noStrike" cap="none" spc="0" normalizeH="0" baseline="0" dirty="0">
-              <a:ln>
-                <a:noFill/>
-              </a:ln>
-              <a:solidFill>
-                <a:schemeClr val="tx1"/>
-              </a:solidFill>
-              <a:effectLst/>
-              <a:uFillTx/>
-              <a:latin typeface="나눔스퀘어" panose="020B0600000101010101" pitchFamily="50" charset="-127"/>
-              <a:ea typeface="나눔스퀘어" panose="020B0600000101010101" pitchFamily="50" charset="-127"/>
-              <a:cs typeface="+mn-cs"/>
-              <a:sym typeface="Helvetica Neue Medium"/>
-            </a:endParaRPr>
+              <a:t>치아 모형을 누르면 모니터링을 시작</a:t>
+            </a:r>
           </a:p>
         </p:txBody>
       </p:sp>
       <p:sp>
         <p:nvSpPr>
-          <p:cNvPr id="34" name="직사각형 33">
+          <p:cNvPr id="63" name="직사각형 62">
             <a:extLst>
               <a:ext uri="{FF2B5EF4-FFF2-40B4-BE49-F238E27FC236}">
-                <a16:creationId xmlns:a16="http://schemas.microsoft.com/office/drawing/2014/main" id="{F00CD4F7-3E5C-4978-BE57-27BC7EF392F2}"/>
+                <a16:creationId xmlns:a16="http://schemas.microsoft.com/office/drawing/2014/main" id="{E59F0FF1-02B2-4B9E-92B4-9911143208C9}"/>
               </a:ext>
             </a:extLst>
           </p:cNvPr>
@@ -8425,14 +6663,14 @@
         </p:nvSpPr>
         <p:spPr>
           <a:xfrm>
-            <a:off x="10711543" y="8322909"/>
+            <a:off x="9704196" y="6339443"/>
             <a:ext cx="1026367" cy="1026367"/>
           </a:xfrm>
           <a:prstGeom prst="rect">
             <a:avLst/>
           </a:prstGeom>
           <a:solidFill>
-            <a:srgbClr val="93E5D7"/>
+            <a:srgbClr val="C7F2E8"/>
           </a:solidFill>
           <a:ln w="12700" cap="flat">
             <a:noFill/>
@@ -8476,23 +6714,18 @@
               <a:tabLst/>
             </a:pPr>
             <a:r>
-              <a:rPr kumimoji="0" lang="en-US" altLang="ko-KR" sz="3000" b="0" i="0" u="none" strike="noStrike" cap="none" spc="0" normalizeH="0" baseline="0" dirty="0">
-                <a:ln>
-                  <a:noFill/>
-                </a:ln>
+              <a:rPr lang="en-US" altLang="ko-KR" sz="4000" b="0" dirty="0">
                 <a:solidFill>
                   <a:schemeClr val="tx1"/>
                 </a:solidFill>
-                <a:effectLst/>
-                <a:uFillTx/>
                 <a:latin typeface="나눔스퀘어" panose="020B0600000101010101" pitchFamily="50" charset="-127"/>
                 <a:ea typeface="나눔스퀘어" panose="020B0600000101010101" pitchFamily="50" charset="-127"/>
                 <a:cs typeface="+mn-cs"/>
                 <a:sym typeface="Helvetica Neue Medium"/>
               </a:rPr>
-              <a:t>3</a:t>
-            </a:r>
-            <a:endParaRPr kumimoji="0" lang="ko-KR" altLang="en-US" sz="3000" b="0" i="0" u="none" strike="noStrike" cap="none" spc="0" normalizeH="0" baseline="0" dirty="0">
+              <a:t>2</a:t>
+            </a:r>
+            <a:endParaRPr kumimoji="0" lang="ko-KR" altLang="en-US" sz="4000" b="0" i="0" u="none" strike="noStrike" cap="none" spc="0" normalizeH="0" baseline="0" dirty="0">
               <a:ln>
                 <a:noFill/>
               </a:ln>
@@ -8511,10 +6744,10 @@
       </p:sp>
       <p:sp>
         <p:nvSpPr>
-          <p:cNvPr id="35" name="직사각형 34">
+          <p:cNvPr id="64" name="직사각형 63">
             <a:extLst>
               <a:ext uri="{FF2B5EF4-FFF2-40B4-BE49-F238E27FC236}">
-                <a16:creationId xmlns:a16="http://schemas.microsoft.com/office/drawing/2014/main" id="{5B6CD5E6-0E9D-49CA-8E02-48AF182EE879}"/>
+                <a16:creationId xmlns:a16="http://schemas.microsoft.com/office/drawing/2014/main" id="{438D376C-5B69-4992-87AB-B4C3910A7DD5}"/>
               </a:ext>
             </a:extLst>
           </p:cNvPr>
@@ -8523,14 +6756,14 @@
         </p:nvSpPr>
         <p:spPr>
           <a:xfrm>
-            <a:off x="12192000" y="8328282"/>
-            <a:ext cx="7673920" cy="1026367"/>
+            <a:off x="11184653" y="6344816"/>
+            <a:ext cx="10800000" cy="1026367"/>
           </a:xfrm>
           <a:prstGeom prst="rect">
             <a:avLst/>
           </a:prstGeom>
           <a:solidFill>
-            <a:srgbClr val="93E5D7"/>
+            <a:srgbClr val="C7F2E8"/>
           </a:solidFill>
           <a:ln w="12700" cap="flat">
             <a:noFill/>
@@ -8557,293 +6790,34 @@
           </a:bodyPr>
           <a:lstStyle/>
           <a:p>
-            <a:pPr marL="0" marR="0" indent="0" algn="ctr" defTabSz="821531" rtl="0" fontAlgn="auto" latinLnBrk="0" hangingPunct="0">
-              <a:lnSpc>
-                <a:spcPct val="100000"/>
-              </a:lnSpc>
-              <a:spcBef>
-                <a:spcPts val="0"/>
-              </a:spcBef>
-              <a:spcAft>
-                <a:spcPts val="0"/>
-              </a:spcAft>
-              <a:buClrTx/>
-              <a:buSzTx/>
-              <a:buFontTx/>
-              <a:buNone/>
-              <a:tabLst/>
-            </a:pPr>
-            <a:r>
-              <a:rPr kumimoji="0" lang="ko-KR" altLang="en-US" sz="2500" b="0" i="0" u="none" strike="noStrike" cap="none" spc="0" normalizeH="0" baseline="0" dirty="0">
-                <a:ln>
-                  <a:noFill/>
-                </a:ln>
-                <a:solidFill>
-                  <a:schemeClr val="tx1"/>
-                </a:solidFill>
-                <a:effectLst/>
-                <a:uFillTx/>
-                <a:latin typeface="나눔스퀘어" panose="020B0600000101010101" pitchFamily="50" charset="-127"/>
-                <a:ea typeface="나눔스퀘어" panose="020B0600000101010101" pitchFamily="50" charset="-127"/>
-                <a:cs typeface="+mn-cs"/>
-                <a:sym typeface="Helvetica Neue Medium"/>
-              </a:rPr>
-              <a:t>치아 팩트를 통해 간단한 치아정보를 알 수 있다</a:t>
-            </a:r>
-            <a:r>
-              <a:rPr kumimoji="0" lang="en-US" altLang="ko-KR" sz="2500" b="0" i="0" u="none" strike="noStrike" cap="none" spc="0" normalizeH="0" baseline="0" dirty="0">
-                <a:ln>
-                  <a:noFill/>
-                </a:ln>
-                <a:solidFill>
-                  <a:schemeClr val="tx1"/>
-                </a:solidFill>
-                <a:effectLst/>
-                <a:uFillTx/>
-                <a:latin typeface="나눔스퀘어" panose="020B0600000101010101" pitchFamily="50" charset="-127"/>
-                <a:ea typeface="나눔스퀘어" panose="020B0600000101010101" pitchFamily="50" charset="-127"/>
-                <a:cs typeface="+mn-cs"/>
-                <a:sym typeface="Helvetica Neue Medium"/>
-              </a:rPr>
-              <a:t>.</a:t>
-            </a:r>
-            <a:endParaRPr kumimoji="0" lang="ko-KR" altLang="en-US" sz="2500" b="0" i="0" u="none" strike="noStrike" cap="none" spc="0" normalizeH="0" baseline="0" dirty="0">
-              <a:ln>
-                <a:noFill/>
-              </a:ln>
-              <a:solidFill>
-                <a:schemeClr val="tx1"/>
-              </a:solidFill>
-              <a:effectLst/>
-              <a:uFillTx/>
-              <a:latin typeface="나눔스퀘어" panose="020B0600000101010101" pitchFamily="50" charset="-127"/>
-              <a:ea typeface="나눔스퀘어" panose="020B0600000101010101" pitchFamily="50" charset="-127"/>
-              <a:cs typeface="+mn-cs"/>
-              <a:sym typeface="Helvetica Neue Medium"/>
-            </a:endParaRPr>
-          </a:p>
-        </p:txBody>
-      </p:sp>
-      <p:sp>
-        <p:nvSpPr>
-          <p:cNvPr id="36" name="직사각형 35">
-            <a:extLst>
-              <a:ext uri="{FF2B5EF4-FFF2-40B4-BE49-F238E27FC236}">
-                <a16:creationId xmlns:a16="http://schemas.microsoft.com/office/drawing/2014/main" id="{A14DA1F0-197B-4BAC-9585-1C5E4ED840BC}"/>
-              </a:ext>
-            </a:extLst>
-          </p:cNvPr>
-          <p:cNvSpPr/>
-          <p:nvPr/>
-        </p:nvSpPr>
-        <p:spPr>
-          <a:xfrm>
-            <a:off x="10714653" y="10266785"/>
-            <a:ext cx="1026367" cy="1026367"/>
-          </a:xfrm>
-          <a:prstGeom prst="rect">
-            <a:avLst/>
-          </a:prstGeom>
-          <a:solidFill>
-            <a:srgbClr val="93E5D7"/>
-          </a:solidFill>
-          <a:ln w="12700" cap="flat">
-            <a:noFill/>
-            <a:miter lim="400000"/>
-          </a:ln>
-          <a:effectLst/>
-          <a:sp3d/>
-        </p:spPr>
-        <p:style>
-          <a:lnRef idx="0">
-            <a:scrgbClr r="0" g="0" b="0"/>
-          </a:lnRef>
-          <a:fillRef idx="0">
-            <a:scrgbClr r="0" g="0" b="0"/>
-          </a:fillRef>
-          <a:effectRef idx="0">
-            <a:scrgbClr r="0" g="0" b="0"/>
-          </a:effectRef>
-          <a:fontRef idx="none"/>
-        </p:style>
-        <p:txBody>
-          <a:bodyPr rot="0" spcFirstLastPara="1" vertOverflow="overflow" horzOverflow="overflow" vert="horz" wrap="square" lIns="71437" tIns="71437" rIns="71437" bIns="71437" numCol="1" spcCol="38100" rtlCol="0" anchor="ctr">
-            <a:noAutofit/>
-          </a:bodyPr>
-          <a:lstStyle/>
-          <a:p>
-            <a:pPr marL="0" marR="0" indent="0" algn="ctr" defTabSz="821531" rtl="0" fontAlgn="auto" latinLnBrk="0" hangingPunct="0">
-              <a:lnSpc>
-                <a:spcPct val="100000"/>
-              </a:lnSpc>
-              <a:spcBef>
-                <a:spcPts val="0"/>
-              </a:spcBef>
-              <a:spcAft>
-                <a:spcPts val="0"/>
-              </a:spcAft>
-              <a:buClrTx/>
-              <a:buSzTx/>
-              <a:buFontTx/>
-              <a:buNone/>
-              <a:tabLst/>
-            </a:pPr>
-            <a:r>
-              <a:rPr kumimoji="0" lang="en-US" altLang="ko-KR" sz="3000" b="0" i="0" u="none" strike="noStrike" cap="none" spc="0" normalizeH="0" baseline="0" dirty="0">
-                <a:ln>
-                  <a:noFill/>
-                </a:ln>
-                <a:solidFill>
-                  <a:schemeClr val="tx1"/>
-                </a:solidFill>
-                <a:effectLst/>
-                <a:uFillTx/>
-                <a:latin typeface="나눔스퀘어" panose="020B0600000101010101" pitchFamily="50" charset="-127"/>
-                <a:ea typeface="나눔스퀘어" panose="020B0600000101010101" pitchFamily="50" charset="-127"/>
-                <a:cs typeface="+mn-cs"/>
-                <a:sym typeface="Helvetica Neue Medium"/>
-              </a:rPr>
-              <a:t>4</a:t>
-            </a:r>
-            <a:endParaRPr kumimoji="0" lang="ko-KR" altLang="en-US" sz="3000" b="0" i="0" u="none" strike="noStrike" cap="none" spc="0" normalizeH="0" baseline="0" dirty="0">
-              <a:ln>
-                <a:noFill/>
-              </a:ln>
-              <a:solidFill>
-                <a:schemeClr val="tx1"/>
-              </a:solidFill>
-              <a:effectLst/>
-              <a:uFillTx/>
-              <a:latin typeface="나눔스퀘어" panose="020B0600000101010101" pitchFamily="50" charset="-127"/>
-              <a:ea typeface="나눔스퀘어" panose="020B0600000101010101" pitchFamily="50" charset="-127"/>
-              <a:cs typeface="+mn-cs"/>
-              <a:sym typeface="Helvetica Neue Medium"/>
-            </a:endParaRPr>
-          </a:p>
-        </p:txBody>
-      </p:sp>
-      <p:sp>
-        <p:nvSpPr>
-          <p:cNvPr id="37" name="직사각형 36">
-            <a:extLst>
-              <a:ext uri="{FF2B5EF4-FFF2-40B4-BE49-F238E27FC236}">
-                <a16:creationId xmlns:a16="http://schemas.microsoft.com/office/drawing/2014/main" id="{9FAA72A1-60F5-42C2-971D-39A939BAC09E}"/>
-              </a:ext>
-            </a:extLst>
-          </p:cNvPr>
-          <p:cNvSpPr/>
-          <p:nvPr/>
-        </p:nvSpPr>
-        <p:spPr>
-          <a:xfrm>
-            <a:off x="12195110" y="10272158"/>
-            <a:ext cx="7673920" cy="1026367"/>
-          </a:xfrm>
-          <a:prstGeom prst="rect">
-            <a:avLst/>
-          </a:prstGeom>
-          <a:solidFill>
-            <a:srgbClr val="93E5D7"/>
-          </a:solidFill>
-          <a:ln w="12700" cap="flat">
-            <a:noFill/>
-            <a:miter lim="400000"/>
-          </a:ln>
-          <a:effectLst/>
-          <a:sp3d/>
-        </p:spPr>
-        <p:style>
-          <a:lnRef idx="0">
-            <a:scrgbClr r="0" g="0" b="0"/>
-          </a:lnRef>
-          <a:fillRef idx="0">
-            <a:scrgbClr r="0" g="0" b="0"/>
-          </a:fillRef>
-          <a:effectRef idx="0">
-            <a:scrgbClr r="0" g="0" b="0"/>
-          </a:effectRef>
-          <a:fontRef idx="none"/>
-        </p:style>
-        <p:txBody>
-          <a:bodyPr rot="0" spcFirstLastPara="1" vertOverflow="overflow" horzOverflow="overflow" vert="horz" wrap="square" lIns="71437" tIns="71437" rIns="71437" bIns="71437" numCol="1" spcCol="38100" rtlCol="0" anchor="ctr">
-            <a:noAutofit/>
-          </a:bodyPr>
-          <a:lstStyle/>
-          <a:p>
-            <a:pPr marL="0" marR="0" indent="0" algn="ctr" defTabSz="821531" rtl="0" fontAlgn="auto" latinLnBrk="0" hangingPunct="0">
-              <a:lnSpc>
-                <a:spcPct val="100000"/>
-              </a:lnSpc>
-              <a:spcBef>
-                <a:spcPts val="0"/>
-              </a:spcBef>
-              <a:spcAft>
-                <a:spcPts val="0"/>
-              </a:spcAft>
-              <a:buClrTx/>
-              <a:buSzTx/>
-              <a:buFontTx/>
-              <a:buNone/>
-              <a:tabLst/>
-            </a:pPr>
-            <a:r>
-              <a:rPr lang="ko-KR" altLang="en-US" sz="2500" b="0" dirty="0">
+            <a:r>
+              <a:rPr lang="ko-KR" altLang="en-US" sz="4000" b="0" dirty="0">
                 <a:solidFill>
                   <a:schemeClr val="tx1"/>
                 </a:solidFill>
                 <a:latin typeface="나눔스퀘어" panose="020B0600000101010101" pitchFamily="50" charset="-127"/>
                 <a:ea typeface="나눔스퀘어" panose="020B0600000101010101" pitchFamily="50" charset="-127"/>
-                <a:cs typeface="+mn-cs"/>
                 <a:sym typeface="Helvetica Neue Medium"/>
               </a:rPr>
-              <a:t>치아 모형을</a:t>
-            </a:r>
-            <a:r>
-              <a:rPr kumimoji="0" lang="ko-KR" altLang="en-US" sz="2500" b="0" i="0" u="none" strike="noStrike" cap="none" spc="0" normalizeH="0" baseline="0" dirty="0">
-                <a:ln>
-                  <a:noFill/>
-                </a:ln>
+              <a:t>모니터링이 시작되면 카운트가 시작된다</a:t>
+            </a:r>
+            <a:r>
+              <a:rPr lang="en-US" altLang="ko-KR" sz="4000" b="0" dirty="0">
                 <a:solidFill>
                   <a:schemeClr val="tx1"/>
                 </a:solidFill>
-                <a:effectLst/>
-                <a:uFillTx/>
                 <a:latin typeface="나눔스퀘어" panose="020B0600000101010101" pitchFamily="50" charset="-127"/>
                 <a:ea typeface="나눔스퀘어" panose="020B0600000101010101" pitchFamily="50" charset="-127"/>
-                <a:cs typeface="+mn-cs"/>
-                <a:sym typeface="Helvetica Neue Medium"/>
-              </a:rPr>
-              <a:t> 다시 누르면 모니터링을 종료한다</a:t>
-            </a:r>
-            <a:r>
-              <a:rPr kumimoji="0" lang="en-US" altLang="ko-KR" sz="2500" b="0" i="0" u="none" strike="noStrike" cap="none" spc="0" normalizeH="0" baseline="0" dirty="0">
-                <a:ln>
-                  <a:noFill/>
-                </a:ln>
-                <a:solidFill>
-                  <a:schemeClr val="tx1"/>
-                </a:solidFill>
-                <a:effectLst/>
-                <a:uFillTx/>
-                <a:latin typeface="나눔스퀘어" panose="020B0600000101010101" pitchFamily="50" charset="-127"/>
-                <a:ea typeface="나눔스퀘어" panose="020B0600000101010101" pitchFamily="50" charset="-127"/>
-                <a:cs typeface="+mn-cs"/>
                 <a:sym typeface="Helvetica Neue Medium"/>
               </a:rPr>
               <a:t>.</a:t>
             </a:r>
-            <a:endParaRPr kumimoji="0" lang="ko-KR" altLang="en-US" sz="2500" b="0" i="0" u="none" strike="noStrike" cap="none" spc="0" normalizeH="0" baseline="0" dirty="0">
-              <a:ln>
-                <a:noFill/>
-              </a:ln>
+            <a:endParaRPr lang="ko-KR" altLang="en-US" sz="4000" b="0" dirty="0">
               <a:solidFill>
                 <a:schemeClr val="tx1"/>
               </a:solidFill>
-              <a:effectLst/>
-              <a:uFillTx/>
               <a:latin typeface="나눔스퀘어" panose="020B0600000101010101" pitchFamily="50" charset="-127"/>
               <a:ea typeface="나눔스퀘어" panose="020B0600000101010101" pitchFamily="50" charset="-127"/>
-              <a:cs typeface="+mn-cs"/>
               <a:sym typeface="Helvetica Neue Medium"/>
             </a:endParaRPr>
           </a:p>
@@ -8851,1720 +6825,73 @@
       </p:sp>
       <p:sp>
         <p:nvSpPr>
-          <p:cNvPr id="2" name="직사각형 1">
-            <a:extLst>
-              <a:ext uri="{FF2B5EF4-FFF2-40B4-BE49-F238E27FC236}">
-                <a16:creationId xmlns:a16="http://schemas.microsoft.com/office/drawing/2014/main" id="{ED893E4F-179F-4C18-BAE7-069AAF94A1F2}"/>
-              </a:ext>
-            </a:extLst>
-          </p:cNvPr>
-          <p:cNvSpPr/>
-          <p:nvPr/>
+          <p:cNvPr id="165" name="양치 모니터링"/>
+          <p:cNvSpPr txBox="1">
+            <a:spLocks noGrp="1"/>
+          </p:cNvSpPr>
+          <p:nvPr>
+            <p:ph type="title"/>
+          </p:nvPr>
         </p:nvSpPr>
         <p:spPr>
           <a:xfrm>
-            <a:off x="3255544" y="5110793"/>
-            <a:ext cx="3041779" cy="1138334"/>
+            <a:off x="4387453" y="357187"/>
+            <a:ext cx="15609094" cy="3036095"/>
           </a:xfrm>
           <a:prstGeom prst="rect">
             <a:avLst/>
           </a:prstGeom>
-          <a:solidFill>
-            <a:schemeClr val="bg1"/>
-          </a:solidFill>
-          <a:ln w="12700" cap="flat">
-            <a:noFill/>
-            <a:miter lim="400000"/>
-          </a:ln>
-          <a:effectLst/>
-          <a:sp3d/>
         </p:spPr>
-        <p:style>
-          <a:lnRef idx="0">
-            <a:scrgbClr r="0" g="0" b="0"/>
-          </a:lnRef>
-          <a:fillRef idx="0">
-            <a:scrgbClr r="0" g="0" b="0"/>
-          </a:fillRef>
-          <a:effectRef idx="0">
-            <a:scrgbClr r="0" g="0" b="0"/>
-          </a:effectRef>
-          <a:fontRef idx="none"/>
-        </p:style>
         <p:txBody>
-          <a:bodyPr rot="0" spcFirstLastPara="1" vertOverflow="overflow" horzOverflow="overflow" vert="horz" wrap="square" lIns="71437" tIns="71437" rIns="71437" bIns="71437" numCol="1" spcCol="38100" rtlCol="0" anchor="ctr">
-            <a:noAutofit/>
-          </a:bodyPr>
+          <a:bodyPr/>
           <a:lstStyle/>
           <a:p>
-            <a:pPr marL="0" marR="0" indent="0" algn="ctr" defTabSz="821531" rtl="0" fontAlgn="auto" latinLnBrk="0" hangingPunct="0">
-              <a:lnSpc>
-                <a:spcPct val="100000"/>
-              </a:lnSpc>
-              <a:spcBef>
-                <a:spcPts val="0"/>
-              </a:spcBef>
-              <a:spcAft>
-                <a:spcPts val="0"/>
-              </a:spcAft>
-              <a:buClrTx/>
-              <a:buSzTx/>
-              <a:buFontTx/>
-              <a:buNone/>
-              <a:tabLst/>
-            </a:pPr>
-            <a:r>
-              <a:rPr lang="en-US" altLang="ko-KR" sz="5200" b="0" dirty="0">
-                <a:solidFill>
-                  <a:schemeClr val="tx1">
-                    <a:lumMod val="50000"/>
-                    <a:lumOff val="50000"/>
-                  </a:schemeClr>
-                </a:solidFill>
-                <a:latin typeface="나눔스퀘어" panose="020B0600000101010101" pitchFamily="50" charset="-127"/>
-                <a:ea typeface="나눔스퀘어" panose="020B0600000101010101" pitchFamily="50" charset="-127"/>
-                <a:cs typeface="+mn-cs"/>
-                <a:sym typeface="Helvetica Neue Medium"/>
-              </a:rPr>
-              <a:t>03:33</a:t>
-            </a:r>
-            <a:endParaRPr kumimoji="0" lang="ko-KR" altLang="en-US" sz="5200" b="0" i="0" u="none" strike="noStrike" cap="none" spc="0" normalizeH="0" baseline="0" dirty="0">
-              <a:ln>
-                <a:noFill/>
-              </a:ln>
-              <a:solidFill>
-                <a:schemeClr val="tx1">
-                  <a:lumMod val="50000"/>
-                  <a:lumOff val="50000"/>
-                </a:schemeClr>
-              </a:solidFill>
-              <a:effectLst/>
-              <a:uFillTx/>
-              <a:latin typeface="나눔스퀘어" panose="020B0600000101010101" pitchFamily="50" charset="-127"/>
-              <a:ea typeface="나눔스퀘어" panose="020B0600000101010101" pitchFamily="50" charset="-127"/>
-              <a:cs typeface="+mn-cs"/>
-              <a:sym typeface="Helvetica Neue Medium"/>
-            </a:endParaRPr>
+            <a:r>
+              <a:rPr lang="ko-KR" altLang="en-US" dirty="0"/>
+              <a:t>모니터링 페이지</a:t>
+            </a:r>
+            <a:endParaRPr dirty="0"/>
           </a:p>
         </p:txBody>
       </p:sp>
-      <p:sp>
-        <p:nvSpPr>
-          <p:cNvPr id="3" name="사각형: 둥근 모서리 2">
+      <p:pic>
+        <p:nvPicPr>
+          <p:cNvPr id="5" name="그림 4">
             <a:extLst>
               <a:ext uri="{FF2B5EF4-FFF2-40B4-BE49-F238E27FC236}">
-                <a16:creationId xmlns:a16="http://schemas.microsoft.com/office/drawing/2014/main" id="{F1BDC2E6-8C2E-422E-BC5E-141AAFA98B9F}"/>
+                <a16:creationId xmlns:a16="http://schemas.microsoft.com/office/drawing/2014/main" id="{95A0FDE9-ADAB-4578-9149-54BB3AB27D05}"/>
               </a:ext>
             </a:extLst>
           </p:cNvPr>
-          <p:cNvSpPr/>
+          <p:cNvPicPr>
+            <a:picLocks noChangeAspect="1"/>
+          </p:cNvPicPr>
           <p:nvPr/>
-        </p:nvSpPr>
+        </p:nvPicPr>
+        <p:blipFill>
+          <a:blip r:embed="rId3"/>
+          <a:stretch>
+            <a:fillRect/>
+          </a:stretch>
+        </p:blipFill>
         <p:spPr>
           <a:xfrm>
-            <a:off x="2650478" y="9965570"/>
-            <a:ext cx="4328819" cy="527652"/>
-          </a:xfrm>
-          <a:prstGeom prst="roundRect">
-            <a:avLst/>
-          </a:prstGeom>
-          <a:solidFill>
-            <a:srgbClr val="E2F6F2"/>
-          </a:solidFill>
-          <a:ln w="12700" cap="flat">
-            <a:noFill/>
-            <a:miter lim="400000"/>
-          </a:ln>
-          <a:effectLst/>
-          <a:sp3d/>
-        </p:spPr>
-        <p:style>
-          <a:lnRef idx="0">
-            <a:scrgbClr r="0" g="0" b="0"/>
-          </a:lnRef>
-          <a:fillRef idx="0">
-            <a:scrgbClr r="0" g="0" b="0"/>
-          </a:fillRef>
-          <a:effectRef idx="0">
-            <a:scrgbClr r="0" g="0" b="0"/>
-          </a:effectRef>
-          <a:fontRef idx="none"/>
-        </p:style>
-        <p:txBody>
-          <a:bodyPr rot="0" spcFirstLastPara="1" vertOverflow="overflow" horzOverflow="overflow" vert="horz" wrap="square" lIns="71437" tIns="71437" rIns="71437" bIns="71437" numCol="1" spcCol="38100" rtlCol="0" anchor="ctr">
-            <a:noAutofit/>
-          </a:bodyPr>
-          <a:lstStyle/>
-          <a:p>
-            <a:pPr marL="0" marR="0" indent="0" algn="ctr" defTabSz="821531" rtl="0" fontAlgn="auto" latinLnBrk="0" hangingPunct="0">
-              <a:lnSpc>
-                <a:spcPct val="100000"/>
-              </a:lnSpc>
-              <a:spcBef>
-                <a:spcPts val="0"/>
-              </a:spcBef>
-              <a:spcAft>
-                <a:spcPts val="0"/>
-              </a:spcAft>
-              <a:buClrTx/>
-              <a:buSzTx/>
-              <a:buFontTx/>
-              <a:buNone/>
-              <a:tabLst/>
-            </a:pPr>
-            <a:r>
-              <a:rPr kumimoji="0" lang="ko-KR" altLang="en-US" sz="2200" b="0" i="0" u="none" strike="noStrike" cap="none" spc="0" normalizeH="0" baseline="0" dirty="0">
-                <a:ln>
-                  <a:noFill/>
-                </a:ln>
-                <a:solidFill>
-                  <a:schemeClr val="tx1">
-                    <a:lumMod val="50000"/>
-                    <a:lumOff val="50000"/>
-                  </a:schemeClr>
-                </a:solidFill>
-                <a:effectLst/>
-                <a:uFillTx/>
-                <a:latin typeface="나눔스퀘어" panose="020B0600000101010101" pitchFamily="50" charset="-127"/>
-                <a:ea typeface="나눔스퀘어" panose="020B0600000101010101" pitchFamily="50" charset="-127"/>
-                <a:cs typeface="+mn-cs"/>
-                <a:sym typeface="Helvetica Neue Medium"/>
-              </a:rPr>
-              <a:t>치아 팩트</a:t>
-            </a:r>
-          </a:p>
-        </p:txBody>
-      </p:sp>
-      <p:sp>
-        <p:nvSpPr>
-          <p:cNvPr id="23" name="직사각형 22">
-            <a:extLst>
-              <a:ext uri="{FF2B5EF4-FFF2-40B4-BE49-F238E27FC236}">
-                <a16:creationId xmlns:a16="http://schemas.microsoft.com/office/drawing/2014/main" id="{53643F7C-7793-4BBE-B7D7-4049D0B9AB37}"/>
-              </a:ext>
-            </a:extLst>
-          </p:cNvPr>
-          <p:cNvSpPr/>
-          <p:nvPr/>
-        </p:nvSpPr>
-        <p:spPr>
-          <a:xfrm>
-            <a:off x="4132374" y="11069558"/>
-            <a:ext cx="1482976" cy="650630"/>
+            <a:off x="2681886" y="3345156"/>
+            <a:ext cx="4581535" cy="9417600"/>
           </a:xfrm>
           <a:prstGeom prst="rect">
             <a:avLst/>
           </a:prstGeom>
-          <a:solidFill>
-            <a:srgbClr val="93E5D7"/>
-          </a:solidFill>
-          <a:ln w="12700" cap="flat">
-            <a:noFill/>
-            <a:miter lim="400000"/>
+          <a:ln w="12700">
+            <a:solidFill>
+              <a:schemeClr val="tx1">
+                <a:lumMod val="65000"/>
+                <a:lumOff val="35000"/>
+              </a:schemeClr>
+            </a:solidFill>
           </a:ln>
-          <a:effectLst/>
-          <a:sp3d/>
         </p:spPr>
-        <p:style>
-          <a:lnRef idx="0">
-            <a:scrgbClr r="0" g="0" b="0"/>
-          </a:lnRef>
-          <a:fillRef idx="0">
-            <a:scrgbClr r="0" g="0" b="0"/>
-          </a:fillRef>
-          <a:effectRef idx="0">
-            <a:scrgbClr r="0" g="0" b="0"/>
-          </a:effectRef>
-          <a:fontRef idx="none"/>
-        </p:style>
-        <p:txBody>
-          <a:bodyPr rot="0" spcFirstLastPara="1" vertOverflow="overflow" horzOverflow="overflow" vert="horz" wrap="square" lIns="71437" tIns="71437" rIns="71437" bIns="71437" numCol="1" spcCol="38100" rtlCol="0" anchor="ctr">
-            <a:noAutofit/>
-          </a:bodyPr>
-          <a:lstStyle/>
-          <a:p>
-            <a:pPr marL="0" marR="0" indent="0" algn="ctr" defTabSz="821531" rtl="0" fontAlgn="auto" latinLnBrk="0" hangingPunct="0">
-              <a:lnSpc>
-                <a:spcPct val="100000"/>
-              </a:lnSpc>
-              <a:spcBef>
-                <a:spcPts val="0"/>
-              </a:spcBef>
-              <a:spcAft>
-                <a:spcPts val="0"/>
-              </a:spcAft>
-              <a:buClrTx/>
-              <a:buSzTx/>
-              <a:buFontTx/>
-              <a:buNone/>
-              <a:tabLst/>
-            </a:pPr>
-            <a:endParaRPr kumimoji="0" lang="ko-KR" altLang="en-US" sz="2300" b="0" i="0" u="none" strike="noStrike" cap="none" spc="0" normalizeH="0" baseline="0" dirty="0">
-              <a:ln>
-                <a:noFill/>
-              </a:ln>
-              <a:solidFill>
-                <a:schemeClr val="bg1">
-                  <a:lumMod val="50000"/>
-                </a:schemeClr>
-              </a:solidFill>
-              <a:effectLst/>
-              <a:uFillTx/>
-              <a:latin typeface="나눔스퀘어" panose="020B0600000101010101" pitchFamily="50" charset="-127"/>
-              <a:ea typeface="나눔스퀘어" panose="020B0600000101010101" pitchFamily="50" charset="-127"/>
-              <a:cs typeface="+mn-cs"/>
-              <a:sym typeface="Helvetica Neue Medium"/>
-            </a:endParaRPr>
-          </a:p>
-        </p:txBody>
-      </p:sp>
-      <p:grpSp>
-        <p:nvGrpSpPr>
-          <p:cNvPr id="24" name="그룹">
-            <a:extLst>
-              <a:ext uri="{FF2B5EF4-FFF2-40B4-BE49-F238E27FC236}">
-                <a16:creationId xmlns:a16="http://schemas.microsoft.com/office/drawing/2014/main" id="{6FF95F2C-44F8-45AA-97CD-C90B81550DEE}"/>
-              </a:ext>
-            </a:extLst>
-          </p:cNvPr>
-          <p:cNvGrpSpPr/>
-          <p:nvPr/>
-        </p:nvGrpSpPr>
-        <p:grpSpPr>
-          <a:xfrm>
-            <a:off x="4425992" y="10824450"/>
-            <a:ext cx="895739" cy="895738"/>
-            <a:chOff x="0" y="0"/>
-            <a:chExt cx="3575030" cy="3575029"/>
-          </a:xfrm>
-        </p:grpSpPr>
-        <p:sp>
-          <p:nvSpPr>
-            <p:cNvPr id="26" name="원">
-              <a:extLst>
-                <a:ext uri="{FF2B5EF4-FFF2-40B4-BE49-F238E27FC236}">
-                  <a16:creationId xmlns:a16="http://schemas.microsoft.com/office/drawing/2014/main" id="{56AF7129-00CA-4EAF-B9C3-00315475CD21}"/>
-                </a:ext>
-              </a:extLst>
-            </p:cNvPr>
-            <p:cNvSpPr/>
-            <p:nvPr/>
-          </p:nvSpPr>
-          <p:spPr>
-            <a:xfrm>
-              <a:off x="0" y="0"/>
-              <a:ext cx="3575030" cy="3575029"/>
-            </a:xfrm>
-            <a:prstGeom prst="ellipse">
-              <a:avLst/>
-            </a:prstGeom>
-            <a:solidFill>
-              <a:srgbClr val="67DAC7"/>
-            </a:solidFill>
-            <a:ln w="12700" cap="flat">
-              <a:noFill/>
-              <a:miter lim="400000"/>
-            </a:ln>
-            <a:effectLst/>
-          </p:spPr>
-          <p:txBody>
-            <a:bodyPr wrap="square" lIns="71437" tIns="71437" rIns="71437" bIns="71437" numCol="1" anchor="ctr">
-              <a:noAutofit/>
-            </a:bodyPr>
-            <a:lstStyle/>
-            <a:p>
-              <a:pPr>
-                <a:defRPr sz="3000" b="0">
-                  <a:solidFill>
-                    <a:srgbClr val="FFFFFF"/>
-                  </a:solidFill>
-                  <a:latin typeface="+mn-lt"/>
-                  <a:ea typeface="+mn-ea"/>
-                  <a:cs typeface="+mn-cs"/>
-                  <a:sym typeface="Helvetica Neue Medium"/>
-                </a:defRPr>
-              </a:pPr>
-              <a:endParaRPr>
-                <a:latin typeface="나눔스퀘어" panose="020B0600000101010101" pitchFamily="50" charset="-127"/>
-                <a:ea typeface="나눔스퀘어" panose="020B0600000101010101" pitchFamily="50" charset="-127"/>
-              </a:endParaRPr>
-            </a:p>
-          </p:txBody>
-        </p:sp>
-        <p:pic>
-          <p:nvPicPr>
-            <p:cNvPr id="29" name="Frame-4.png" descr="Frame-4.png">
-              <a:extLst>
-                <a:ext uri="{FF2B5EF4-FFF2-40B4-BE49-F238E27FC236}">
-                  <a16:creationId xmlns:a16="http://schemas.microsoft.com/office/drawing/2014/main" id="{EC979A72-6631-4151-847A-62CCA915A59D}"/>
-                </a:ext>
-              </a:extLst>
-            </p:cNvPr>
-            <p:cNvPicPr>
-              <a:picLocks noChangeAspect="1"/>
-            </p:cNvPicPr>
-            <p:nvPr/>
-          </p:nvPicPr>
-          <p:blipFill>
-            <a:blip r:embed="rId4">
-              <a:extLst/>
-            </a:blip>
-            <a:stretch>
-              <a:fillRect/>
-            </a:stretch>
-          </p:blipFill>
-          <p:spPr>
-            <a:xfrm>
-              <a:off x="0" y="0"/>
-              <a:ext cx="3575030" cy="3575029"/>
-            </a:xfrm>
-            <a:prstGeom prst="rect">
-              <a:avLst/>
-            </a:prstGeom>
-            <a:ln w="12700" cap="flat">
-              <a:noFill/>
-              <a:miter lim="400000"/>
-            </a:ln>
-            <a:effectLst/>
-          </p:spPr>
-        </p:pic>
-      </p:grpSp>
-      <p:grpSp>
-        <p:nvGrpSpPr>
-          <p:cNvPr id="38" name="그룹 37">
-            <a:extLst>
-              <a:ext uri="{FF2B5EF4-FFF2-40B4-BE49-F238E27FC236}">
-                <a16:creationId xmlns:a16="http://schemas.microsoft.com/office/drawing/2014/main" id="{A928CC9A-5A99-42F7-8F5C-C357794E700C}"/>
-              </a:ext>
-            </a:extLst>
-          </p:cNvPr>
-          <p:cNvGrpSpPr/>
-          <p:nvPr/>
-        </p:nvGrpSpPr>
-        <p:grpSpPr>
-          <a:xfrm>
-            <a:off x="3132093" y="6311814"/>
-            <a:ext cx="3365588" cy="3365588"/>
-            <a:chOff x="15621173" y="5181114"/>
-            <a:chExt cx="7620000" cy="7620000"/>
-          </a:xfrm>
-        </p:grpSpPr>
-        <p:pic>
-          <p:nvPicPr>
-            <p:cNvPr id="39" name="그림 38">
-              <a:extLst>
-                <a:ext uri="{FF2B5EF4-FFF2-40B4-BE49-F238E27FC236}">
-                  <a16:creationId xmlns:a16="http://schemas.microsoft.com/office/drawing/2014/main" id="{07189DC1-D3F3-4115-AA15-D212FD331984}"/>
-                </a:ext>
-              </a:extLst>
-            </p:cNvPr>
-            <p:cNvPicPr>
-              <a:picLocks noChangeAspect="1"/>
-            </p:cNvPicPr>
-            <p:nvPr/>
-          </p:nvPicPr>
-          <p:blipFill>
-            <a:blip r:embed="rId5">
-              <a:extLst>
-                <a:ext uri="{BEBA8EAE-BF5A-486C-A8C5-ECC9F3942E4B}">
-                  <a14:imgProps xmlns:a14="http://schemas.microsoft.com/office/drawing/2010/main">
-                    <a14:imgLayer r:embed="rId6">
-                      <a14:imgEffect>
-                        <a14:backgroundRemoval t="5750" b="94750" l="10000" r="90000">
-                          <a14:foregroundMark x1="17000" y1="44000" x2="24000" y2="31375"/>
-                          <a14:foregroundMark x1="24000" y1="31375" x2="33000" y2="26250"/>
-                          <a14:foregroundMark x1="33000" y1="26250" x2="59375" y2="24000"/>
-                          <a14:foregroundMark x1="59375" y1="24000" x2="76125" y2="25500"/>
-                          <a14:foregroundMark x1="76125" y1="25500" x2="81375" y2="31250"/>
-                          <a14:foregroundMark x1="81375" y1="31250" x2="82000" y2="44500"/>
-                          <a14:foregroundMark x1="82000" y1="44500" x2="81625" y2="46000"/>
-                          <a14:foregroundMark x1="66375" y1="13375" x2="54375" y2="6125"/>
-                          <a14:foregroundMark x1="54375" y1="6125" x2="52375" y2="5750"/>
-                          <a14:foregroundMark x1="42625" y1="94750" x2="52625" y2="94750"/>
-                          <a14:foregroundMark x1="52625" y1="94750" x2="60375" y2="92375"/>
-                        </a14:backgroundRemoval>
-                      </a14:imgEffect>
-                    </a14:imgLayer>
-                  </a14:imgProps>
-                </a:ext>
-                <a:ext uri="{28A0092B-C50C-407E-A947-70E740481C1C}">
-                  <a14:useLocalDpi xmlns:a14="http://schemas.microsoft.com/office/drawing/2010/main" val="0"/>
-                </a:ext>
-              </a:extLst>
-            </a:blip>
-            <a:stretch>
-              <a:fillRect/>
-            </a:stretch>
-          </p:blipFill>
-          <p:spPr>
-            <a:xfrm>
-              <a:off x="15621173" y="5181114"/>
-              <a:ext cx="7620000" cy="7620000"/>
-            </a:xfrm>
-            <a:prstGeom prst="rect">
-              <a:avLst/>
-            </a:prstGeom>
-          </p:spPr>
-        </p:pic>
-        <p:sp>
-          <p:nvSpPr>
-            <p:cNvPr id="40" name="사각형: 둥근 모서리 39">
-              <a:extLst>
-                <a:ext uri="{FF2B5EF4-FFF2-40B4-BE49-F238E27FC236}">
-                  <a16:creationId xmlns:a16="http://schemas.microsoft.com/office/drawing/2014/main" id="{0BD3F64E-C12C-440C-A76C-0DAA26F74302}"/>
-                </a:ext>
-              </a:extLst>
-            </p:cNvPr>
-            <p:cNvSpPr/>
-            <p:nvPr/>
-          </p:nvSpPr>
-          <p:spPr>
-            <a:xfrm rot="20691529">
-              <a:off x="18168620" y="10382753"/>
-              <a:ext cx="660400" cy="827602"/>
-            </a:xfrm>
-            <a:prstGeom prst="roundRect">
-              <a:avLst>
-                <a:gd name="adj" fmla="val 50000"/>
-              </a:avLst>
-            </a:prstGeom>
-            <a:solidFill>
-              <a:srgbClr val="00A2FF">
-                <a:alpha val="61176"/>
-              </a:srgbClr>
-            </a:solidFill>
-            <a:ln w="12700" cap="flat">
-              <a:noFill/>
-              <a:miter lim="400000"/>
-            </a:ln>
-            <a:effectLst/>
-            <a:sp3d/>
-          </p:spPr>
-          <p:style>
-            <a:lnRef idx="0">
-              <a:scrgbClr r="0" g="0" b="0"/>
-            </a:lnRef>
-            <a:fillRef idx="0">
-              <a:scrgbClr r="0" g="0" b="0"/>
-            </a:fillRef>
-            <a:effectRef idx="0">
-              <a:scrgbClr r="0" g="0" b="0"/>
-            </a:effectRef>
-            <a:fontRef idx="none"/>
-          </p:style>
-          <p:txBody>
-            <a:bodyPr rot="0" spcFirstLastPara="1" vertOverflow="overflow" horzOverflow="overflow" vert="horz" wrap="square" lIns="71437" tIns="71437" rIns="71437" bIns="71437" numCol="1" spcCol="38100" rtlCol="0" anchor="ctr">
-              <a:spAutoFit/>
-            </a:bodyPr>
-            <a:lstStyle/>
-            <a:p>
-              <a:pPr marL="0" marR="0" indent="0" algn="ctr" defTabSz="821531" rtl="0" fontAlgn="auto" latinLnBrk="0" hangingPunct="0">
-                <a:lnSpc>
-                  <a:spcPct val="100000"/>
-                </a:lnSpc>
-                <a:spcBef>
-                  <a:spcPts val="0"/>
-                </a:spcBef>
-                <a:spcAft>
-                  <a:spcPts val="0"/>
-                </a:spcAft>
-                <a:buClrTx/>
-                <a:buSzTx/>
-                <a:buFontTx/>
-                <a:buNone/>
-                <a:tabLst/>
-              </a:pPr>
-              <a:endParaRPr lang="ko-KR" altLang="en-US">
-                <a:sym typeface="Helvetica Neue Medium"/>
-              </a:endParaRPr>
-            </a:p>
-          </p:txBody>
-        </p:sp>
-        <p:sp>
-          <p:nvSpPr>
-            <p:cNvPr id="41" name="사각형: 둥근 모서리 40">
-              <a:extLst>
-                <a:ext uri="{FF2B5EF4-FFF2-40B4-BE49-F238E27FC236}">
-                  <a16:creationId xmlns:a16="http://schemas.microsoft.com/office/drawing/2014/main" id="{A036B1EC-B4C9-4DF3-B7FE-105D7964DF18}"/>
-                </a:ext>
-              </a:extLst>
-            </p:cNvPr>
-            <p:cNvSpPr/>
-            <p:nvPr/>
-          </p:nvSpPr>
-          <p:spPr>
-            <a:xfrm>
-              <a:off x="18821400" y="10448026"/>
-              <a:ext cx="660400" cy="827602"/>
-            </a:xfrm>
-            <a:prstGeom prst="roundRect">
-              <a:avLst>
-                <a:gd name="adj" fmla="val 23077"/>
-              </a:avLst>
-            </a:prstGeom>
-            <a:solidFill>
-              <a:srgbClr val="00A2FF">
-                <a:alpha val="61176"/>
-              </a:srgbClr>
-            </a:solidFill>
-            <a:ln w="12700" cap="flat">
-              <a:noFill/>
-              <a:miter lim="400000"/>
-            </a:ln>
-            <a:effectLst/>
-            <a:sp3d/>
-          </p:spPr>
-          <p:style>
-            <a:lnRef idx="0">
-              <a:scrgbClr r="0" g="0" b="0"/>
-            </a:lnRef>
-            <a:fillRef idx="0">
-              <a:scrgbClr r="0" g="0" b="0"/>
-            </a:fillRef>
-            <a:effectRef idx="0">
-              <a:scrgbClr r="0" g="0" b="0"/>
-            </a:effectRef>
-            <a:fontRef idx="none"/>
-          </p:style>
-          <p:txBody>
-            <a:bodyPr rot="0" spcFirstLastPara="1" vertOverflow="overflow" horzOverflow="overflow" vert="horz" wrap="square" lIns="71437" tIns="71437" rIns="71437" bIns="71437" numCol="1" spcCol="38100" rtlCol="0" anchor="ctr">
-              <a:spAutoFit/>
-            </a:bodyPr>
-            <a:lstStyle/>
-            <a:p>
-              <a:pPr marL="0" marR="0" indent="0" algn="ctr" defTabSz="821531" rtl="0" fontAlgn="auto" latinLnBrk="0" hangingPunct="0">
-                <a:lnSpc>
-                  <a:spcPct val="100000"/>
-                </a:lnSpc>
-                <a:spcBef>
-                  <a:spcPts val="0"/>
-                </a:spcBef>
-                <a:spcAft>
-                  <a:spcPts val="0"/>
-                </a:spcAft>
-                <a:buClrTx/>
-                <a:buSzTx/>
-                <a:buFontTx/>
-                <a:buNone/>
-                <a:tabLst/>
-              </a:pPr>
-              <a:endParaRPr lang="ko-KR" altLang="en-US">
-                <a:sym typeface="Helvetica Neue Medium"/>
-              </a:endParaRPr>
-            </a:p>
-          </p:txBody>
-        </p:sp>
-        <p:sp>
-          <p:nvSpPr>
-            <p:cNvPr id="42" name="사각형: 둥근 모서리 41">
-              <a:extLst>
-                <a:ext uri="{FF2B5EF4-FFF2-40B4-BE49-F238E27FC236}">
-                  <a16:creationId xmlns:a16="http://schemas.microsoft.com/office/drawing/2014/main" id="{527F576D-4BD7-43EE-A384-7E0D117433D3}"/>
-                </a:ext>
-              </a:extLst>
-            </p:cNvPr>
-            <p:cNvSpPr/>
-            <p:nvPr/>
-          </p:nvSpPr>
-          <p:spPr>
-            <a:xfrm rot="329379">
-              <a:off x="19504660" y="10432786"/>
-              <a:ext cx="660400" cy="827602"/>
-            </a:xfrm>
-            <a:prstGeom prst="roundRect">
-              <a:avLst>
-                <a:gd name="adj" fmla="val 28967"/>
-              </a:avLst>
-            </a:prstGeom>
-            <a:solidFill>
-              <a:srgbClr val="00A2FF">
-                <a:alpha val="61176"/>
-              </a:srgbClr>
-            </a:solidFill>
-            <a:ln w="12700" cap="flat">
-              <a:noFill/>
-              <a:miter lim="400000"/>
-            </a:ln>
-            <a:effectLst/>
-            <a:sp3d/>
-          </p:spPr>
-          <p:style>
-            <a:lnRef idx="0">
-              <a:scrgbClr r="0" g="0" b="0"/>
-            </a:lnRef>
-            <a:fillRef idx="0">
-              <a:scrgbClr r="0" g="0" b="0"/>
-            </a:fillRef>
-            <a:effectRef idx="0">
-              <a:scrgbClr r="0" g="0" b="0"/>
-            </a:effectRef>
-            <a:fontRef idx="none"/>
-          </p:style>
-          <p:txBody>
-            <a:bodyPr rot="0" spcFirstLastPara="1" vertOverflow="overflow" horzOverflow="overflow" vert="horz" wrap="square" lIns="71437" tIns="71437" rIns="71437" bIns="71437" numCol="1" spcCol="38100" rtlCol="0" anchor="ctr">
-              <a:spAutoFit/>
-            </a:bodyPr>
-            <a:lstStyle/>
-            <a:p>
-              <a:pPr marL="0" marR="0" indent="0" algn="ctr" defTabSz="821531" rtl="0" fontAlgn="auto" latinLnBrk="0" hangingPunct="0">
-                <a:lnSpc>
-                  <a:spcPct val="100000"/>
-                </a:lnSpc>
-                <a:spcBef>
-                  <a:spcPts val="0"/>
-                </a:spcBef>
-                <a:spcAft>
-                  <a:spcPts val="0"/>
-                </a:spcAft>
-                <a:buClrTx/>
-                <a:buSzTx/>
-                <a:buFontTx/>
-                <a:buNone/>
-                <a:tabLst/>
-              </a:pPr>
-              <a:endParaRPr lang="ko-KR" altLang="en-US">
-                <a:sym typeface="Helvetica Neue Medium"/>
-              </a:endParaRPr>
-            </a:p>
-          </p:txBody>
-        </p:sp>
-        <p:sp>
-          <p:nvSpPr>
-            <p:cNvPr id="43" name="사각형: 둥근 모서리 42">
-              <a:extLst>
-                <a:ext uri="{FF2B5EF4-FFF2-40B4-BE49-F238E27FC236}">
-                  <a16:creationId xmlns:a16="http://schemas.microsoft.com/office/drawing/2014/main" id="{E216BF75-B9EF-4F3F-8B17-E9B8D74B81F3}"/>
-                </a:ext>
-              </a:extLst>
-            </p:cNvPr>
-            <p:cNvSpPr/>
-            <p:nvPr/>
-          </p:nvSpPr>
-          <p:spPr>
-            <a:xfrm rot="756481">
-              <a:off x="20167794" y="10385928"/>
-              <a:ext cx="660400" cy="827602"/>
-            </a:xfrm>
-            <a:prstGeom prst="roundRect">
-              <a:avLst>
-                <a:gd name="adj" fmla="val 50000"/>
-              </a:avLst>
-            </a:prstGeom>
-            <a:solidFill>
-              <a:srgbClr val="00A2FF">
-                <a:alpha val="61176"/>
-              </a:srgbClr>
-            </a:solidFill>
-            <a:ln w="12700" cap="flat">
-              <a:noFill/>
-              <a:miter lim="400000"/>
-            </a:ln>
-            <a:effectLst/>
-            <a:sp3d/>
-          </p:spPr>
-          <p:style>
-            <a:lnRef idx="0">
-              <a:scrgbClr r="0" g="0" b="0"/>
-            </a:lnRef>
-            <a:fillRef idx="0">
-              <a:scrgbClr r="0" g="0" b="0"/>
-            </a:fillRef>
-            <a:effectRef idx="0">
-              <a:scrgbClr r="0" g="0" b="0"/>
-            </a:effectRef>
-            <a:fontRef idx="none"/>
-          </p:style>
-          <p:txBody>
-            <a:bodyPr rot="0" spcFirstLastPara="1" vertOverflow="overflow" horzOverflow="overflow" vert="horz" wrap="square" lIns="71437" tIns="71437" rIns="71437" bIns="71437" numCol="1" spcCol="38100" rtlCol="0" anchor="ctr">
-              <a:spAutoFit/>
-            </a:bodyPr>
-            <a:lstStyle/>
-            <a:p>
-              <a:pPr marL="0" marR="0" indent="0" algn="ctr" defTabSz="821531" rtl="0" fontAlgn="auto" latinLnBrk="0" hangingPunct="0">
-                <a:lnSpc>
-                  <a:spcPct val="100000"/>
-                </a:lnSpc>
-                <a:spcBef>
-                  <a:spcPts val="0"/>
-                </a:spcBef>
-                <a:spcAft>
-                  <a:spcPts val="0"/>
-                </a:spcAft>
-                <a:buClrTx/>
-                <a:buSzTx/>
-                <a:buFontTx/>
-                <a:buNone/>
-                <a:tabLst/>
-              </a:pPr>
-              <a:endParaRPr lang="ko-KR" altLang="en-US">
-                <a:sym typeface="Helvetica Neue Medium"/>
-              </a:endParaRPr>
-            </a:p>
-          </p:txBody>
-        </p:sp>
-        <p:sp>
-          <p:nvSpPr>
-            <p:cNvPr id="44" name="사각형: 둥근 모서리 43">
-              <a:extLst>
-                <a:ext uri="{FF2B5EF4-FFF2-40B4-BE49-F238E27FC236}">
-                  <a16:creationId xmlns:a16="http://schemas.microsoft.com/office/drawing/2014/main" id="{82295196-2960-4A9E-BA5B-94CDFAB1AD77}"/>
-                </a:ext>
-              </a:extLst>
-            </p:cNvPr>
-            <p:cNvSpPr/>
-            <p:nvPr/>
-          </p:nvSpPr>
-          <p:spPr>
-            <a:xfrm>
-              <a:off x="20744028" y="10168226"/>
-              <a:ext cx="618894" cy="900000"/>
-            </a:xfrm>
-            <a:prstGeom prst="roundRect">
-              <a:avLst>
-                <a:gd name="adj" fmla="val 50000"/>
-              </a:avLst>
-            </a:prstGeom>
-            <a:solidFill>
-              <a:srgbClr val="00A2FF">
-                <a:alpha val="61176"/>
-              </a:srgbClr>
-            </a:solidFill>
-            <a:ln w="12700" cap="flat">
-              <a:noFill/>
-              <a:miter lim="400000"/>
-            </a:ln>
-            <a:effectLst/>
-            <a:sp3d/>
-          </p:spPr>
-          <p:style>
-            <a:lnRef idx="0">
-              <a:scrgbClr r="0" g="0" b="0"/>
-            </a:lnRef>
-            <a:fillRef idx="0">
-              <a:scrgbClr r="0" g="0" b="0"/>
-            </a:fillRef>
-            <a:effectRef idx="0">
-              <a:scrgbClr r="0" g="0" b="0"/>
-            </a:effectRef>
-            <a:fontRef idx="none"/>
-          </p:style>
-          <p:txBody>
-            <a:bodyPr rot="0" spcFirstLastPara="1" vertOverflow="overflow" horzOverflow="overflow" vert="horz" wrap="square" lIns="71437" tIns="71437" rIns="71437" bIns="71437" numCol="1" spcCol="38100" rtlCol="0" anchor="ctr">
-              <a:spAutoFit/>
-            </a:bodyPr>
-            <a:lstStyle/>
-            <a:p>
-              <a:pPr marL="0" marR="0" indent="0" algn="ctr" defTabSz="821531" rtl="0" fontAlgn="auto" latinLnBrk="0" hangingPunct="0">
-                <a:lnSpc>
-                  <a:spcPct val="100000"/>
-                </a:lnSpc>
-                <a:spcBef>
-                  <a:spcPts val="0"/>
-                </a:spcBef>
-                <a:spcAft>
-                  <a:spcPts val="0"/>
-                </a:spcAft>
-                <a:buClrTx/>
-                <a:buSzTx/>
-                <a:buFontTx/>
-                <a:buNone/>
-                <a:tabLst/>
-              </a:pPr>
-              <a:endParaRPr lang="ko-KR" altLang="en-US">
-                <a:sym typeface="Helvetica Neue Medium"/>
-              </a:endParaRPr>
-            </a:p>
-          </p:txBody>
-        </p:sp>
-        <p:sp>
-          <p:nvSpPr>
-            <p:cNvPr id="45" name="사각형: 둥근 모서리 44">
-              <a:extLst>
-                <a:ext uri="{FF2B5EF4-FFF2-40B4-BE49-F238E27FC236}">
-                  <a16:creationId xmlns:a16="http://schemas.microsoft.com/office/drawing/2014/main" id="{30D2EAEE-85D0-4AC5-B27A-B253B96A1037}"/>
-                </a:ext>
-              </a:extLst>
-            </p:cNvPr>
-            <p:cNvSpPr/>
-            <p:nvPr/>
-          </p:nvSpPr>
-          <p:spPr>
-            <a:xfrm flipH="1">
-              <a:off x="17629053" y="10168226"/>
-              <a:ext cx="618894" cy="900000"/>
-            </a:xfrm>
-            <a:prstGeom prst="roundRect">
-              <a:avLst>
-                <a:gd name="adj" fmla="val 50000"/>
-              </a:avLst>
-            </a:prstGeom>
-            <a:solidFill>
-              <a:srgbClr val="FFFF00">
-                <a:alpha val="61176"/>
-              </a:srgbClr>
-            </a:solidFill>
-            <a:ln w="12700" cap="flat">
-              <a:noFill/>
-              <a:miter lim="400000"/>
-            </a:ln>
-            <a:effectLst/>
-            <a:sp3d/>
-          </p:spPr>
-          <p:style>
-            <a:lnRef idx="0">
-              <a:scrgbClr r="0" g="0" b="0"/>
-            </a:lnRef>
-            <a:fillRef idx="0">
-              <a:scrgbClr r="0" g="0" b="0"/>
-            </a:fillRef>
-            <a:effectRef idx="0">
-              <a:scrgbClr r="0" g="0" b="0"/>
-            </a:effectRef>
-            <a:fontRef idx="none"/>
-          </p:style>
-          <p:txBody>
-            <a:bodyPr rot="0" spcFirstLastPara="1" vertOverflow="overflow" horzOverflow="overflow" vert="horz" wrap="square" lIns="71437" tIns="71437" rIns="71437" bIns="71437" numCol="1" spcCol="38100" rtlCol="0" anchor="ctr">
-              <a:spAutoFit/>
-            </a:bodyPr>
-            <a:lstStyle/>
-            <a:p>
-              <a:pPr marL="0" marR="0" indent="0" algn="ctr" defTabSz="821531" rtl="0" fontAlgn="auto" latinLnBrk="0" hangingPunct="0">
-                <a:lnSpc>
-                  <a:spcPct val="100000"/>
-                </a:lnSpc>
-                <a:spcBef>
-                  <a:spcPts val="0"/>
-                </a:spcBef>
-                <a:spcAft>
-                  <a:spcPts val="0"/>
-                </a:spcAft>
-                <a:buClrTx/>
-                <a:buSzTx/>
-                <a:buFontTx/>
-                <a:buNone/>
-                <a:tabLst/>
-              </a:pPr>
-              <a:endParaRPr lang="ko-KR" altLang="en-US">
-                <a:sym typeface="Helvetica Neue Medium"/>
-              </a:endParaRPr>
-            </a:p>
-          </p:txBody>
-        </p:sp>
-        <p:sp>
-          <p:nvSpPr>
-            <p:cNvPr id="46" name="사각형: 둥근 모서리 45">
-              <a:extLst>
-                <a:ext uri="{FF2B5EF4-FFF2-40B4-BE49-F238E27FC236}">
-                  <a16:creationId xmlns:a16="http://schemas.microsoft.com/office/drawing/2014/main" id="{BBBF6F24-84B9-497C-B1BA-AAFB7CE65BA9}"/>
-                </a:ext>
-              </a:extLst>
-            </p:cNvPr>
-            <p:cNvSpPr/>
-            <p:nvPr/>
-          </p:nvSpPr>
-          <p:spPr>
-            <a:xfrm flipH="1">
-              <a:off x="21132746" y="9945324"/>
-              <a:ext cx="725308" cy="847824"/>
-            </a:xfrm>
-            <a:prstGeom prst="roundRect">
-              <a:avLst>
-                <a:gd name="adj" fmla="val 50000"/>
-              </a:avLst>
-            </a:prstGeom>
-            <a:solidFill>
-              <a:srgbClr val="00A2FF">
-                <a:alpha val="61176"/>
-              </a:srgbClr>
-            </a:solidFill>
-            <a:ln w="12700" cap="flat">
-              <a:noFill/>
-              <a:miter lim="400000"/>
-            </a:ln>
-            <a:effectLst/>
-            <a:sp3d/>
-          </p:spPr>
-          <p:style>
-            <a:lnRef idx="0">
-              <a:scrgbClr r="0" g="0" b="0"/>
-            </a:lnRef>
-            <a:fillRef idx="0">
-              <a:scrgbClr r="0" g="0" b="0"/>
-            </a:fillRef>
-            <a:effectRef idx="0">
-              <a:scrgbClr r="0" g="0" b="0"/>
-            </a:effectRef>
-            <a:fontRef idx="none"/>
-          </p:style>
-          <p:txBody>
-            <a:bodyPr rot="0" spcFirstLastPara="1" vertOverflow="overflow" horzOverflow="overflow" vert="horz" wrap="square" lIns="71437" tIns="71437" rIns="71437" bIns="71437" numCol="1" spcCol="38100" rtlCol="0" anchor="ctr">
-              <a:spAutoFit/>
-            </a:bodyPr>
-            <a:lstStyle/>
-            <a:p>
-              <a:pPr marL="0" marR="0" indent="0" algn="ctr" defTabSz="821531" rtl="0" fontAlgn="auto" latinLnBrk="0" hangingPunct="0">
-                <a:lnSpc>
-                  <a:spcPct val="100000"/>
-                </a:lnSpc>
-                <a:spcBef>
-                  <a:spcPts val="0"/>
-                </a:spcBef>
-                <a:spcAft>
-                  <a:spcPts val="0"/>
-                </a:spcAft>
-                <a:buClrTx/>
-                <a:buSzTx/>
-                <a:buFontTx/>
-                <a:buNone/>
-                <a:tabLst/>
-              </a:pPr>
-              <a:endParaRPr lang="ko-KR" altLang="en-US">
-                <a:sym typeface="Helvetica Neue Medium"/>
-              </a:endParaRPr>
-            </a:p>
-          </p:txBody>
-        </p:sp>
-        <p:sp>
-          <p:nvSpPr>
-            <p:cNvPr id="47" name="사각형: 둥근 모서리 46">
-              <a:extLst>
-                <a:ext uri="{FF2B5EF4-FFF2-40B4-BE49-F238E27FC236}">
-                  <a16:creationId xmlns:a16="http://schemas.microsoft.com/office/drawing/2014/main" id="{28669DDC-4247-4FD3-AC57-E17C1CE44BFF}"/>
-                </a:ext>
-              </a:extLst>
-            </p:cNvPr>
-            <p:cNvSpPr/>
-            <p:nvPr/>
-          </p:nvSpPr>
-          <p:spPr>
-            <a:xfrm flipH="1">
-              <a:off x="21362922" y="9548661"/>
-              <a:ext cx="731836" cy="762209"/>
-            </a:xfrm>
-            <a:prstGeom prst="roundRect">
-              <a:avLst>
-                <a:gd name="adj" fmla="val 50000"/>
-              </a:avLst>
-            </a:prstGeom>
-            <a:solidFill>
-              <a:srgbClr val="00A2FF">
-                <a:alpha val="61176"/>
-              </a:srgbClr>
-            </a:solidFill>
-            <a:ln w="12700" cap="flat">
-              <a:noFill/>
-              <a:miter lim="400000"/>
-            </a:ln>
-            <a:effectLst/>
-            <a:sp3d/>
-          </p:spPr>
-          <p:style>
-            <a:lnRef idx="0">
-              <a:scrgbClr r="0" g="0" b="0"/>
-            </a:lnRef>
-            <a:fillRef idx="0">
-              <a:scrgbClr r="0" g="0" b="0"/>
-            </a:fillRef>
-            <a:effectRef idx="0">
-              <a:scrgbClr r="0" g="0" b="0"/>
-            </a:effectRef>
-            <a:fontRef idx="none"/>
-          </p:style>
-          <p:txBody>
-            <a:bodyPr rot="0" spcFirstLastPara="1" vertOverflow="overflow" horzOverflow="overflow" vert="horz" wrap="square" lIns="71437" tIns="71437" rIns="71437" bIns="71437" numCol="1" spcCol="38100" rtlCol="0" anchor="ctr">
-              <a:spAutoFit/>
-            </a:bodyPr>
-            <a:lstStyle/>
-            <a:p>
-              <a:pPr marL="0" marR="0" indent="0" algn="ctr" defTabSz="821531" rtl="0" fontAlgn="auto" latinLnBrk="0" hangingPunct="0">
-                <a:lnSpc>
-                  <a:spcPct val="100000"/>
-                </a:lnSpc>
-                <a:spcBef>
-                  <a:spcPts val="0"/>
-                </a:spcBef>
-                <a:spcAft>
-                  <a:spcPts val="0"/>
-                </a:spcAft>
-                <a:buClrTx/>
-                <a:buSzTx/>
-                <a:buFontTx/>
-                <a:buNone/>
-                <a:tabLst/>
-              </a:pPr>
-              <a:endParaRPr lang="ko-KR" altLang="en-US">
-                <a:sym typeface="Helvetica Neue Medium"/>
-              </a:endParaRPr>
-            </a:p>
-          </p:txBody>
-        </p:sp>
-        <p:sp>
-          <p:nvSpPr>
-            <p:cNvPr id="48" name="사각형: 둥근 모서리 47">
-              <a:extLst>
-                <a:ext uri="{FF2B5EF4-FFF2-40B4-BE49-F238E27FC236}">
-                  <a16:creationId xmlns:a16="http://schemas.microsoft.com/office/drawing/2014/main" id="{30124366-899C-45B2-9B61-54118E590E8C}"/>
-                </a:ext>
-              </a:extLst>
-            </p:cNvPr>
-            <p:cNvSpPr/>
-            <p:nvPr/>
-          </p:nvSpPr>
-          <p:spPr>
-            <a:xfrm flipH="1">
-              <a:off x="21508008" y="9016820"/>
-              <a:ext cx="731836" cy="762209"/>
-            </a:xfrm>
-            <a:prstGeom prst="roundRect">
-              <a:avLst>
-                <a:gd name="adj" fmla="val 41670"/>
-              </a:avLst>
-            </a:prstGeom>
-            <a:solidFill>
-              <a:srgbClr val="00A2FF">
-                <a:alpha val="61176"/>
-              </a:srgbClr>
-            </a:solidFill>
-            <a:ln w="12700" cap="flat">
-              <a:noFill/>
-              <a:miter lim="400000"/>
-            </a:ln>
-            <a:effectLst/>
-            <a:sp3d/>
-          </p:spPr>
-          <p:style>
-            <a:lnRef idx="0">
-              <a:scrgbClr r="0" g="0" b="0"/>
-            </a:lnRef>
-            <a:fillRef idx="0">
-              <a:scrgbClr r="0" g="0" b="0"/>
-            </a:fillRef>
-            <a:effectRef idx="0">
-              <a:scrgbClr r="0" g="0" b="0"/>
-            </a:effectRef>
-            <a:fontRef idx="none"/>
-          </p:style>
-          <p:txBody>
-            <a:bodyPr rot="0" spcFirstLastPara="1" vertOverflow="overflow" horzOverflow="overflow" vert="horz" wrap="square" lIns="71437" tIns="71437" rIns="71437" bIns="71437" numCol="1" spcCol="38100" rtlCol="0" anchor="ctr">
-              <a:spAutoFit/>
-            </a:bodyPr>
-            <a:lstStyle/>
-            <a:p>
-              <a:pPr marL="0" marR="0" indent="0" algn="ctr" defTabSz="821531" rtl="0" fontAlgn="auto" latinLnBrk="0" hangingPunct="0">
-                <a:lnSpc>
-                  <a:spcPct val="100000"/>
-                </a:lnSpc>
-                <a:spcBef>
-                  <a:spcPts val="0"/>
-                </a:spcBef>
-                <a:spcAft>
-                  <a:spcPts val="0"/>
-                </a:spcAft>
-                <a:buClrTx/>
-                <a:buSzTx/>
-                <a:buFontTx/>
-                <a:buNone/>
-                <a:tabLst/>
-              </a:pPr>
-              <a:endParaRPr lang="ko-KR" altLang="en-US">
-                <a:sym typeface="Helvetica Neue Medium"/>
-              </a:endParaRPr>
-            </a:p>
-          </p:txBody>
-        </p:sp>
-        <p:sp>
-          <p:nvSpPr>
-            <p:cNvPr id="49" name="사각형: 둥근 모서리 48">
-              <a:extLst>
-                <a:ext uri="{FF2B5EF4-FFF2-40B4-BE49-F238E27FC236}">
-                  <a16:creationId xmlns:a16="http://schemas.microsoft.com/office/drawing/2014/main" id="{3A2367C5-0635-416E-B0E0-8F6A21B61025}"/>
-                </a:ext>
-              </a:extLst>
-            </p:cNvPr>
-            <p:cNvSpPr/>
-            <p:nvPr/>
-          </p:nvSpPr>
-          <p:spPr>
-            <a:xfrm rot="21347399" flipV="1">
-              <a:off x="21229548" y="6966976"/>
-              <a:ext cx="487763" cy="1103865"/>
-            </a:xfrm>
-            <a:prstGeom prst="roundRect">
-              <a:avLst>
-                <a:gd name="adj" fmla="val 50000"/>
-              </a:avLst>
-            </a:prstGeom>
-            <a:solidFill>
-              <a:srgbClr val="00A2FF">
-                <a:alpha val="61176"/>
-              </a:srgbClr>
-            </a:solidFill>
-            <a:ln w="12700" cap="flat">
-              <a:noFill/>
-              <a:miter lim="400000"/>
-            </a:ln>
-            <a:effectLst/>
-            <a:sp3d/>
-          </p:spPr>
-          <p:style>
-            <a:lnRef idx="0">
-              <a:scrgbClr r="0" g="0" b="0"/>
-            </a:lnRef>
-            <a:fillRef idx="0">
-              <a:scrgbClr r="0" g="0" b="0"/>
-            </a:fillRef>
-            <a:effectRef idx="0">
-              <a:scrgbClr r="0" g="0" b="0"/>
-            </a:effectRef>
-            <a:fontRef idx="none"/>
-          </p:style>
-          <p:txBody>
-            <a:bodyPr rot="0" spcFirstLastPara="1" vertOverflow="overflow" horzOverflow="overflow" vert="horz" wrap="square" lIns="71437" tIns="71437" rIns="71437" bIns="71437" numCol="1" spcCol="38100" rtlCol="0" anchor="ctr">
-              <a:spAutoFit/>
-            </a:bodyPr>
-            <a:lstStyle/>
-            <a:p>
-              <a:pPr marL="0" marR="0" indent="0" algn="ctr" defTabSz="821531" rtl="0" fontAlgn="auto" latinLnBrk="0" hangingPunct="0">
-                <a:lnSpc>
-                  <a:spcPct val="100000"/>
-                </a:lnSpc>
-                <a:spcBef>
-                  <a:spcPts val="0"/>
-                </a:spcBef>
-                <a:spcAft>
-                  <a:spcPts val="0"/>
-                </a:spcAft>
-                <a:buClrTx/>
-                <a:buSzTx/>
-                <a:buFontTx/>
-                <a:buNone/>
-                <a:tabLst/>
-              </a:pPr>
-              <a:endParaRPr lang="ko-KR" altLang="en-US">
-                <a:sym typeface="Helvetica Neue Medium"/>
-              </a:endParaRPr>
-            </a:p>
-          </p:txBody>
-        </p:sp>
-        <p:sp>
-          <p:nvSpPr>
-            <p:cNvPr id="50" name="사각형: 둥근 모서리 49">
-              <a:extLst>
-                <a:ext uri="{FF2B5EF4-FFF2-40B4-BE49-F238E27FC236}">
-                  <a16:creationId xmlns:a16="http://schemas.microsoft.com/office/drawing/2014/main" id="{39301C65-112C-4825-A68C-65133D1B242E}"/>
-                </a:ext>
-              </a:extLst>
-            </p:cNvPr>
-            <p:cNvSpPr/>
-            <p:nvPr/>
-          </p:nvSpPr>
-          <p:spPr>
-            <a:xfrm flipH="1" flipV="1">
-              <a:off x="21649055" y="7280302"/>
-              <a:ext cx="359312" cy="847824"/>
-            </a:xfrm>
-            <a:prstGeom prst="roundRect">
-              <a:avLst>
-                <a:gd name="adj" fmla="val 50000"/>
-              </a:avLst>
-            </a:prstGeom>
-            <a:solidFill>
-              <a:srgbClr val="00A2FF">
-                <a:alpha val="61176"/>
-              </a:srgbClr>
-            </a:solidFill>
-            <a:ln w="12700" cap="flat">
-              <a:noFill/>
-              <a:miter lim="400000"/>
-            </a:ln>
-            <a:effectLst/>
-            <a:sp3d/>
-          </p:spPr>
-          <p:style>
-            <a:lnRef idx="0">
-              <a:scrgbClr r="0" g="0" b="0"/>
-            </a:lnRef>
-            <a:fillRef idx="0">
-              <a:scrgbClr r="0" g="0" b="0"/>
-            </a:fillRef>
-            <a:effectRef idx="0">
-              <a:scrgbClr r="0" g="0" b="0"/>
-            </a:effectRef>
-            <a:fontRef idx="none"/>
-          </p:style>
-          <p:txBody>
-            <a:bodyPr rot="0" spcFirstLastPara="1" vertOverflow="overflow" horzOverflow="overflow" vert="horz" wrap="square" lIns="71437" tIns="71437" rIns="71437" bIns="71437" numCol="1" spcCol="38100" rtlCol="0" anchor="ctr">
-              <a:spAutoFit/>
-            </a:bodyPr>
-            <a:lstStyle/>
-            <a:p>
-              <a:pPr marL="0" marR="0" indent="0" algn="ctr" defTabSz="821531" rtl="0" fontAlgn="auto" latinLnBrk="0" hangingPunct="0">
-                <a:lnSpc>
-                  <a:spcPct val="100000"/>
-                </a:lnSpc>
-                <a:spcBef>
-                  <a:spcPts val="0"/>
-                </a:spcBef>
-                <a:spcAft>
-                  <a:spcPts val="0"/>
-                </a:spcAft>
-                <a:buClrTx/>
-                <a:buSzTx/>
-                <a:buFontTx/>
-                <a:buNone/>
-                <a:tabLst/>
-              </a:pPr>
-              <a:endParaRPr lang="ko-KR" altLang="en-US">
-                <a:sym typeface="Helvetica Neue Medium"/>
-              </a:endParaRPr>
-            </a:p>
-          </p:txBody>
-        </p:sp>
-        <p:sp>
-          <p:nvSpPr>
-            <p:cNvPr id="51" name="사각형: 둥근 모서리 50">
-              <a:extLst>
-                <a:ext uri="{FF2B5EF4-FFF2-40B4-BE49-F238E27FC236}">
-                  <a16:creationId xmlns:a16="http://schemas.microsoft.com/office/drawing/2014/main" id="{68C99796-6C16-46CB-85F0-59859F1BFFE4}"/>
-                </a:ext>
-              </a:extLst>
-            </p:cNvPr>
-            <p:cNvSpPr/>
-            <p:nvPr/>
-          </p:nvSpPr>
-          <p:spPr>
-            <a:xfrm flipH="1" flipV="1">
-              <a:off x="21523540" y="7598614"/>
-              <a:ext cx="731836" cy="762209"/>
-            </a:xfrm>
-            <a:prstGeom prst="roundRect">
-              <a:avLst>
-                <a:gd name="adj" fmla="val 38547"/>
-              </a:avLst>
-            </a:prstGeom>
-            <a:solidFill>
-              <a:srgbClr val="00A2FF">
-                <a:alpha val="61176"/>
-              </a:srgbClr>
-            </a:solidFill>
-            <a:ln w="12700" cap="flat">
-              <a:noFill/>
-              <a:miter lim="400000"/>
-            </a:ln>
-            <a:effectLst/>
-            <a:sp3d/>
-          </p:spPr>
-          <p:style>
-            <a:lnRef idx="0">
-              <a:scrgbClr r="0" g="0" b="0"/>
-            </a:lnRef>
-            <a:fillRef idx="0">
-              <a:scrgbClr r="0" g="0" b="0"/>
-            </a:fillRef>
-            <a:effectRef idx="0">
-              <a:scrgbClr r="0" g="0" b="0"/>
-            </a:effectRef>
-            <a:fontRef idx="none"/>
-          </p:style>
-          <p:txBody>
-            <a:bodyPr rot="0" spcFirstLastPara="1" vertOverflow="overflow" horzOverflow="overflow" vert="horz" wrap="square" lIns="71437" tIns="71437" rIns="71437" bIns="71437" numCol="1" spcCol="38100" rtlCol="0" anchor="ctr">
-              <a:spAutoFit/>
-            </a:bodyPr>
-            <a:lstStyle/>
-            <a:p>
-              <a:pPr marL="0" marR="0" indent="0" algn="ctr" defTabSz="821531" rtl="0" fontAlgn="auto" latinLnBrk="0" hangingPunct="0">
-                <a:lnSpc>
-                  <a:spcPct val="100000"/>
-                </a:lnSpc>
-                <a:spcBef>
-                  <a:spcPts val="0"/>
-                </a:spcBef>
-                <a:spcAft>
-                  <a:spcPts val="0"/>
-                </a:spcAft>
-                <a:buClrTx/>
-                <a:buSzTx/>
-                <a:buFontTx/>
-                <a:buNone/>
-                <a:tabLst/>
-              </a:pPr>
-              <a:endParaRPr lang="ko-KR" altLang="en-US">
-                <a:sym typeface="Helvetica Neue Medium"/>
-              </a:endParaRPr>
-            </a:p>
-          </p:txBody>
-        </p:sp>
-        <p:sp>
-          <p:nvSpPr>
-            <p:cNvPr id="52" name="사각형: 둥근 모서리 51">
-              <a:extLst>
-                <a:ext uri="{FF2B5EF4-FFF2-40B4-BE49-F238E27FC236}">
-                  <a16:creationId xmlns:a16="http://schemas.microsoft.com/office/drawing/2014/main" id="{9272E39A-EA38-4BE5-A2A8-524D1892814F}"/>
-                </a:ext>
-              </a:extLst>
-            </p:cNvPr>
-            <p:cNvSpPr/>
-            <p:nvPr/>
-          </p:nvSpPr>
-          <p:spPr>
-            <a:xfrm flipH="1" flipV="1">
-              <a:off x="21584934" y="8024463"/>
-              <a:ext cx="676890" cy="762209"/>
-            </a:xfrm>
-            <a:prstGeom prst="roundRect">
-              <a:avLst>
-                <a:gd name="adj" fmla="val 41670"/>
-              </a:avLst>
-            </a:prstGeom>
-            <a:solidFill>
-              <a:srgbClr val="00A2FF">
-                <a:alpha val="61176"/>
-              </a:srgbClr>
-            </a:solidFill>
-            <a:ln w="12700" cap="flat">
-              <a:noFill/>
-              <a:miter lim="400000"/>
-            </a:ln>
-            <a:effectLst/>
-            <a:sp3d/>
-          </p:spPr>
-          <p:style>
-            <a:lnRef idx="0">
-              <a:scrgbClr r="0" g="0" b="0"/>
-            </a:lnRef>
-            <a:fillRef idx="0">
-              <a:scrgbClr r="0" g="0" b="0"/>
-            </a:fillRef>
-            <a:effectRef idx="0">
-              <a:scrgbClr r="0" g="0" b="0"/>
-            </a:effectRef>
-            <a:fontRef idx="none"/>
-          </p:style>
-          <p:txBody>
-            <a:bodyPr rot="0" spcFirstLastPara="1" vertOverflow="overflow" horzOverflow="overflow" vert="horz" wrap="square" lIns="71437" tIns="71437" rIns="71437" bIns="71437" numCol="1" spcCol="38100" rtlCol="0" anchor="ctr">
-              <a:spAutoFit/>
-            </a:bodyPr>
-            <a:lstStyle/>
-            <a:p>
-              <a:pPr marL="0" marR="0" indent="0" algn="ctr" defTabSz="821531" rtl="0" fontAlgn="auto" latinLnBrk="0" hangingPunct="0">
-                <a:lnSpc>
-                  <a:spcPct val="100000"/>
-                </a:lnSpc>
-                <a:spcBef>
-                  <a:spcPts val="0"/>
-                </a:spcBef>
-                <a:spcAft>
-                  <a:spcPts val="0"/>
-                </a:spcAft>
-                <a:buClrTx/>
-                <a:buSzTx/>
-                <a:buFontTx/>
-                <a:buNone/>
-                <a:tabLst/>
-              </a:pPr>
-              <a:endParaRPr lang="ko-KR" altLang="en-US">
-                <a:sym typeface="Helvetica Neue Medium"/>
-              </a:endParaRPr>
-            </a:p>
-          </p:txBody>
-        </p:sp>
-        <p:sp>
-          <p:nvSpPr>
-            <p:cNvPr id="53" name="사각형: 둥근 모서리 52">
-              <a:extLst>
-                <a:ext uri="{FF2B5EF4-FFF2-40B4-BE49-F238E27FC236}">
-                  <a16:creationId xmlns:a16="http://schemas.microsoft.com/office/drawing/2014/main" id="{B00D57E0-CE5B-4725-AFFF-178260F2395F}"/>
-                </a:ext>
-              </a:extLst>
-            </p:cNvPr>
-            <p:cNvSpPr/>
-            <p:nvPr/>
-          </p:nvSpPr>
-          <p:spPr>
-            <a:xfrm rot="252601" flipH="1" flipV="1">
-              <a:off x="17121036" y="6966976"/>
-              <a:ext cx="487763" cy="1103865"/>
-            </a:xfrm>
-            <a:prstGeom prst="roundRect">
-              <a:avLst>
-                <a:gd name="adj" fmla="val 50000"/>
-              </a:avLst>
-            </a:prstGeom>
-            <a:solidFill>
-              <a:srgbClr val="00A2FF">
-                <a:alpha val="61176"/>
-              </a:srgbClr>
-            </a:solidFill>
-            <a:ln w="12700" cap="flat">
-              <a:noFill/>
-              <a:miter lim="400000"/>
-            </a:ln>
-            <a:effectLst/>
-            <a:sp3d/>
-          </p:spPr>
-          <p:style>
-            <a:lnRef idx="0">
-              <a:scrgbClr r="0" g="0" b="0"/>
-            </a:lnRef>
-            <a:fillRef idx="0">
-              <a:scrgbClr r="0" g="0" b="0"/>
-            </a:fillRef>
-            <a:effectRef idx="0">
-              <a:scrgbClr r="0" g="0" b="0"/>
-            </a:effectRef>
-            <a:fontRef idx="none"/>
-          </p:style>
-          <p:txBody>
-            <a:bodyPr rot="0" spcFirstLastPara="1" vertOverflow="overflow" horzOverflow="overflow" vert="horz" wrap="square" lIns="71437" tIns="71437" rIns="71437" bIns="71437" numCol="1" spcCol="38100" rtlCol="0" anchor="ctr">
-              <a:spAutoFit/>
-            </a:bodyPr>
-            <a:lstStyle/>
-            <a:p>
-              <a:pPr marL="0" marR="0" indent="0" algn="ctr" defTabSz="821531" rtl="0" fontAlgn="auto" latinLnBrk="0" hangingPunct="0">
-                <a:lnSpc>
-                  <a:spcPct val="100000"/>
-                </a:lnSpc>
-                <a:spcBef>
-                  <a:spcPts val="0"/>
-                </a:spcBef>
-                <a:spcAft>
-                  <a:spcPts val="0"/>
-                </a:spcAft>
-                <a:buClrTx/>
-                <a:buSzTx/>
-                <a:buFontTx/>
-                <a:buNone/>
-                <a:tabLst/>
-              </a:pPr>
-              <a:endParaRPr lang="ko-KR" altLang="en-US">
-                <a:sym typeface="Helvetica Neue Medium"/>
-              </a:endParaRPr>
-            </a:p>
-          </p:txBody>
-        </p:sp>
-        <p:sp>
-          <p:nvSpPr>
-            <p:cNvPr id="54" name="사각형: 둥근 모서리 53">
-              <a:extLst>
-                <a:ext uri="{FF2B5EF4-FFF2-40B4-BE49-F238E27FC236}">
-                  <a16:creationId xmlns:a16="http://schemas.microsoft.com/office/drawing/2014/main" id="{52D4E2A5-E141-4DD6-90A0-FF4AEDC1228E}"/>
-                </a:ext>
-              </a:extLst>
-            </p:cNvPr>
-            <p:cNvSpPr/>
-            <p:nvPr/>
-          </p:nvSpPr>
-          <p:spPr>
-            <a:xfrm flipV="1">
-              <a:off x="16863145" y="7280302"/>
-              <a:ext cx="359312" cy="847824"/>
-            </a:xfrm>
-            <a:prstGeom prst="roundRect">
-              <a:avLst>
-                <a:gd name="adj" fmla="val 50000"/>
-              </a:avLst>
-            </a:prstGeom>
-            <a:solidFill>
-              <a:srgbClr val="00A2FF">
-                <a:alpha val="61176"/>
-              </a:srgbClr>
-            </a:solidFill>
-            <a:ln w="12700" cap="flat">
-              <a:noFill/>
-              <a:miter lim="400000"/>
-            </a:ln>
-            <a:effectLst/>
-            <a:sp3d/>
-          </p:spPr>
-          <p:style>
-            <a:lnRef idx="0">
-              <a:scrgbClr r="0" g="0" b="0"/>
-            </a:lnRef>
-            <a:fillRef idx="0">
-              <a:scrgbClr r="0" g="0" b="0"/>
-            </a:fillRef>
-            <a:effectRef idx="0">
-              <a:scrgbClr r="0" g="0" b="0"/>
-            </a:effectRef>
-            <a:fontRef idx="none"/>
-          </p:style>
-          <p:txBody>
-            <a:bodyPr rot="0" spcFirstLastPara="1" vertOverflow="overflow" horzOverflow="overflow" vert="horz" wrap="square" lIns="71437" tIns="71437" rIns="71437" bIns="71437" numCol="1" spcCol="38100" rtlCol="0" anchor="ctr">
-              <a:spAutoFit/>
-            </a:bodyPr>
-            <a:lstStyle/>
-            <a:p>
-              <a:pPr marL="0" marR="0" indent="0" algn="ctr" defTabSz="821531" rtl="0" fontAlgn="auto" latinLnBrk="0" hangingPunct="0">
-                <a:lnSpc>
-                  <a:spcPct val="100000"/>
-                </a:lnSpc>
-                <a:spcBef>
-                  <a:spcPts val="0"/>
-                </a:spcBef>
-                <a:spcAft>
-                  <a:spcPts val="0"/>
-                </a:spcAft>
-                <a:buClrTx/>
-                <a:buSzTx/>
-                <a:buFontTx/>
-                <a:buNone/>
-                <a:tabLst/>
-              </a:pPr>
-              <a:endParaRPr lang="ko-KR" altLang="en-US">
-                <a:sym typeface="Helvetica Neue Medium"/>
-              </a:endParaRPr>
-            </a:p>
-          </p:txBody>
-        </p:sp>
-        <p:sp>
-          <p:nvSpPr>
-            <p:cNvPr id="55" name="사각형: 둥근 모서리 54">
-              <a:extLst>
-                <a:ext uri="{FF2B5EF4-FFF2-40B4-BE49-F238E27FC236}">
-                  <a16:creationId xmlns:a16="http://schemas.microsoft.com/office/drawing/2014/main" id="{6241773A-6CC3-4B46-BF0F-2D0DA141A715}"/>
-                </a:ext>
-              </a:extLst>
-            </p:cNvPr>
-            <p:cNvSpPr/>
-            <p:nvPr/>
-          </p:nvSpPr>
-          <p:spPr>
-            <a:xfrm flipH="1" flipV="1">
-              <a:off x="16623513" y="7598614"/>
-              <a:ext cx="731836" cy="762209"/>
-            </a:xfrm>
-            <a:prstGeom prst="roundRect">
-              <a:avLst>
-                <a:gd name="adj" fmla="val 38547"/>
-              </a:avLst>
-            </a:prstGeom>
-            <a:solidFill>
-              <a:srgbClr val="00A2FF">
-                <a:alpha val="61176"/>
-              </a:srgbClr>
-            </a:solidFill>
-            <a:ln w="12700" cap="flat">
-              <a:noFill/>
-              <a:miter lim="400000"/>
-            </a:ln>
-            <a:effectLst/>
-            <a:sp3d/>
-          </p:spPr>
-          <p:style>
-            <a:lnRef idx="0">
-              <a:scrgbClr r="0" g="0" b="0"/>
-            </a:lnRef>
-            <a:fillRef idx="0">
-              <a:scrgbClr r="0" g="0" b="0"/>
-            </a:fillRef>
-            <a:effectRef idx="0">
-              <a:scrgbClr r="0" g="0" b="0"/>
-            </a:effectRef>
-            <a:fontRef idx="none"/>
-          </p:style>
-          <p:txBody>
-            <a:bodyPr rot="0" spcFirstLastPara="1" vertOverflow="overflow" horzOverflow="overflow" vert="horz" wrap="square" lIns="71437" tIns="71437" rIns="71437" bIns="71437" numCol="1" spcCol="38100" rtlCol="0" anchor="ctr">
-              <a:spAutoFit/>
-            </a:bodyPr>
-            <a:lstStyle/>
-            <a:p>
-              <a:pPr marL="0" marR="0" indent="0" algn="ctr" defTabSz="821531" rtl="0" fontAlgn="auto" latinLnBrk="0" hangingPunct="0">
-                <a:lnSpc>
-                  <a:spcPct val="100000"/>
-                </a:lnSpc>
-                <a:spcBef>
-                  <a:spcPts val="0"/>
-                </a:spcBef>
-                <a:spcAft>
-                  <a:spcPts val="0"/>
-                </a:spcAft>
-                <a:buClrTx/>
-                <a:buSzTx/>
-                <a:buFontTx/>
-                <a:buNone/>
-                <a:tabLst/>
-              </a:pPr>
-              <a:endParaRPr lang="ko-KR" altLang="en-US">
-                <a:sym typeface="Helvetica Neue Medium"/>
-              </a:endParaRPr>
-            </a:p>
-          </p:txBody>
-        </p:sp>
-        <p:sp>
-          <p:nvSpPr>
-            <p:cNvPr id="56" name="사각형: 둥근 모서리 55">
-              <a:extLst>
-                <a:ext uri="{FF2B5EF4-FFF2-40B4-BE49-F238E27FC236}">
-                  <a16:creationId xmlns:a16="http://schemas.microsoft.com/office/drawing/2014/main" id="{C44562EA-AAE6-43C7-914B-7330481B2478}"/>
-                </a:ext>
-              </a:extLst>
-            </p:cNvPr>
-            <p:cNvSpPr/>
-            <p:nvPr/>
-          </p:nvSpPr>
-          <p:spPr>
-            <a:xfrm flipH="1" flipV="1">
-              <a:off x="16650986" y="8024463"/>
-              <a:ext cx="676890" cy="762209"/>
-            </a:xfrm>
-            <a:prstGeom prst="roundRect">
-              <a:avLst>
-                <a:gd name="adj" fmla="val 41670"/>
-              </a:avLst>
-            </a:prstGeom>
-            <a:solidFill>
-              <a:srgbClr val="00A2FF">
-                <a:alpha val="61176"/>
-              </a:srgbClr>
-            </a:solidFill>
-            <a:ln w="12700" cap="flat">
-              <a:noFill/>
-              <a:miter lim="400000"/>
-            </a:ln>
-            <a:effectLst/>
-            <a:sp3d/>
-          </p:spPr>
-          <p:style>
-            <a:lnRef idx="0">
-              <a:scrgbClr r="0" g="0" b="0"/>
-            </a:lnRef>
-            <a:fillRef idx="0">
-              <a:scrgbClr r="0" g="0" b="0"/>
-            </a:fillRef>
-            <a:effectRef idx="0">
-              <a:scrgbClr r="0" g="0" b="0"/>
-            </a:effectRef>
-            <a:fontRef idx="none"/>
-          </p:style>
-          <p:txBody>
-            <a:bodyPr rot="0" spcFirstLastPara="1" vertOverflow="overflow" horzOverflow="overflow" vert="horz" wrap="square" lIns="71437" tIns="71437" rIns="71437" bIns="71437" numCol="1" spcCol="38100" rtlCol="0" anchor="ctr">
-              <a:spAutoFit/>
-            </a:bodyPr>
-            <a:lstStyle/>
-            <a:p>
-              <a:pPr marL="0" marR="0" indent="0" algn="ctr" defTabSz="821531" rtl="0" fontAlgn="auto" latinLnBrk="0" hangingPunct="0">
-                <a:lnSpc>
-                  <a:spcPct val="100000"/>
-                </a:lnSpc>
-                <a:spcBef>
-                  <a:spcPts val="0"/>
-                </a:spcBef>
-                <a:spcAft>
-                  <a:spcPts val="0"/>
-                </a:spcAft>
-                <a:buClrTx/>
-                <a:buSzTx/>
-                <a:buFontTx/>
-                <a:buNone/>
-                <a:tabLst/>
-              </a:pPr>
-              <a:endParaRPr lang="ko-KR" altLang="en-US">
-                <a:sym typeface="Helvetica Neue Medium"/>
-              </a:endParaRPr>
-            </a:p>
-          </p:txBody>
-        </p:sp>
-      </p:grpSp>
+      </p:pic>
     </p:spTree>
     <p:extLst>
       <p:ext uri="{BB962C8B-B14F-4D97-AF65-F5344CB8AC3E}">
@@ -10596,68 +6923,12 @@
           <a:chExt cx="0" cy="0"/>
         </a:xfrm>
       </p:grpSpPr>
-      <p:pic>
-        <p:nvPicPr>
-          <p:cNvPr id="167" name="스크린샷 2018-07-13 오전 1.07.53.png" descr="스크린샷 2018-07-13 오전 1.07.53.png"/>
-          <p:cNvPicPr>
-            <a:picLocks noChangeAspect="1"/>
-          </p:cNvPicPr>
-          <p:nvPr/>
-        </p:nvPicPr>
-        <p:blipFill>
-          <a:blip r:embed="rId2">
-            <a:extLst/>
-          </a:blip>
-          <a:stretch>
-            <a:fillRect/>
-          </a:stretch>
-        </p:blipFill>
-        <p:spPr>
-          <a:xfrm>
-            <a:off x="1465004" y="2391467"/>
-            <a:ext cx="6676673" cy="11571124"/>
-          </a:xfrm>
-          <a:prstGeom prst="rect">
-            <a:avLst/>
-          </a:prstGeom>
-          <a:ln w="12700">
-            <a:miter lim="400000"/>
-          </a:ln>
-        </p:spPr>
-      </p:pic>
       <p:sp>
         <p:nvSpPr>
-          <p:cNvPr id="165" name="양치 모니터링"/>
-          <p:cNvSpPr txBox="1">
-            <a:spLocks noGrp="1"/>
-          </p:cNvSpPr>
-          <p:nvPr>
-            <p:ph type="title"/>
-          </p:nvPr>
-        </p:nvSpPr>
-        <p:spPr>
-          <a:prstGeom prst="rect">
-            <a:avLst/>
-          </a:prstGeom>
-        </p:spPr>
-        <p:txBody>
-          <a:bodyPr/>
-          <a:lstStyle/>
-          <a:p>
-            <a:r>
-              <a:rPr lang="ko-KR" altLang="en-US" dirty="0"/>
-              <a:t>캘린더 페이지</a:t>
-            </a:r>
-            <a:endParaRPr dirty="0"/>
-          </a:p>
-        </p:txBody>
-      </p:sp>
-      <p:sp>
-        <p:nvSpPr>
-          <p:cNvPr id="9" name="직사각형 8">
+          <p:cNvPr id="26" name="직사각형 25">
             <a:extLst>
               <a:ext uri="{FF2B5EF4-FFF2-40B4-BE49-F238E27FC236}">
-                <a16:creationId xmlns:a16="http://schemas.microsoft.com/office/drawing/2014/main" id="{97C66932-5BE6-457C-9C72-277FBC8099D3}"/>
+                <a16:creationId xmlns:a16="http://schemas.microsoft.com/office/drawing/2014/main" id="{1ABCF8B9-6197-4903-8E44-7DF6EC4BF85B}"/>
               </a:ext>
             </a:extLst>
           </p:cNvPr>
@@ -10666,14 +6937,14 @@
         </p:nvSpPr>
         <p:spPr>
           <a:xfrm>
-            <a:off x="5615350" y="11069558"/>
-            <a:ext cx="1363947" cy="650630"/>
+            <a:off x="9704196" y="9157295"/>
+            <a:ext cx="1026367" cy="1026367"/>
           </a:xfrm>
           <a:prstGeom prst="rect">
             <a:avLst/>
           </a:prstGeom>
           <a:solidFill>
-            <a:srgbClr val="93E5D7"/>
+            <a:srgbClr val="C7F2E8"/>
           </a:solidFill>
           <a:ln w="12700" cap="flat">
             <a:noFill/>
@@ -10717,7 +6988,7 @@
               <a:tabLst/>
             </a:pPr>
             <a:r>
-              <a:rPr kumimoji="0" lang="ko-KR" altLang="en-US" sz="2300" i="0" u="none" strike="noStrike" cap="none" spc="0" normalizeH="0" baseline="0" dirty="0">
+              <a:rPr kumimoji="0" lang="en-US" altLang="ko-KR" sz="4000" b="0" i="0" u="none" strike="noStrike" cap="none" spc="0" normalizeH="0" baseline="0" dirty="0">
                 <a:ln>
                   <a:noFill/>
                 </a:ln>
@@ -10731,17 +7002,31 @@
                 <a:cs typeface="+mn-cs"/>
                 <a:sym typeface="Helvetica Neue Medium"/>
               </a:rPr>
-              <a:t>캘린더</a:t>
-            </a:r>
+              <a:t>3</a:t>
+            </a:r>
+            <a:endParaRPr kumimoji="0" lang="ko-KR" altLang="en-US" sz="4000" b="0" i="0" u="none" strike="noStrike" cap="none" spc="0" normalizeH="0" baseline="0" dirty="0">
+              <a:ln>
+                <a:noFill/>
+              </a:ln>
+              <a:solidFill>
+                <a:schemeClr val="tx1"/>
+              </a:solidFill>
+              <a:effectLst/>
+              <a:uFillTx/>
+              <a:latin typeface="나눔스퀘어" panose="020B0600000101010101" pitchFamily="50" charset="-127"/>
+              <a:ea typeface="나눔스퀘어" panose="020B0600000101010101" pitchFamily="50" charset="-127"/>
+              <a:cs typeface="+mn-cs"/>
+              <a:sym typeface="Helvetica Neue Medium"/>
+            </a:endParaRPr>
           </a:p>
         </p:txBody>
       </p:sp>
       <p:sp>
         <p:nvSpPr>
-          <p:cNvPr id="28" name="직사각형 27">
+          <p:cNvPr id="27" name="직사각형 26">
             <a:extLst>
               <a:ext uri="{FF2B5EF4-FFF2-40B4-BE49-F238E27FC236}">
-                <a16:creationId xmlns:a16="http://schemas.microsoft.com/office/drawing/2014/main" id="{DF738EB2-25C9-422D-A558-748C1E89D52A}"/>
+                <a16:creationId xmlns:a16="http://schemas.microsoft.com/office/drawing/2014/main" id="{34CB1F59-DB7A-410B-A2BA-58A32AA4977F}"/>
               </a:ext>
             </a:extLst>
           </p:cNvPr>
@@ -10750,14 +7035,14 @@
         </p:nvSpPr>
         <p:spPr>
           <a:xfrm>
-            <a:off x="2632900" y="11069558"/>
-            <a:ext cx="1500556" cy="650630"/>
+            <a:off x="11184653" y="9162668"/>
+            <a:ext cx="10800000" cy="1026367"/>
           </a:xfrm>
           <a:prstGeom prst="rect">
             <a:avLst/>
           </a:prstGeom>
           <a:solidFill>
-            <a:srgbClr val="93E5D7"/>
+            <a:srgbClr val="C7F2E8"/>
           </a:solidFill>
           <a:ln w="12700" cap="flat">
             <a:noFill/>
@@ -10784,50 +7069,45 @@
           </a:bodyPr>
           <a:lstStyle/>
           <a:p>
-            <a:pPr marL="0" marR="0" indent="0" algn="ctr" defTabSz="821531" rtl="0" fontAlgn="auto" latinLnBrk="0" hangingPunct="0">
-              <a:lnSpc>
-                <a:spcPct val="100000"/>
-              </a:lnSpc>
-              <a:spcBef>
-                <a:spcPts val="0"/>
-              </a:spcBef>
-              <a:spcAft>
-                <a:spcPts val="0"/>
-              </a:spcAft>
-              <a:buClrTx/>
-              <a:buSzTx/>
-              <a:buFontTx/>
-              <a:buNone/>
-              <a:tabLst/>
-            </a:pPr>
-            <a:r>
-              <a:rPr kumimoji="0" lang="ko-KR" altLang="en-US" sz="2300" b="0" i="0" u="none" strike="noStrike" cap="none" spc="0" normalizeH="0" baseline="0" dirty="0">
-                <a:ln>
-                  <a:noFill/>
-                </a:ln>
+            <a:r>
+              <a:rPr lang="ko-KR" altLang="en-US" sz="4000" b="0" dirty="0">
                 <a:solidFill>
-                  <a:schemeClr val="bg1">
-                    <a:lumMod val="50000"/>
-                  </a:schemeClr>
+                  <a:schemeClr val="tx1"/>
                 </a:solidFill>
-                <a:effectLst/>
-                <a:uFillTx/>
                 <a:latin typeface="나눔스퀘어" panose="020B0600000101010101" pitchFamily="50" charset="-127"/>
                 <a:ea typeface="나눔스퀘어" panose="020B0600000101010101" pitchFamily="50" charset="-127"/>
-                <a:cs typeface="+mn-cs"/>
                 <a:sym typeface="Helvetica Neue Medium"/>
               </a:rPr>
-              <a:t>습관분석</a:t>
-            </a:r>
+              <a:t>해당 일의 치아 점수 또한 기록해 준다</a:t>
+            </a:r>
+            <a:r>
+              <a:rPr lang="en-US" altLang="ko-KR" sz="4000" b="0" dirty="0">
+                <a:solidFill>
+                  <a:schemeClr val="tx1"/>
+                </a:solidFill>
+                <a:latin typeface="나눔스퀘어" panose="020B0600000101010101" pitchFamily="50" charset="-127"/>
+                <a:ea typeface="나눔스퀘어" panose="020B0600000101010101" pitchFamily="50" charset="-127"/>
+                <a:sym typeface="Helvetica Neue Medium"/>
+              </a:rPr>
+              <a:t>.</a:t>
+            </a:r>
+            <a:endParaRPr lang="ko-KR" altLang="en-US" sz="4000" b="0" dirty="0">
+              <a:solidFill>
+                <a:schemeClr val="tx1"/>
+              </a:solidFill>
+              <a:latin typeface="나눔스퀘어" panose="020B0600000101010101" pitchFamily="50" charset="-127"/>
+              <a:ea typeface="나눔스퀘어" panose="020B0600000101010101" pitchFamily="50" charset="-127"/>
+              <a:sym typeface="Helvetica Neue Medium"/>
+            </a:endParaRPr>
           </a:p>
         </p:txBody>
       </p:sp>
       <p:sp>
         <p:nvSpPr>
-          <p:cNvPr id="30" name="직사각형 29">
+          <p:cNvPr id="29" name="직사각형 28">
             <a:extLst>
               <a:ext uri="{FF2B5EF4-FFF2-40B4-BE49-F238E27FC236}">
-                <a16:creationId xmlns:a16="http://schemas.microsoft.com/office/drawing/2014/main" id="{1F2C2400-3B91-4AAC-9E8E-5CFDAC821EF7}"/>
+                <a16:creationId xmlns:a16="http://schemas.microsoft.com/office/drawing/2014/main" id="{793D50E2-910C-4F24-A340-73373BD09E9F}"/>
               </a:ext>
             </a:extLst>
           </p:cNvPr>
@@ -10836,14 +7116,14 @@
         </p:nvSpPr>
         <p:spPr>
           <a:xfrm>
-            <a:off x="10748865" y="5262471"/>
+            <a:off x="9701086" y="5258795"/>
             <a:ext cx="1026367" cy="1026367"/>
           </a:xfrm>
           <a:prstGeom prst="rect">
             <a:avLst/>
           </a:prstGeom>
           <a:solidFill>
-            <a:srgbClr val="93E5D7"/>
+            <a:srgbClr val="C7F2E8"/>
           </a:solidFill>
           <a:ln w="12700" cap="flat">
             <a:noFill/>
@@ -10887,7 +7167,7 @@
               <a:tabLst/>
             </a:pPr>
             <a:r>
-              <a:rPr kumimoji="0" lang="en-US" altLang="ko-KR" sz="3000" b="0" i="0" u="none" strike="noStrike" cap="none" spc="0" normalizeH="0" baseline="0" dirty="0">
+              <a:rPr kumimoji="0" lang="en-US" altLang="ko-KR" sz="4000" b="0" i="0" u="none" strike="noStrike" cap="none" spc="0" normalizeH="0" baseline="0" dirty="0">
                 <a:ln>
                   <a:noFill/>
                 </a:ln>
@@ -10903,7 +7183,7 @@
               </a:rPr>
               <a:t>1</a:t>
             </a:r>
-            <a:endParaRPr kumimoji="0" lang="ko-KR" altLang="en-US" sz="3000" b="0" i="0" u="none" strike="noStrike" cap="none" spc="0" normalizeH="0" baseline="0" dirty="0">
+            <a:endParaRPr kumimoji="0" lang="ko-KR" altLang="en-US" sz="4000" b="0" i="0" u="none" strike="noStrike" cap="none" spc="0" normalizeH="0" baseline="0" dirty="0">
               <a:ln>
                 <a:noFill/>
               </a:ln>
@@ -10922,10 +7202,10 @@
       </p:sp>
       <p:sp>
         <p:nvSpPr>
-          <p:cNvPr id="31" name="직사각형 30">
+          <p:cNvPr id="36" name="직사각형 35">
             <a:extLst>
               <a:ext uri="{FF2B5EF4-FFF2-40B4-BE49-F238E27FC236}">
-                <a16:creationId xmlns:a16="http://schemas.microsoft.com/office/drawing/2014/main" id="{53948221-E175-4B6E-A674-637775EC8F8A}"/>
+                <a16:creationId xmlns:a16="http://schemas.microsoft.com/office/drawing/2014/main" id="{88D7C82F-C5D2-443B-BCD2-4971D8650AF9}"/>
               </a:ext>
             </a:extLst>
           </p:cNvPr>
@@ -10934,14 +7214,14 @@
         </p:nvSpPr>
         <p:spPr>
           <a:xfrm>
-            <a:off x="12229322" y="5267844"/>
-            <a:ext cx="7673920" cy="1026367"/>
+            <a:off x="11181543" y="5264168"/>
+            <a:ext cx="10800000" cy="1026367"/>
           </a:xfrm>
           <a:prstGeom prst="rect">
             <a:avLst/>
           </a:prstGeom>
           <a:solidFill>
-            <a:srgbClr val="93E5D7"/>
+            <a:srgbClr val="C7F2E8"/>
           </a:solidFill>
           <a:ln w="12700" cap="flat">
             <a:noFill/>
@@ -10968,58 +7248,34 @@
           </a:bodyPr>
           <a:lstStyle/>
           <a:p>
-            <a:pPr marL="0" marR="0" indent="0" algn="ctr" defTabSz="821531" rtl="0" fontAlgn="auto" latinLnBrk="0" hangingPunct="0">
-              <a:lnSpc>
-                <a:spcPct val="100000"/>
-              </a:lnSpc>
-              <a:spcBef>
-                <a:spcPts val="0"/>
-              </a:spcBef>
-              <a:spcAft>
-                <a:spcPts val="0"/>
-              </a:spcAft>
-              <a:buClrTx/>
-              <a:buSzTx/>
-              <a:buFontTx/>
-              <a:buNone/>
-              <a:tabLst/>
-            </a:pPr>
-            <a:r>
-              <a:rPr lang="ko-KR" altLang="en-US" sz="2500" b="0" dirty="0">
+            <a:r>
+              <a:rPr lang="ko-KR" altLang="en-US" sz="4000" b="0" dirty="0">
                 <a:solidFill>
                   <a:schemeClr val="tx1"/>
                 </a:solidFill>
                 <a:latin typeface="나눔스퀘어" panose="020B0600000101010101" pitchFamily="50" charset="-127"/>
                 <a:ea typeface="나눔스퀘어" panose="020B0600000101010101" pitchFamily="50" charset="-127"/>
-                <a:cs typeface="+mn-cs"/>
                 <a:sym typeface="Helvetica Neue Medium"/>
               </a:rPr>
               <a:t>한 달의 치아 달력을 한눈으로 알아볼 수 있다</a:t>
             </a:r>
             <a:r>
-              <a:rPr lang="en-US" altLang="ko-KR" sz="2500" b="0" dirty="0">
+              <a:rPr lang="en-US" altLang="ko-KR" sz="4000" b="0" dirty="0">
                 <a:solidFill>
                   <a:schemeClr val="tx1"/>
                 </a:solidFill>
                 <a:latin typeface="나눔스퀘어" panose="020B0600000101010101" pitchFamily="50" charset="-127"/>
                 <a:ea typeface="나눔스퀘어" panose="020B0600000101010101" pitchFamily="50" charset="-127"/>
-                <a:cs typeface="+mn-cs"/>
                 <a:sym typeface="Helvetica Neue Medium"/>
               </a:rPr>
               <a:t>.</a:t>
             </a:r>
-            <a:endParaRPr kumimoji="0" lang="ko-KR" altLang="en-US" sz="2500" b="0" i="0" u="none" strike="noStrike" cap="none" spc="0" normalizeH="0" baseline="0" dirty="0">
-              <a:ln>
-                <a:noFill/>
-              </a:ln>
+            <a:endParaRPr lang="ko-KR" altLang="en-US" sz="4000" b="0" dirty="0">
               <a:solidFill>
                 <a:schemeClr val="tx1"/>
               </a:solidFill>
-              <a:effectLst/>
-              <a:uFillTx/>
               <a:latin typeface="나눔스퀘어" panose="020B0600000101010101" pitchFamily="50" charset="-127"/>
               <a:ea typeface="나눔스퀘어" panose="020B0600000101010101" pitchFamily="50" charset="-127"/>
-              <a:cs typeface="+mn-cs"/>
               <a:sym typeface="Helvetica Neue Medium"/>
             </a:endParaRPr>
           </a:p>
@@ -11027,10 +7283,10 @@
       </p:sp>
       <p:sp>
         <p:nvSpPr>
-          <p:cNvPr id="32" name="직사각형 31">
+          <p:cNvPr id="37" name="직사각형 36">
             <a:extLst>
               <a:ext uri="{FF2B5EF4-FFF2-40B4-BE49-F238E27FC236}">
-                <a16:creationId xmlns:a16="http://schemas.microsoft.com/office/drawing/2014/main" id="{D09B633D-4C55-402A-8F0A-A418C88FCFC6}"/>
+                <a16:creationId xmlns:a16="http://schemas.microsoft.com/office/drawing/2014/main" id="{48F84324-B25B-487D-9442-C7FB1F6A44A1}"/>
               </a:ext>
             </a:extLst>
           </p:cNvPr>
@@ -11039,14 +7295,14 @@
         </p:nvSpPr>
         <p:spPr>
           <a:xfrm>
-            <a:off x="10751975" y="7206347"/>
+            <a:off x="9704196" y="7202671"/>
             <a:ext cx="1026367" cy="1026367"/>
           </a:xfrm>
           <a:prstGeom prst="rect">
             <a:avLst/>
           </a:prstGeom>
           <a:solidFill>
-            <a:srgbClr val="93E5D7"/>
+            <a:srgbClr val="C7F2E8"/>
           </a:solidFill>
           <a:ln w="12700" cap="flat">
             <a:noFill/>
@@ -11090,7 +7346,7 @@
               <a:tabLst/>
             </a:pPr>
             <a:r>
-              <a:rPr lang="en-US" altLang="ko-KR" sz="3000" b="0" dirty="0">
+              <a:rPr lang="en-US" altLang="ko-KR" sz="4000" b="0" dirty="0">
                 <a:solidFill>
                   <a:schemeClr val="tx1"/>
                 </a:solidFill>
@@ -11101,7 +7357,7 @@
               </a:rPr>
               <a:t>2</a:t>
             </a:r>
-            <a:endParaRPr kumimoji="0" lang="ko-KR" altLang="en-US" sz="3000" b="0" i="0" u="none" strike="noStrike" cap="none" spc="0" normalizeH="0" baseline="0" dirty="0">
+            <a:endParaRPr kumimoji="0" lang="ko-KR" altLang="en-US" sz="4000" b="0" i="0" u="none" strike="noStrike" cap="none" spc="0" normalizeH="0" baseline="0" dirty="0">
               <a:ln>
                 <a:noFill/>
               </a:ln>
@@ -11120,10 +7376,10 @@
       </p:sp>
       <p:sp>
         <p:nvSpPr>
-          <p:cNvPr id="33" name="직사각형 32">
+          <p:cNvPr id="38" name="직사각형 37">
             <a:extLst>
               <a:ext uri="{FF2B5EF4-FFF2-40B4-BE49-F238E27FC236}">
-                <a16:creationId xmlns:a16="http://schemas.microsoft.com/office/drawing/2014/main" id="{8D4DEEC5-0076-4FEC-B968-0674CF99E5A4}"/>
+                <a16:creationId xmlns:a16="http://schemas.microsoft.com/office/drawing/2014/main" id="{5F4C2132-ADEF-4B5D-8890-DE951F8A6793}"/>
               </a:ext>
             </a:extLst>
           </p:cNvPr>
@@ -11132,14 +7388,14 @@
         </p:nvSpPr>
         <p:spPr>
           <a:xfrm>
-            <a:off x="12232432" y="7211720"/>
-            <a:ext cx="7673920" cy="1026367"/>
+            <a:off x="11184653" y="7208044"/>
+            <a:ext cx="10800000" cy="1026367"/>
           </a:xfrm>
           <a:prstGeom prst="rect">
             <a:avLst/>
           </a:prstGeom>
           <a:solidFill>
-            <a:srgbClr val="93E5D7"/>
+            <a:srgbClr val="C7F2E8"/>
           </a:solidFill>
           <a:ln w="12700" cap="flat">
             <a:noFill/>
@@ -11166,634 +7422,72 @@
           </a:bodyPr>
           <a:lstStyle/>
           <a:p>
-            <a:pPr marL="0" marR="0" indent="0" algn="ctr" defTabSz="821531" rtl="0" fontAlgn="auto" latinLnBrk="0" hangingPunct="0">
-              <a:lnSpc>
-                <a:spcPct val="100000"/>
-              </a:lnSpc>
-              <a:spcBef>
-                <a:spcPts val="0"/>
-              </a:spcBef>
-              <a:spcAft>
-                <a:spcPts val="0"/>
-              </a:spcAft>
-              <a:buClrTx/>
-              <a:buSzTx/>
-              <a:buFontTx/>
-              <a:buNone/>
-              <a:tabLst/>
-            </a:pPr>
-            <a:r>
-              <a:rPr kumimoji="0" lang="ko-KR" altLang="en-US" sz="3000" b="0" i="0" u="none" strike="noStrike" cap="none" spc="0" normalizeH="0" baseline="0" dirty="0">
-                <a:ln>
-                  <a:noFill/>
-                </a:ln>
-                <a:solidFill>
-                  <a:schemeClr val="tx1"/>
-                </a:solidFill>
-                <a:effectLst/>
-                <a:uFillTx/>
-                <a:latin typeface="나눔스퀘어" panose="020B0600000101010101" pitchFamily="50" charset="-127"/>
-                <a:ea typeface="나눔스퀘어" panose="020B0600000101010101" pitchFamily="50" charset="-127"/>
-                <a:cs typeface="+mn-cs"/>
-                <a:sym typeface="Helvetica Neue Medium"/>
-              </a:rPr>
-              <a:t>하루에 양치 한 횟수만큼 아치를 넣어준다</a:t>
-            </a:r>
-            <a:r>
-              <a:rPr kumimoji="0" lang="en-US" altLang="ko-KR" sz="3000" b="0" i="0" u="none" strike="noStrike" cap="none" spc="0" normalizeH="0" baseline="0" dirty="0">
-                <a:ln>
-                  <a:noFill/>
-                </a:ln>
-                <a:solidFill>
-                  <a:schemeClr val="tx1"/>
-                </a:solidFill>
-                <a:effectLst/>
-                <a:uFillTx/>
-                <a:latin typeface="나눔스퀘어" panose="020B0600000101010101" pitchFamily="50" charset="-127"/>
-                <a:ea typeface="나눔스퀘어" panose="020B0600000101010101" pitchFamily="50" charset="-127"/>
-                <a:cs typeface="+mn-cs"/>
-                <a:sym typeface="Helvetica Neue Medium"/>
-              </a:rPr>
-              <a:t>.</a:t>
-            </a:r>
-            <a:endParaRPr kumimoji="0" lang="ko-KR" altLang="en-US" sz="3000" b="0" i="0" u="none" strike="noStrike" cap="none" spc="0" normalizeH="0" baseline="0" dirty="0">
-              <a:ln>
-                <a:noFill/>
-              </a:ln>
-              <a:solidFill>
-                <a:schemeClr val="tx1"/>
-              </a:solidFill>
-              <a:effectLst/>
-              <a:uFillTx/>
-              <a:latin typeface="나눔스퀘어" panose="020B0600000101010101" pitchFamily="50" charset="-127"/>
-              <a:ea typeface="나눔스퀘어" panose="020B0600000101010101" pitchFamily="50" charset="-127"/>
-              <a:cs typeface="+mn-cs"/>
-              <a:sym typeface="Helvetica Neue Medium"/>
-            </a:endParaRPr>
-          </a:p>
-        </p:txBody>
-      </p:sp>
-      <p:sp>
-        <p:nvSpPr>
-          <p:cNvPr id="34" name="직사각형 33">
-            <a:extLst>
-              <a:ext uri="{FF2B5EF4-FFF2-40B4-BE49-F238E27FC236}">
-                <a16:creationId xmlns:a16="http://schemas.microsoft.com/office/drawing/2014/main" id="{F00CD4F7-3E5C-4978-BE57-27BC7EF392F2}"/>
-              </a:ext>
-            </a:extLst>
-          </p:cNvPr>
-          <p:cNvSpPr/>
-          <p:nvPr/>
-        </p:nvSpPr>
-        <p:spPr>
-          <a:xfrm>
-            <a:off x="10748865" y="9162668"/>
-            <a:ext cx="1026367" cy="1026367"/>
-          </a:xfrm>
-          <a:prstGeom prst="rect">
-            <a:avLst/>
-          </a:prstGeom>
-          <a:solidFill>
-            <a:srgbClr val="93E5D7"/>
-          </a:solidFill>
-          <a:ln w="12700" cap="flat">
-            <a:noFill/>
-            <a:miter lim="400000"/>
-          </a:ln>
-          <a:effectLst/>
-          <a:sp3d/>
-        </p:spPr>
-        <p:style>
-          <a:lnRef idx="0">
-            <a:scrgbClr r="0" g="0" b="0"/>
-          </a:lnRef>
-          <a:fillRef idx="0">
-            <a:scrgbClr r="0" g="0" b="0"/>
-          </a:fillRef>
-          <a:effectRef idx="0">
-            <a:scrgbClr r="0" g="0" b="0"/>
-          </a:effectRef>
-          <a:fontRef idx="none"/>
-        </p:style>
-        <p:txBody>
-          <a:bodyPr rot="0" spcFirstLastPara="1" vertOverflow="overflow" horzOverflow="overflow" vert="horz" wrap="square" lIns="71437" tIns="71437" rIns="71437" bIns="71437" numCol="1" spcCol="38100" rtlCol="0" anchor="ctr">
-            <a:noAutofit/>
-          </a:bodyPr>
-          <a:lstStyle/>
-          <a:p>
-            <a:pPr marL="0" marR="0" indent="0" algn="ctr" defTabSz="821531" rtl="0" fontAlgn="auto" latinLnBrk="0" hangingPunct="0">
-              <a:lnSpc>
-                <a:spcPct val="100000"/>
-              </a:lnSpc>
-              <a:spcBef>
-                <a:spcPts val="0"/>
-              </a:spcBef>
-              <a:spcAft>
-                <a:spcPts val="0"/>
-              </a:spcAft>
-              <a:buClrTx/>
-              <a:buSzTx/>
-              <a:buFontTx/>
-              <a:buNone/>
-              <a:tabLst/>
-            </a:pPr>
-            <a:r>
-              <a:rPr kumimoji="0" lang="en-US" altLang="ko-KR" sz="3000" b="0" i="0" u="none" strike="noStrike" cap="none" spc="0" normalizeH="0" baseline="0" dirty="0">
-                <a:ln>
-                  <a:noFill/>
-                </a:ln>
-                <a:solidFill>
-                  <a:schemeClr val="tx1"/>
-                </a:solidFill>
-                <a:effectLst/>
-                <a:uFillTx/>
-                <a:latin typeface="나눔스퀘어" panose="020B0600000101010101" pitchFamily="50" charset="-127"/>
-                <a:ea typeface="나눔스퀘어" panose="020B0600000101010101" pitchFamily="50" charset="-127"/>
-                <a:cs typeface="+mn-cs"/>
-                <a:sym typeface="Helvetica Neue Medium"/>
-              </a:rPr>
-              <a:t>3</a:t>
-            </a:r>
-            <a:endParaRPr kumimoji="0" lang="ko-KR" altLang="en-US" sz="3000" b="0" i="0" u="none" strike="noStrike" cap="none" spc="0" normalizeH="0" baseline="0" dirty="0">
-              <a:ln>
-                <a:noFill/>
-              </a:ln>
-              <a:solidFill>
-                <a:schemeClr val="tx1"/>
-              </a:solidFill>
-              <a:effectLst/>
-              <a:uFillTx/>
-              <a:latin typeface="나눔스퀘어" panose="020B0600000101010101" pitchFamily="50" charset="-127"/>
-              <a:ea typeface="나눔스퀘어" panose="020B0600000101010101" pitchFamily="50" charset="-127"/>
-              <a:cs typeface="+mn-cs"/>
-              <a:sym typeface="Helvetica Neue Medium"/>
-            </a:endParaRPr>
-          </a:p>
-        </p:txBody>
-      </p:sp>
-      <p:sp>
-        <p:nvSpPr>
-          <p:cNvPr id="35" name="직사각형 34">
-            <a:extLst>
-              <a:ext uri="{FF2B5EF4-FFF2-40B4-BE49-F238E27FC236}">
-                <a16:creationId xmlns:a16="http://schemas.microsoft.com/office/drawing/2014/main" id="{5B6CD5E6-0E9D-49CA-8E02-48AF182EE879}"/>
-              </a:ext>
-            </a:extLst>
-          </p:cNvPr>
-          <p:cNvSpPr/>
-          <p:nvPr/>
-        </p:nvSpPr>
-        <p:spPr>
-          <a:xfrm>
-            <a:off x="12229322" y="9168041"/>
-            <a:ext cx="7673920" cy="1026367"/>
-          </a:xfrm>
-          <a:prstGeom prst="rect">
-            <a:avLst/>
-          </a:prstGeom>
-          <a:solidFill>
-            <a:srgbClr val="93E5D7"/>
-          </a:solidFill>
-          <a:ln w="12700" cap="flat">
-            <a:noFill/>
-            <a:miter lim="400000"/>
-          </a:ln>
-          <a:effectLst/>
-          <a:sp3d/>
-        </p:spPr>
-        <p:style>
-          <a:lnRef idx="0">
-            <a:scrgbClr r="0" g="0" b="0"/>
-          </a:lnRef>
-          <a:fillRef idx="0">
-            <a:scrgbClr r="0" g="0" b="0"/>
-          </a:fillRef>
-          <a:effectRef idx="0">
-            <a:scrgbClr r="0" g="0" b="0"/>
-          </a:effectRef>
-          <a:fontRef idx="none"/>
-        </p:style>
-        <p:txBody>
-          <a:bodyPr rot="0" spcFirstLastPara="1" vertOverflow="overflow" horzOverflow="overflow" vert="horz" wrap="square" lIns="71437" tIns="71437" rIns="71437" bIns="71437" numCol="1" spcCol="38100" rtlCol="0" anchor="ctr">
-            <a:noAutofit/>
-          </a:bodyPr>
-          <a:lstStyle/>
-          <a:p>
-            <a:pPr marL="0" marR="0" indent="0" algn="ctr" defTabSz="821531" rtl="0" fontAlgn="auto" latinLnBrk="0" hangingPunct="0">
-              <a:lnSpc>
-                <a:spcPct val="100000"/>
-              </a:lnSpc>
-              <a:spcBef>
-                <a:spcPts val="0"/>
-              </a:spcBef>
-              <a:spcAft>
-                <a:spcPts val="0"/>
-              </a:spcAft>
-              <a:buClrTx/>
-              <a:buSzTx/>
-              <a:buFontTx/>
-              <a:buNone/>
-              <a:tabLst/>
-            </a:pPr>
-            <a:r>
-              <a:rPr lang="ko-KR" altLang="en-US" sz="2500" b="0" dirty="0">
+            <a:r>
+              <a:rPr lang="ko-KR" altLang="en-US" sz="4000" b="0" dirty="0">
                 <a:solidFill>
                   <a:schemeClr val="tx1"/>
                 </a:solidFill>
                 <a:latin typeface="나눔스퀘어" panose="020B0600000101010101" pitchFamily="50" charset="-127"/>
                 <a:ea typeface="나눔스퀘어" panose="020B0600000101010101" pitchFamily="50" charset="-127"/>
-                <a:cs typeface="+mn-cs"/>
                 <a:sym typeface="Helvetica Neue Medium"/>
               </a:rPr>
-              <a:t>해당 일의 치아 점수 또한 기록해 준다</a:t>
-            </a:r>
-            <a:r>
-              <a:rPr lang="en-US" altLang="ko-KR" sz="2500" b="0" dirty="0">
+              <a:t>하루에 양치 한 횟수만큼 아치를 넣어준다</a:t>
+            </a:r>
+            <a:r>
+              <a:rPr lang="en-US" altLang="ko-KR" sz="4000" b="0" dirty="0">
                 <a:solidFill>
                   <a:schemeClr val="tx1"/>
                 </a:solidFill>
                 <a:latin typeface="나눔스퀘어" panose="020B0600000101010101" pitchFamily="50" charset="-127"/>
                 <a:ea typeface="나눔스퀘어" panose="020B0600000101010101" pitchFamily="50" charset="-127"/>
-                <a:cs typeface="+mn-cs"/>
                 <a:sym typeface="Helvetica Neue Medium"/>
               </a:rPr>
               <a:t>.</a:t>
             </a:r>
-            <a:endParaRPr kumimoji="0" lang="ko-KR" altLang="en-US" sz="2500" b="0" i="0" u="none" strike="noStrike" cap="none" spc="0" normalizeH="0" baseline="0" dirty="0">
-              <a:ln>
-                <a:noFill/>
-              </a:ln>
+            <a:endParaRPr lang="ko-KR" altLang="en-US" sz="4000" b="0" dirty="0">
               <a:solidFill>
                 <a:schemeClr val="tx1"/>
               </a:solidFill>
-              <a:effectLst/>
-              <a:uFillTx/>
               <a:latin typeface="나눔스퀘어" panose="020B0600000101010101" pitchFamily="50" charset="-127"/>
               <a:ea typeface="나눔스퀘어" panose="020B0600000101010101" pitchFamily="50" charset="-127"/>
-              <a:cs typeface="+mn-cs"/>
               <a:sym typeface="Helvetica Neue Medium"/>
             </a:endParaRPr>
+          </a:p>
+        </p:txBody>
+      </p:sp>
+      <p:sp>
+        <p:nvSpPr>
+          <p:cNvPr id="165" name="양치 모니터링"/>
+          <p:cNvSpPr txBox="1">
+            <a:spLocks noGrp="1"/>
+          </p:cNvSpPr>
+          <p:nvPr>
+            <p:ph type="title"/>
+          </p:nvPr>
+        </p:nvSpPr>
+        <p:spPr>
+          <a:prstGeom prst="rect">
+            <a:avLst/>
+          </a:prstGeom>
+        </p:spPr>
+        <p:txBody>
+          <a:bodyPr/>
+          <a:lstStyle/>
+          <a:p>
+            <a:r>
+              <a:rPr lang="ko-KR" altLang="en-US" dirty="0"/>
+              <a:t>캘린더 페이지</a:t>
+            </a:r>
+            <a:endParaRPr dirty="0"/>
           </a:p>
         </p:txBody>
       </p:sp>
       <p:pic>
         <p:nvPicPr>
-          <p:cNvPr id="6" name="그림 5">
+          <p:cNvPr id="40" name="그림 39">
             <a:extLst>
               <a:ext uri="{FF2B5EF4-FFF2-40B4-BE49-F238E27FC236}">
-                <a16:creationId xmlns:a16="http://schemas.microsoft.com/office/drawing/2014/main" id="{9FC36115-45E8-4F1A-809D-EADCD2BD8CC8}"/>
-              </a:ext>
-            </a:extLst>
-          </p:cNvPr>
-          <p:cNvPicPr>
-            <a:picLocks noChangeAspect="1"/>
-          </p:cNvPicPr>
-          <p:nvPr/>
-        </p:nvPicPr>
-        <p:blipFill rotWithShape="1">
-          <a:blip r:embed="rId3"/>
-          <a:srcRect t="362" b="1856"/>
-          <a:stretch/>
-        </p:blipFill>
-        <p:spPr>
-          <a:xfrm>
-            <a:off x="2705878" y="5318452"/>
-            <a:ext cx="4198775" cy="5732426"/>
-          </a:xfrm>
-          <a:prstGeom prst="rect">
-            <a:avLst/>
-          </a:prstGeom>
-        </p:spPr>
-      </p:pic>
-      <p:sp>
-        <p:nvSpPr>
-          <p:cNvPr id="7" name="TextBox 6">
-            <a:extLst>
-              <a:ext uri="{FF2B5EF4-FFF2-40B4-BE49-F238E27FC236}">
-                <a16:creationId xmlns:a16="http://schemas.microsoft.com/office/drawing/2014/main" id="{01D658FE-935B-4E0F-9B75-D6645D94EEC4}"/>
-              </a:ext>
-            </a:extLst>
-          </p:cNvPr>
-          <p:cNvSpPr txBox="1"/>
-          <p:nvPr/>
-        </p:nvSpPr>
-        <p:spPr>
-          <a:xfrm>
-            <a:off x="4331992" y="4615440"/>
-            <a:ext cx="942695" cy="528990"/>
-          </a:xfrm>
-          <a:prstGeom prst="rect">
-            <a:avLst/>
-          </a:prstGeom>
-          <a:noFill/>
-          <a:ln w="12700" cap="flat">
-            <a:noFill/>
-            <a:miter lim="400000"/>
-          </a:ln>
-          <a:effectLst/>
-          <a:sp3d/>
-        </p:spPr>
-        <p:style>
-          <a:lnRef idx="0">
-            <a:scrgbClr r="0" g="0" b="0"/>
-          </a:lnRef>
-          <a:fillRef idx="0">
-            <a:scrgbClr r="0" g="0" b="0"/>
-          </a:fillRef>
-          <a:effectRef idx="0">
-            <a:scrgbClr r="0" g="0" b="0"/>
-          </a:effectRef>
-          <a:fontRef idx="none"/>
-        </p:style>
-        <p:txBody>
-          <a:bodyPr rot="0" spcFirstLastPara="1" vertOverflow="overflow" horzOverflow="overflow" vert="horz" wrap="square" lIns="71437" tIns="71437" rIns="71437" bIns="71437" numCol="1" spcCol="38100" rtlCol="0" anchor="ctr">
-            <a:spAutoFit/>
-          </a:bodyPr>
-          <a:lstStyle/>
-          <a:p>
-            <a:pPr marL="0" marR="0" indent="0" algn="ctr" defTabSz="821531" rtl="0" fontAlgn="auto" latinLnBrk="0" hangingPunct="0">
-              <a:lnSpc>
-                <a:spcPct val="100000"/>
-              </a:lnSpc>
-              <a:spcBef>
-                <a:spcPts val="0"/>
-              </a:spcBef>
-              <a:spcAft>
-                <a:spcPts val="0"/>
-              </a:spcAft>
-              <a:buClrTx/>
-              <a:buSzTx/>
-              <a:buFontTx/>
-              <a:buNone/>
-              <a:tabLst/>
-            </a:pPr>
-            <a:r>
-              <a:rPr kumimoji="0" lang="en-US" altLang="ko-KR" sz="2500" b="1" i="0" u="none" strike="noStrike" cap="none" spc="0" normalizeH="0" baseline="0" dirty="0">
-                <a:ln>
-                  <a:noFill/>
-                </a:ln>
-                <a:solidFill>
-                  <a:srgbClr val="000000"/>
-                </a:solidFill>
-                <a:effectLst/>
-                <a:uFillTx/>
-                <a:latin typeface="나눔스퀘어" panose="020B0600000101010101" pitchFamily="50" charset="-127"/>
-                <a:ea typeface="나눔스퀘어" panose="020B0600000101010101" pitchFamily="50" charset="-127"/>
-                <a:sym typeface="Helvetica Neue"/>
-              </a:rPr>
-              <a:t>9</a:t>
-            </a:r>
-            <a:r>
-              <a:rPr lang="ko-KR" altLang="en-US" sz="2500" dirty="0">
-                <a:latin typeface="나눔스퀘어" panose="020B0600000101010101" pitchFamily="50" charset="-127"/>
-                <a:ea typeface="나눔스퀘어" panose="020B0600000101010101" pitchFamily="50" charset="-127"/>
-              </a:rPr>
-              <a:t>月</a:t>
-            </a:r>
-            <a:endParaRPr kumimoji="0" lang="ko-KR" altLang="en-US" sz="2500" b="1" i="0" u="none" strike="noStrike" cap="none" spc="0" normalizeH="0" baseline="0" dirty="0">
-              <a:ln>
-                <a:noFill/>
-              </a:ln>
-              <a:solidFill>
-                <a:srgbClr val="000000"/>
-              </a:solidFill>
-              <a:effectLst/>
-              <a:uFillTx/>
-              <a:latin typeface="나눔스퀘어" panose="020B0600000101010101" pitchFamily="50" charset="-127"/>
-              <a:ea typeface="나눔스퀘어" panose="020B0600000101010101" pitchFamily="50" charset="-127"/>
-              <a:sym typeface="Helvetica Neue"/>
-            </a:endParaRPr>
-          </a:p>
-        </p:txBody>
-      </p:sp>
-      <p:cxnSp>
-        <p:nvCxnSpPr>
-          <p:cNvPr id="10" name="직선 화살표 연결선 9">
-            <a:extLst>
-              <a:ext uri="{FF2B5EF4-FFF2-40B4-BE49-F238E27FC236}">
-                <a16:creationId xmlns:a16="http://schemas.microsoft.com/office/drawing/2014/main" id="{EBC8AAEF-A853-407D-9DB7-2933339F371D}"/>
-              </a:ext>
-            </a:extLst>
-          </p:cNvPr>
-          <p:cNvCxnSpPr/>
-          <p:nvPr/>
-        </p:nvCxnSpPr>
-        <p:spPr>
-          <a:xfrm flipV="1">
-            <a:off x="3041780" y="7259216"/>
-            <a:ext cx="5099897" cy="447870"/>
-          </a:xfrm>
-          <a:prstGeom prst="straightConnector1">
-            <a:avLst/>
-          </a:prstGeom>
-          <a:noFill/>
-          <a:ln w="25400" cap="flat">
-            <a:solidFill>
-              <a:srgbClr val="000000"/>
-            </a:solidFill>
-            <a:prstDash val="solid"/>
-            <a:miter lim="400000"/>
-            <a:tailEnd type="triangle"/>
-          </a:ln>
-          <a:effectLst/>
-          <a:sp3d/>
-        </p:spPr>
-        <p:style>
-          <a:lnRef idx="0">
-            <a:scrgbClr r="0" g="0" b="0"/>
-          </a:lnRef>
-          <a:fillRef idx="0">
-            <a:scrgbClr r="0" g="0" b="0"/>
-          </a:fillRef>
-          <a:effectRef idx="0">
-            <a:scrgbClr r="0" g="0" b="0"/>
-          </a:effectRef>
-          <a:fontRef idx="none"/>
-        </p:style>
-      </p:cxnSp>
-      <p:sp>
-        <p:nvSpPr>
-          <p:cNvPr id="11" name="직사각형 10">
-            <a:extLst>
-              <a:ext uri="{FF2B5EF4-FFF2-40B4-BE49-F238E27FC236}">
-                <a16:creationId xmlns:a16="http://schemas.microsoft.com/office/drawing/2014/main" id="{2C19759A-C7A6-46C7-90A7-224DC80BAD21}"/>
-              </a:ext>
-            </a:extLst>
-          </p:cNvPr>
-          <p:cNvSpPr/>
-          <p:nvPr/>
-        </p:nvSpPr>
-        <p:spPr>
-          <a:xfrm>
-            <a:off x="8169445" y="6347168"/>
-            <a:ext cx="1721820" cy="2520000"/>
-          </a:xfrm>
-          <a:prstGeom prst="rect">
-            <a:avLst/>
-          </a:prstGeom>
-          <a:solidFill>
-            <a:srgbClr val="E2F6F2"/>
-          </a:solidFill>
-          <a:ln w="57150" cap="flat">
-            <a:solidFill>
-              <a:srgbClr val="67DAC7"/>
-            </a:solidFill>
-            <a:miter lim="400000"/>
-          </a:ln>
-          <a:effectLst/>
-          <a:sp3d/>
-        </p:spPr>
-        <p:style>
-          <a:lnRef idx="0">
-            <a:scrgbClr r="0" g="0" b="0"/>
-          </a:lnRef>
-          <a:fillRef idx="0">
-            <a:scrgbClr r="0" g="0" b="0"/>
-          </a:fillRef>
-          <a:effectRef idx="0">
-            <a:scrgbClr r="0" g="0" b="0"/>
-          </a:effectRef>
-          <a:fontRef idx="none"/>
-        </p:style>
-        <p:txBody>
-          <a:bodyPr rot="0" spcFirstLastPara="1" vertOverflow="overflow" horzOverflow="overflow" vert="horz" wrap="square" lIns="71437" tIns="71437" rIns="71437" bIns="71437" numCol="1" spcCol="38100" rtlCol="0" anchor="ctr">
-            <a:spAutoFit/>
-          </a:bodyPr>
-          <a:lstStyle/>
-          <a:p>
-            <a:pPr marL="0" marR="0" indent="0" algn="ctr" defTabSz="821531" rtl="0" fontAlgn="auto" latinLnBrk="0" hangingPunct="0">
-              <a:lnSpc>
-                <a:spcPct val="100000"/>
-              </a:lnSpc>
-              <a:spcBef>
-                <a:spcPts val="0"/>
-              </a:spcBef>
-              <a:spcAft>
-                <a:spcPts val="0"/>
-              </a:spcAft>
-              <a:buClrTx/>
-              <a:buSzTx/>
-              <a:buFontTx/>
-              <a:buNone/>
-              <a:tabLst/>
-            </a:pPr>
-            <a:endParaRPr kumimoji="0" lang="ko-KR" altLang="en-US" sz="3000" b="0" i="0" u="none" strike="noStrike" cap="none" spc="0" normalizeH="0" baseline="0">
-              <a:ln>
-                <a:noFill/>
-              </a:ln>
-              <a:solidFill>
-                <a:srgbClr val="FFFFFF"/>
-              </a:solidFill>
-              <a:effectLst/>
-              <a:uFillTx/>
-              <a:latin typeface="나눔스퀘어" panose="020B0600000101010101" pitchFamily="50" charset="-127"/>
-              <a:ea typeface="나눔스퀘어" panose="020B0600000101010101" pitchFamily="50" charset="-127"/>
-              <a:cs typeface="+mn-cs"/>
-              <a:sym typeface="Helvetica Neue Medium"/>
-            </a:endParaRPr>
-          </a:p>
-        </p:txBody>
-      </p:sp>
-      <p:sp>
-        <p:nvSpPr>
-          <p:cNvPr id="12" name="TextBox 11">
-            <a:extLst>
-              <a:ext uri="{FF2B5EF4-FFF2-40B4-BE49-F238E27FC236}">
-                <a16:creationId xmlns:a16="http://schemas.microsoft.com/office/drawing/2014/main" id="{EF883E75-9F89-430E-AEC9-C8948E3EB4D6}"/>
-              </a:ext>
-            </a:extLst>
-          </p:cNvPr>
-          <p:cNvSpPr txBox="1"/>
-          <p:nvPr/>
-        </p:nvSpPr>
-        <p:spPr>
-          <a:xfrm>
-            <a:off x="8017663" y="6366588"/>
-            <a:ext cx="1012693" cy="528990"/>
-          </a:xfrm>
-          <a:prstGeom prst="rect">
-            <a:avLst/>
-          </a:prstGeom>
-          <a:noFill/>
-          <a:ln w="12700" cap="flat">
-            <a:noFill/>
-            <a:miter lim="400000"/>
-          </a:ln>
-          <a:effectLst/>
-          <a:sp3d/>
-        </p:spPr>
-        <p:style>
-          <a:lnRef idx="0">
-            <a:scrgbClr r="0" g="0" b="0"/>
-          </a:lnRef>
-          <a:fillRef idx="0">
-            <a:scrgbClr r="0" g="0" b="0"/>
-          </a:fillRef>
-          <a:effectRef idx="0">
-            <a:scrgbClr r="0" g="0" b="0"/>
-          </a:effectRef>
-          <a:fontRef idx="none"/>
-        </p:style>
-        <p:txBody>
-          <a:bodyPr rot="0" spcFirstLastPara="1" vertOverflow="overflow" horzOverflow="overflow" vert="horz" wrap="square" lIns="71437" tIns="71437" rIns="71437" bIns="71437" numCol="1" spcCol="38100" rtlCol="0" anchor="ctr">
-            <a:spAutoFit/>
-          </a:bodyPr>
-          <a:lstStyle/>
-          <a:p>
-            <a:pPr marL="0" marR="0" indent="0" algn="ctr" defTabSz="821531" rtl="0" fontAlgn="auto" latinLnBrk="0" hangingPunct="0">
-              <a:lnSpc>
-                <a:spcPct val="100000"/>
-              </a:lnSpc>
-              <a:spcBef>
-                <a:spcPts val="0"/>
-              </a:spcBef>
-              <a:spcAft>
-                <a:spcPts val="0"/>
-              </a:spcAft>
-              <a:buClrTx/>
-              <a:buSzTx/>
-              <a:buFontTx/>
-              <a:buNone/>
-              <a:tabLst/>
-            </a:pPr>
-            <a:r>
-              <a:rPr kumimoji="0" lang="en-US" altLang="ko-KR" sz="2500" b="1" i="0" u="none" strike="noStrike" cap="none" spc="0" normalizeH="0" baseline="0" dirty="0">
-                <a:ln>
-                  <a:noFill/>
-                </a:ln>
-                <a:solidFill>
-                  <a:schemeClr val="accent5"/>
-                </a:solidFill>
-                <a:effectLst/>
-                <a:uFillTx/>
-                <a:latin typeface="나눔스퀘어" panose="020B0600000101010101" pitchFamily="50" charset="-127"/>
-                <a:ea typeface="나눔스퀘어" panose="020B0600000101010101" pitchFamily="50" charset="-127"/>
-                <a:sym typeface="Helvetica Neue"/>
-              </a:rPr>
-              <a:t>10</a:t>
-            </a:r>
-            <a:endParaRPr kumimoji="0" lang="ko-KR" altLang="en-US" sz="2500" b="1" i="0" u="none" strike="noStrike" cap="none" spc="0" normalizeH="0" baseline="0" dirty="0">
-              <a:ln>
-                <a:noFill/>
-              </a:ln>
-              <a:solidFill>
-                <a:schemeClr val="accent5"/>
-              </a:solidFill>
-              <a:effectLst/>
-              <a:uFillTx/>
-              <a:latin typeface="나눔스퀘어" panose="020B0600000101010101" pitchFamily="50" charset="-127"/>
-              <a:ea typeface="나눔스퀘어" panose="020B0600000101010101" pitchFamily="50" charset="-127"/>
-              <a:sym typeface="Helvetica Neue"/>
-            </a:endParaRPr>
-          </a:p>
-        </p:txBody>
-      </p:sp>
-      <p:pic>
-        <p:nvPicPr>
-          <p:cNvPr id="44" name="Frame-4.png" descr="Frame-4.png">
-            <a:extLst>
-              <a:ext uri="{FF2B5EF4-FFF2-40B4-BE49-F238E27FC236}">
-                <a16:creationId xmlns:a16="http://schemas.microsoft.com/office/drawing/2014/main" id="{60C4574C-F9B1-44D0-BCD7-EDC64234E7E9}"/>
+                <a16:creationId xmlns:a16="http://schemas.microsoft.com/office/drawing/2014/main" id="{13C8F6EF-BF8A-4904-8F14-265E384AD053}"/>
               </a:ext>
             </a:extLst>
           </p:cNvPr>
@@ -11803,400 +7497,29 @@
           <p:nvPr/>
         </p:nvPicPr>
         <p:blipFill>
-          <a:blip r:embed="rId4">
-            <a:extLst/>
-          </a:blip>
+          <a:blip r:embed="rId2"/>
           <a:stretch>
             <a:fillRect/>
           </a:stretch>
         </p:blipFill>
         <p:spPr>
           <a:xfrm>
-            <a:off x="8206861" y="7165911"/>
-            <a:ext cx="585799" cy="585799"/>
+            <a:off x="2664044" y="3326486"/>
+            <a:ext cx="4581535" cy="9418145"/>
           </a:xfrm>
           <a:prstGeom prst="rect">
             <a:avLst/>
           </a:prstGeom>
-          <a:ln w="25400">
-            <a:miter lim="400000"/>
+          <a:ln w="12700">
+            <a:solidFill>
+              <a:schemeClr val="tx1">
+                <a:lumMod val="65000"/>
+                <a:lumOff val="35000"/>
+              </a:schemeClr>
+            </a:solidFill>
           </a:ln>
-          <a:effectLst/>
         </p:spPr>
       </p:pic>
-      <p:pic>
-        <p:nvPicPr>
-          <p:cNvPr id="45" name="Frame-4.png" descr="Frame-4.png">
-            <a:extLst>
-              <a:ext uri="{FF2B5EF4-FFF2-40B4-BE49-F238E27FC236}">
-                <a16:creationId xmlns:a16="http://schemas.microsoft.com/office/drawing/2014/main" id="{F612DA75-0C41-4660-80B3-F53D0FA4443C}"/>
-              </a:ext>
-            </a:extLst>
-          </p:cNvPr>
-          <p:cNvPicPr>
-            <a:picLocks noChangeAspect="1"/>
-          </p:cNvPicPr>
-          <p:nvPr/>
-        </p:nvPicPr>
-        <p:blipFill>
-          <a:blip r:embed="rId4">
-            <a:extLst/>
-          </a:blip>
-          <a:stretch>
-            <a:fillRect/>
-          </a:stretch>
-        </p:blipFill>
-        <p:spPr>
-          <a:xfrm>
-            <a:off x="8755338" y="7165911"/>
-            <a:ext cx="585799" cy="585799"/>
-          </a:xfrm>
-          <a:prstGeom prst="rect">
-            <a:avLst/>
-          </a:prstGeom>
-          <a:ln w="25400">
-            <a:miter lim="400000"/>
-          </a:ln>
-          <a:effectLst/>
-        </p:spPr>
-      </p:pic>
-      <p:cxnSp>
-        <p:nvCxnSpPr>
-          <p:cNvPr id="15" name="직선 연결선 14">
-            <a:extLst>
-              <a:ext uri="{FF2B5EF4-FFF2-40B4-BE49-F238E27FC236}">
-                <a16:creationId xmlns:a16="http://schemas.microsoft.com/office/drawing/2014/main" id="{AD27E2D8-684A-4DF3-8AD9-561831E45ED6}"/>
-              </a:ext>
-            </a:extLst>
-          </p:cNvPr>
-          <p:cNvCxnSpPr/>
-          <p:nvPr/>
-        </p:nvCxnSpPr>
-        <p:spPr>
-          <a:xfrm>
-            <a:off x="8187291" y="8266926"/>
-            <a:ext cx="1721820" cy="0"/>
-          </a:xfrm>
-          <a:prstGeom prst="line">
-            <a:avLst/>
-          </a:prstGeom>
-          <a:noFill/>
-          <a:ln w="28575" cap="flat">
-            <a:solidFill>
-              <a:schemeClr val="accent2">
-                <a:lumMod val="75000"/>
-              </a:schemeClr>
-            </a:solidFill>
-            <a:prstDash val="solid"/>
-            <a:miter lim="400000"/>
-          </a:ln>
-          <a:effectLst/>
-          <a:sp3d/>
-        </p:spPr>
-        <p:style>
-          <a:lnRef idx="0">
-            <a:scrgbClr r="0" g="0" b="0"/>
-          </a:lnRef>
-          <a:fillRef idx="0">
-            <a:scrgbClr r="0" g="0" b="0"/>
-          </a:fillRef>
-          <a:effectRef idx="0">
-            <a:scrgbClr r="0" g="0" b="0"/>
-          </a:effectRef>
-          <a:fontRef idx="none"/>
-        </p:style>
-      </p:cxnSp>
-      <p:sp>
-        <p:nvSpPr>
-          <p:cNvPr id="16" name="TextBox 15">
-            <a:extLst>
-              <a:ext uri="{FF2B5EF4-FFF2-40B4-BE49-F238E27FC236}">
-                <a16:creationId xmlns:a16="http://schemas.microsoft.com/office/drawing/2014/main" id="{376AB224-E3A7-43BB-B871-9F614EBDCDE1}"/>
-              </a:ext>
-            </a:extLst>
-          </p:cNvPr>
-          <p:cNvSpPr txBox="1"/>
-          <p:nvPr/>
-        </p:nvSpPr>
-        <p:spPr>
-          <a:xfrm>
-            <a:off x="8549111" y="8237976"/>
-            <a:ext cx="962489" cy="528990"/>
-          </a:xfrm>
-          <a:prstGeom prst="rect">
-            <a:avLst/>
-          </a:prstGeom>
-          <a:noFill/>
-          <a:ln w="12700" cap="flat">
-            <a:noFill/>
-            <a:miter lim="400000"/>
-          </a:ln>
-          <a:effectLst/>
-          <a:sp3d/>
-        </p:spPr>
-        <p:style>
-          <a:lnRef idx="0">
-            <a:scrgbClr r="0" g="0" b="0"/>
-          </a:lnRef>
-          <a:fillRef idx="0">
-            <a:scrgbClr r="0" g="0" b="0"/>
-          </a:fillRef>
-          <a:effectRef idx="0">
-            <a:scrgbClr r="0" g="0" b="0"/>
-          </a:effectRef>
-          <a:fontRef idx="none"/>
-        </p:style>
-        <p:txBody>
-          <a:bodyPr rot="0" spcFirstLastPara="1" vertOverflow="overflow" horzOverflow="overflow" vert="horz" wrap="square" lIns="71437" tIns="71437" rIns="71437" bIns="71437" numCol="1" spcCol="38100" rtlCol="0" anchor="ctr">
-            <a:spAutoFit/>
-          </a:bodyPr>
-          <a:lstStyle/>
-          <a:p>
-            <a:pPr marL="0" marR="0" indent="0" algn="ctr" defTabSz="821531" rtl="0" fontAlgn="auto" latinLnBrk="0" hangingPunct="0">
-              <a:lnSpc>
-                <a:spcPct val="100000"/>
-              </a:lnSpc>
-              <a:spcBef>
-                <a:spcPts val="0"/>
-              </a:spcBef>
-              <a:spcAft>
-                <a:spcPts val="0"/>
-              </a:spcAft>
-              <a:buClrTx/>
-              <a:buSzTx/>
-              <a:buFontTx/>
-              <a:buNone/>
-              <a:tabLst/>
-            </a:pPr>
-            <a:r>
-              <a:rPr kumimoji="0" lang="en-US" altLang="ko-KR" sz="2500" b="1" i="0" u="none" strike="noStrike" cap="none" spc="0" normalizeH="0" baseline="0" dirty="0">
-                <a:ln>
-                  <a:noFill/>
-                </a:ln>
-                <a:solidFill>
-                  <a:schemeClr val="tx1"/>
-                </a:solidFill>
-                <a:effectLst/>
-                <a:uFillTx/>
-                <a:latin typeface="나눔스퀘어" panose="020B0600000101010101" pitchFamily="50" charset="-127"/>
-                <a:ea typeface="나눔스퀘어" panose="020B0600000101010101" pitchFamily="50" charset="-127"/>
-                <a:sym typeface="Helvetica Neue"/>
-              </a:rPr>
-              <a:t>60</a:t>
-            </a:r>
-            <a:r>
-              <a:rPr kumimoji="0" lang="ko-KR" altLang="en-US" sz="2500" b="1" i="0" u="none" strike="noStrike" cap="none" spc="0" normalizeH="0" baseline="0" dirty="0">
-                <a:ln>
-                  <a:noFill/>
-                </a:ln>
-                <a:solidFill>
-                  <a:schemeClr val="tx1"/>
-                </a:solidFill>
-                <a:effectLst/>
-                <a:uFillTx/>
-                <a:latin typeface="나눔스퀘어" panose="020B0600000101010101" pitchFamily="50" charset="-127"/>
-                <a:ea typeface="나눔스퀘어" panose="020B0600000101010101" pitchFamily="50" charset="-127"/>
-                <a:sym typeface="Helvetica Neue"/>
-              </a:rPr>
-              <a:t>점</a:t>
-            </a:r>
-          </a:p>
-        </p:txBody>
-      </p:sp>
-      <p:sp>
-        <p:nvSpPr>
-          <p:cNvPr id="22" name="직사각형 21">
-            <a:extLst>
-              <a:ext uri="{FF2B5EF4-FFF2-40B4-BE49-F238E27FC236}">
-                <a16:creationId xmlns:a16="http://schemas.microsoft.com/office/drawing/2014/main" id="{53A72355-7AEF-4314-A536-B56C27A8D349}"/>
-              </a:ext>
-            </a:extLst>
-          </p:cNvPr>
-          <p:cNvSpPr/>
-          <p:nvPr/>
-        </p:nvSpPr>
-        <p:spPr>
-          <a:xfrm>
-            <a:off x="4132374" y="11069558"/>
-            <a:ext cx="1482976" cy="650630"/>
-          </a:xfrm>
-          <a:prstGeom prst="rect">
-            <a:avLst/>
-          </a:prstGeom>
-          <a:solidFill>
-            <a:srgbClr val="93E5D7"/>
-          </a:solidFill>
-          <a:ln w="12700" cap="flat">
-            <a:noFill/>
-            <a:miter lim="400000"/>
-          </a:ln>
-          <a:effectLst/>
-          <a:sp3d/>
-        </p:spPr>
-        <p:style>
-          <a:lnRef idx="0">
-            <a:scrgbClr r="0" g="0" b="0"/>
-          </a:lnRef>
-          <a:fillRef idx="0">
-            <a:scrgbClr r="0" g="0" b="0"/>
-          </a:fillRef>
-          <a:effectRef idx="0">
-            <a:scrgbClr r="0" g="0" b="0"/>
-          </a:effectRef>
-          <a:fontRef idx="none"/>
-        </p:style>
-        <p:txBody>
-          <a:bodyPr rot="0" spcFirstLastPara="1" vertOverflow="overflow" horzOverflow="overflow" vert="horz" wrap="square" lIns="71437" tIns="71437" rIns="71437" bIns="71437" numCol="1" spcCol="38100" rtlCol="0" anchor="ctr">
-            <a:noAutofit/>
-          </a:bodyPr>
-          <a:lstStyle/>
-          <a:p>
-            <a:pPr marL="0" marR="0" indent="0" algn="ctr" defTabSz="821531" rtl="0" fontAlgn="auto" latinLnBrk="0" hangingPunct="0">
-              <a:lnSpc>
-                <a:spcPct val="100000"/>
-              </a:lnSpc>
-              <a:spcBef>
-                <a:spcPts val="0"/>
-              </a:spcBef>
-              <a:spcAft>
-                <a:spcPts val="0"/>
-              </a:spcAft>
-              <a:buClrTx/>
-              <a:buSzTx/>
-              <a:buFontTx/>
-              <a:buNone/>
-              <a:tabLst/>
-            </a:pPr>
-            <a:endParaRPr kumimoji="0" lang="ko-KR" altLang="en-US" sz="2300" b="0" i="0" u="none" strike="noStrike" cap="none" spc="0" normalizeH="0" baseline="0" dirty="0">
-              <a:ln>
-                <a:noFill/>
-              </a:ln>
-              <a:solidFill>
-                <a:schemeClr val="bg1">
-                  <a:lumMod val="50000"/>
-                </a:schemeClr>
-              </a:solidFill>
-              <a:effectLst/>
-              <a:uFillTx/>
-              <a:latin typeface="나눔스퀘어" panose="020B0600000101010101" pitchFamily="50" charset="-127"/>
-              <a:ea typeface="나눔스퀘어" panose="020B0600000101010101" pitchFamily="50" charset="-127"/>
-              <a:cs typeface="+mn-cs"/>
-              <a:sym typeface="Helvetica Neue Medium"/>
-            </a:endParaRPr>
-          </a:p>
-        </p:txBody>
-      </p:sp>
-      <p:grpSp>
-        <p:nvGrpSpPr>
-          <p:cNvPr id="23" name="그룹">
-            <a:extLst>
-              <a:ext uri="{FF2B5EF4-FFF2-40B4-BE49-F238E27FC236}">
-                <a16:creationId xmlns:a16="http://schemas.microsoft.com/office/drawing/2014/main" id="{5471F160-FCB7-4C57-8163-396730611AEC}"/>
-              </a:ext>
-            </a:extLst>
-          </p:cNvPr>
-          <p:cNvGrpSpPr/>
-          <p:nvPr/>
-        </p:nvGrpSpPr>
-        <p:grpSpPr>
-          <a:xfrm>
-            <a:off x="4425992" y="10824450"/>
-            <a:ext cx="895739" cy="895738"/>
-            <a:chOff x="0" y="0"/>
-            <a:chExt cx="3575030" cy="3575029"/>
-          </a:xfrm>
-        </p:grpSpPr>
-        <p:sp>
-          <p:nvSpPr>
-            <p:cNvPr id="24" name="원">
-              <a:extLst>
-                <a:ext uri="{FF2B5EF4-FFF2-40B4-BE49-F238E27FC236}">
-                  <a16:creationId xmlns:a16="http://schemas.microsoft.com/office/drawing/2014/main" id="{7F00BF20-2A74-4275-813E-8328C383A9A1}"/>
-                </a:ext>
-              </a:extLst>
-            </p:cNvPr>
-            <p:cNvSpPr/>
-            <p:nvPr/>
-          </p:nvSpPr>
-          <p:spPr>
-            <a:xfrm>
-              <a:off x="0" y="0"/>
-              <a:ext cx="3575030" cy="3575029"/>
-            </a:xfrm>
-            <a:prstGeom prst="ellipse">
-              <a:avLst/>
-            </a:prstGeom>
-            <a:solidFill>
-              <a:srgbClr val="67DAC7"/>
-            </a:solidFill>
-            <a:ln w="12700" cap="flat">
-              <a:noFill/>
-              <a:miter lim="400000"/>
-            </a:ln>
-            <a:effectLst/>
-          </p:spPr>
-          <p:txBody>
-            <a:bodyPr wrap="square" lIns="71437" tIns="71437" rIns="71437" bIns="71437" numCol="1" anchor="ctr">
-              <a:noAutofit/>
-            </a:bodyPr>
-            <a:lstStyle/>
-            <a:p>
-              <a:pPr>
-                <a:defRPr sz="3000" b="0">
-                  <a:solidFill>
-                    <a:srgbClr val="FFFFFF"/>
-                  </a:solidFill>
-                  <a:latin typeface="+mn-lt"/>
-                  <a:ea typeface="+mn-ea"/>
-                  <a:cs typeface="+mn-cs"/>
-                  <a:sym typeface="Helvetica Neue Medium"/>
-                </a:defRPr>
-              </a:pPr>
-              <a:endParaRPr>
-                <a:latin typeface="나눔스퀘어" panose="020B0600000101010101" pitchFamily="50" charset="-127"/>
-                <a:ea typeface="나눔스퀘어" panose="020B0600000101010101" pitchFamily="50" charset="-127"/>
-              </a:endParaRPr>
-            </a:p>
-          </p:txBody>
-        </p:sp>
-        <p:pic>
-          <p:nvPicPr>
-            <p:cNvPr id="25" name="Frame-4.png" descr="Frame-4.png">
-              <a:extLst>
-                <a:ext uri="{FF2B5EF4-FFF2-40B4-BE49-F238E27FC236}">
-                  <a16:creationId xmlns:a16="http://schemas.microsoft.com/office/drawing/2014/main" id="{F2DD7AD7-4C99-46C8-80A0-39F3D23FACA9}"/>
-                </a:ext>
-              </a:extLst>
-            </p:cNvPr>
-            <p:cNvPicPr>
-              <a:picLocks noChangeAspect="1"/>
-            </p:cNvPicPr>
-            <p:nvPr/>
-          </p:nvPicPr>
-          <p:blipFill>
-            <a:blip r:embed="rId4">
-              <a:extLst/>
-            </a:blip>
-            <a:stretch>
-              <a:fillRect/>
-            </a:stretch>
-          </p:blipFill>
-          <p:spPr>
-            <a:xfrm>
-              <a:off x="0" y="0"/>
-              <a:ext cx="3575030" cy="3575029"/>
-            </a:xfrm>
-            <a:prstGeom prst="rect">
-              <a:avLst/>
-            </a:prstGeom>
-            <a:ln w="12700" cap="flat">
-              <a:noFill/>
-              <a:miter lim="400000"/>
-            </a:ln>
-            <a:effectLst/>
-          </p:spPr>
-        </p:pic>
-      </p:grpSp>
     </p:spTree>
     <p:extLst>
       <p:ext uri="{BB962C8B-B14F-4D97-AF65-F5344CB8AC3E}">
@@ -12371,61 +7694,11 @@
               </a:buBlip>
             </a:pPr>
             <a:r>
-              <a:rPr lang="ko-KR" altLang="en-US" dirty="0">
+              <a:rPr lang="ko-KR" altLang="en-US" dirty="0" err="1">
                 <a:latin typeface="나눔스퀘어" panose="020B0600000101010101" pitchFamily="50" charset="-127"/>
                 <a:ea typeface="나눔스퀘어" panose="020B0600000101010101" pitchFamily="50" charset="-127"/>
               </a:rPr>
-              <a:t>카메라로 손 위치나 각도를 정확하게 인식할 수 없다</a:t>
-            </a:r>
-            <a:r>
-              <a:rPr lang="en-US" altLang="ko-KR" dirty="0">
-                <a:latin typeface="나눔스퀘어" panose="020B0600000101010101" pitchFamily="50" charset="-127"/>
-                <a:ea typeface="나눔스퀘어" panose="020B0600000101010101" pitchFamily="50" charset="-127"/>
-              </a:rPr>
-              <a:t>.</a:t>
-            </a:r>
-          </a:p>
-          <a:p>
-            <a:pPr marL="722312" indent="-722312">
-              <a:buSzPct val="50000"/>
-              <a:buBlip>
-                <a:blip r:embed="rId3"/>
-              </a:buBlip>
-            </a:pPr>
-            <a:r>
-              <a:rPr lang="ko-KR" altLang="en-US" dirty="0">
-                <a:latin typeface="나눔스퀘어" panose="020B0600000101010101" pitchFamily="50" charset="-127"/>
-                <a:ea typeface="나눔스퀘어" panose="020B0600000101010101" pitchFamily="50" charset="-127"/>
-              </a:rPr>
-              <a:t>핸드폰을 사용하지 않고</a:t>
-            </a:r>
-            <a:r>
-              <a:rPr lang="en-US" altLang="ko-KR" dirty="0">
-                <a:latin typeface="나눔스퀘어" panose="020B0600000101010101" pitchFamily="50" charset="-127"/>
-                <a:ea typeface="나눔스퀘어" panose="020B0600000101010101" pitchFamily="50" charset="-127"/>
-              </a:rPr>
-              <a:t>, </a:t>
-            </a:r>
-            <a:r>
-              <a:rPr lang="ko-KR" altLang="en-US" dirty="0">
-                <a:latin typeface="나눔스퀘어" panose="020B0600000101010101" pitchFamily="50" charset="-127"/>
-                <a:ea typeface="나눔스퀘어" panose="020B0600000101010101" pitchFamily="50" charset="-127"/>
-              </a:rPr>
-              <a:t>칫솔 자체로만 </a:t>
-            </a:r>
-            <a:r>
-              <a:rPr lang="en-US" altLang="ko-KR" dirty="0">
-                <a:latin typeface="나눔스퀘어" panose="020B0600000101010101" pitchFamily="50" charset="-127"/>
-                <a:ea typeface="나눔스퀘어" panose="020B0600000101010101" pitchFamily="50" charset="-127"/>
-              </a:rPr>
-              <a:t>Tracking</a:t>
-            </a:r>
-            <a:r>
-              <a:rPr lang="ko-KR" altLang="en-US" dirty="0">
-                <a:latin typeface="나눔스퀘어" panose="020B0600000101010101" pitchFamily="50" charset="-127"/>
-                <a:ea typeface="나눔스퀘어" panose="020B0600000101010101" pitchFamily="50" charset="-127"/>
-              </a:rPr>
-              <a:t>이 가능하도록 구현하는 방법 생각해보기</a:t>
+              <a:t>ㅇㅁㄹㄴㅇㄹㄴㅁㅇ</a:t>
             </a:r>
             <a:endParaRPr lang="en-US" altLang="ko-KR" dirty="0">
               <a:latin typeface="나눔스퀘어" panose="020B0600000101010101" pitchFamily="50" charset="-127"/>
@@ -13051,15 +8324,12 @@
                 <a:latin typeface="나눔스퀘어" panose="020B0600000101010101" pitchFamily="50" charset="-127"/>
                 <a:ea typeface="나눔스퀘어" panose="020B0600000101010101" pitchFamily="50" charset="-127"/>
               </a:rPr>
-              <a:t>카메라로 손 위치나 각도를 정확하게 인식할 수 없다</a:t>
-            </a:r>
-            <a:r>
-              <a:rPr lang="en-US" altLang="ko-KR" dirty="0">
-                <a:latin typeface="나눔스퀘어" panose="020B0600000101010101" pitchFamily="50" charset="-127"/>
-                <a:ea typeface="나눔스퀘어" panose="020B0600000101010101" pitchFamily="50" charset="-127"/>
-              </a:rPr>
-              <a:t>.</a:t>
-            </a:r>
+              <a:t>카메라로 손 위치나 각도를 정확하게 인식할 수 있는가에 대한 의문점 제기</a:t>
+            </a:r>
+            <a:endParaRPr lang="en-US" altLang="ko-KR" dirty="0">
+              <a:latin typeface="나눔스퀘어" panose="020B0600000101010101" pitchFamily="50" charset="-127"/>
+              <a:ea typeface="나눔스퀘어" panose="020B0600000101010101" pitchFamily="50" charset="-127"/>
+            </a:endParaRPr>
           </a:p>
           <a:p>
             <a:pPr marL="722312" indent="-722312">
@@ -13087,21 +8357,7 @@
                 <a:latin typeface="나눔스퀘어" panose="020B0600000101010101" pitchFamily="50" charset="-127"/>
                 <a:ea typeface="나눔스퀘어" panose="020B0600000101010101" pitchFamily="50" charset="-127"/>
               </a:rPr>
-              <a:t>칫솔 자체로만 </a:t>
-            </a:r>
-            <a:r>
-              <a:rPr lang="en-US" altLang="ko-KR" dirty="0">
-                <a:latin typeface="나눔스퀘어" panose="020B0600000101010101" pitchFamily="50" charset="-127"/>
-                <a:ea typeface="나눔스퀘어" panose="020B0600000101010101" pitchFamily="50" charset="-127"/>
-              </a:rPr>
-              <a:t>Tracking</a:t>
-            </a:r>
-            <a:r>
-              <a:rPr lang="ko-KR" altLang="en-US" dirty="0">
-                <a:latin typeface="나눔스퀘어" panose="020B0600000101010101" pitchFamily="50" charset="-127"/>
-                <a:ea typeface="나눔스퀘어" panose="020B0600000101010101" pitchFamily="50" charset="-127"/>
-              </a:rPr>
-              <a:t>이 가능하도록 구현하는 방법 생각해보기</a:t>
+              <a:t>칫솔 자체로만 모니터링이 가능하도록 구현하는 방법 제안</a:t>
             </a:r>
             <a:endParaRPr lang="en-US" altLang="ko-KR" dirty="0">
               <a:latin typeface="나눔스퀘어" panose="020B0600000101010101" pitchFamily="50" charset="-127"/>
@@ -13257,7 +8513,9 @@
           </a:prstGeom>
         </p:spPr>
         <p:txBody>
-          <a:bodyPr/>
+          <a:bodyPr>
+            <a:normAutofit/>
+          </a:bodyPr>
           <a:lstStyle/>
           <a:p>
             <a:pPr marL="722312" indent="-722312">
@@ -13271,14 +8529,7 @@
                 <a:latin typeface="나눔스퀘어" panose="020B0600000101010101" pitchFamily="50" charset="-127"/>
                 <a:ea typeface="나눔스퀘어" panose="020B0600000101010101" pitchFamily="50" charset="-127"/>
               </a:rPr>
-              <a:t>칫솔의 각도 </a:t>
-            </a:r>
-            <a:r>
-              <a:rPr lang="en-US" altLang="ko-KR" dirty="0">
-                <a:latin typeface="나눔스퀘어" panose="020B0600000101010101" pitchFamily="50" charset="-127"/>
-                <a:ea typeface="나눔스퀘어" panose="020B0600000101010101" pitchFamily="50" charset="-127"/>
-              </a:rPr>
-              <a:t>– </a:t>
+              <a:t>칫솔에 </a:t>
             </a:r>
             <a:r>
               <a:rPr lang="ko-KR" altLang="en-US" dirty="0" err="1">
@@ -13292,7 +8543,7 @@
                 <a:latin typeface="나눔스퀘어" panose="020B0600000101010101" pitchFamily="50" charset="-127"/>
                 <a:ea typeface="나눔스퀘어" panose="020B0600000101010101" pitchFamily="50" charset="-127"/>
               </a:rPr>
-              <a:t> 센서 사용</a:t>
+              <a:t> 센서를 부착하여 위치와 각도 인식</a:t>
             </a:r>
             <a:endParaRPr lang="en-US" altLang="ko-KR" dirty="0">
               <a:latin typeface="나눔스퀘어" panose="020B0600000101010101" pitchFamily="50" charset="-127"/>
@@ -13311,7 +8562,7 @@
                 <a:latin typeface="나눔스퀘어" panose="020B0600000101010101" pitchFamily="50" charset="-127"/>
                 <a:ea typeface="나눔스퀘어" panose="020B0600000101010101" pitchFamily="50" charset="-127"/>
               </a:rPr>
-              <a:t>사용자가 한 자리에서 양치</a:t>
+              <a:t>사용자가 고정된 위치에서 양치함을 가정</a:t>
             </a:r>
             <a:endParaRPr dirty="0">
               <a:latin typeface="나눔스퀘어" panose="020B0600000101010101" pitchFamily="50" charset="-127"/>
